--- a/Presentation/GLAPS Presentation.pptx
+++ b/Presentation/GLAPS Presentation.pptx
@@ -5,21 +5,23 @@
     <p:sldMasterId id="2147483648" r:id="rId1"/>
   </p:sldMasterIdLst>
   <p:notesMasterIdLst>
-    <p:notesMasterId r:id="rId11"/>
+    <p:notesMasterId r:id="rId13"/>
   </p:notesMasterIdLst>
   <p:handoutMasterIdLst>
-    <p:handoutMasterId r:id="rId12"/>
+    <p:handoutMasterId r:id="rId14"/>
   </p:handoutMasterIdLst>
   <p:sldIdLst>
     <p:sldId id="256" r:id="rId2"/>
     <p:sldId id="257" r:id="rId3"/>
     <p:sldId id="259" r:id="rId4"/>
     <p:sldId id="260" r:id="rId5"/>
-    <p:sldId id="261" r:id="rId6"/>
-    <p:sldId id="262" r:id="rId7"/>
-    <p:sldId id="263" r:id="rId8"/>
-    <p:sldId id="264" r:id="rId9"/>
-    <p:sldId id="265" r:id="rId10"/>
+    <p:sldId id="262" r:id="rId6"/>
+    <p:sldId id="261" r:id="rId7"/>
+    <p:sldId id="266" r:id="rId8"/>
+    <p:sldId id="263" r:id="rId9"/>
+    <p:sldId id="267" r:id="rId10"/>
+    <p:sldId id="264" r:id="rId11"/>
+    <p:sldId id="265" r:id="rId12"/>
   </p:sldIdLst>
   <p:sldSz cx="12192000" cy="6858000"/>
   <p:notesSz cx="6858000" cy="9144000"/>
@@ -122,6 +124,9 @@
     <p:ext uri="{EFAFB233-063F-42B5-8137-9DF3F51BA10A}">
       <p15:sldGuideLst xmlns:p15="http://schemas.microsoft.com/office/powerpoint/2012/main"/>
     </p:ext>
+    <p:ext uri="{2D200454-40CA-4A62-9FC3-DE9A4176ACB9}">
+      <p15:notesGuideLst xmlns:p15="http://schemas.microsoft.com/office/powerpoint/2012/main"/>
+    </p:ext>
   </p:extLst>
 </p:presentation>
 </file>
@@ -232,7 +237,7 @@
           <a:p>
             <a:fld id="{8FF841A4-3D2F-4A04-8AFD-039DB6C706EF}" type="datetimeFigureOut">
               <a:rPr lang="en-US" smtClean="0"/>
-              <a:t>3/6/2019</a:t>
+              <a:t>5/8/2019</a:t>
             </a:fld>
             <a:endParaRPr lang="en-US"/>
           </a:p>
@@ -409,7 +414,7 @@
           <a:p>
             <a:fld id="{7C9A4655-0732-4CEF-977A-603CB38877C2}" type="datetimeFigureOut">
               <a:rPr lang="en-US" smtClean="0"/>
-              <a:t>3/6/2019</a:t>
+              <a:t>5/8/2019</a:t>
             </a:fld>
             <a:endParaRPr lang="en-US"/>
           </a:p>
@@ -760,6 +765,125 @@
 </p:notes>
 </file>
 
+<file path=ppt/notesSlides/notesSlide10.xml><?xml version="1.0" encoding="utf-8"?>
+<p:notes xmlns:a="http://schemas.openxmlformats.org/drawingml/2006/main" xmlns:r="http://schemas.openxmlformats.org/officeDocument/2006/relationships" xmlns:p="http://schemas.openxmlformats.org/presentationml/2006/main">
+  <p:cSld>
+    <p:spTree>
+      <p:nvGrpSpPr>
+        <p:cNvPr id="1" name=""/>
+        <p:cNvGrpSpPr/>
+        <p:nvPr/>
+      </p:nvGrpSpPr>
+      <p:grpSpPr>
+        <a:xfrm>
+          <a:off x="0" y="0"/>
+          <a:ext cx="0" cy="0"/>
+          <a:chOff x="0" y="0"/>
+          <a:chExt cx="0" cy="0"/>
+        </a:xfrm>
+      </p:grpSpPr>
+      <p:sp>
+        <p:nvSpPr>
+          <p:cNvPr id="2" name="Slide Image Placeholder 1"/>
+          <p:cNvSpPr>
+            <a:spLocks noGrp="1" noRot="1" noChangeAspect="1"/>
+          </p:cNvSpPr>
+          <p:nvPr>
+            <p:ph type="sldImg"/>
+          </p:nvPr>
+        </p:nvSpPr>
+        <p:spPr/>
+      </p:sp>
+      <p:sp>
+        <p:nvSpPr>
+          <p:cNvPr id="3" name="Notes Placeholder 2"/>
+          <p:cNvSpPr>
+            <a:spLocks noGrp="1"/>
+          </p:cNvSpPr>
+          <p:nvPr>
+            <p:ph type="body" idx="1"/>
+          </p:nvPr>
+        </p:nvSpPr>
+        <p:spPr/>
+        <p:txBody>
+          <a:bodyPr/>
+          <a:lstStyle/>
+          <a:p>
+            <a:r>
+              <a:rPr lang="en-US" dirty="0"/>
+              <a:t>(DEF OF RESTFUL API) Our </a:t>
+            </a:r>
+            <a:r>
+              <a:rPr lang="en-US" dirty="0" err="1"/>
+              <a:t>webapp</a:t>
+            </a:r>
+            <a:r>
+              <a:rPr lang="en-US" dirty="0"/>
+              <a:t> automatically provides the </a:t>
+            </a:r>
+            <a:r>
+              <a:rPr lang="en-US" dirty="0" err="1"/>
+              <a:t>api</a:t>
+            </a:r>
+            <a:r>
+              <a:rPr lang="en-US" dirty="0"/>
+              <a:t> call with the input </a:t>
+            </a:r>
+            <a:r>
+              <a:rPr lang="en-US" dirty="0" err="1"/>
+              <a:t>paramaters</a:t>
+            </a:r>
+            <a:r>
+              <a:rPr lang="en-US" dirty="0"/>
+              <a:t> however, if you choose to you can manually change these values. Though they must be formatted in this specific </a:t>
+            </a:r>
+            <a:r>
+              <a:rPr lang="en-US" dirty="0" err="1"/>
+              <a:t>maner</a:t>
+            </a:r>
+            <a:r>
+              <a:rPr lang="en-US" dirty="0"/>
+              <a:t>. </a:t>
+            </a:r>
+          </a:p>
+        </p:txBody>
+      </p:sp>
+      <p:sp>
+        <p:nvSpPr>
+          <p:cNvPr id="4" name="Slide Number Placeholder 3"/>
+          <p:cNvSpPr>
+            <a:spLocks noGrp="1"/>
+          </p:cNvSpPr>
+          <p:nvPr>
+            <p:ph type="sldNum" sz="quarter" idx="5"/>
+          </p:nvPr>
+        </p:nvSpPr>
+        <p:spPr/>
+        <p:txBody>
+          <a:bodyPr/>
+          <a:lstStyle/>
+          <a:p>
+            <a:fld id="{53D823F5-FDDD-4E6F-9CBC-770E77BAD144}" type="slidenum">
+              <a:rPr lang="en-US" smtClean="0"/>
+              <a:t>10</a:t>
+            </a:fld>
+            <a:endParaRPr lang="en-US"/>
+          </a:p>
+        </p:txBody>
+      </p:sp>
+    </p:spTree>
+    <p:extLst>
+      <p:ext uri="{BB962C8B-B14F-4D97-AF65-F5344CB8AC3E}">
+        <p14:creationId xmlns:p14="http://schemas.microsoft.com/office/powerpoint/2010/main" val="1036520210"/>
+      </p:ext>
+    </p:extLst>
+  </p:cSld>
+  <p:clrMapOvr>
+    <a:masterClrMapping/>
+  </p:clrMapOvr>
+</p:notes>
+</file>
+
 <file path=ppt/notesSlides/notesSlide2.xml><?xml version="1.0" encoding="utf-8"?>
 <p:notes xmlns:a="http://schemas.openxmlformats.org/drawingml/2006/main" xmlns:r="http://schemas.openxmlformats.org/officeDocument/2006/relationships" xmlns:p="http://schemas.openxmlformats.org/presentationml/2006/main">
   <p:cSld>
@@ -1056,7 +1180,10 @@
           <a:bodyPr/>
           <a:lstStyle/>
           <a:p>
-            <a:endParaRPr lang="en-US"/>
+            <a:r>
+              <a:rPr lang="en-US" dirty="0"/>
+              <a:t>Transition here by saying something like “Now we’ll walk you through our process”. (MALLORY)</a:t>
+            </a:r>
           </a:p>
         </p:txBody>
       </p:sp>
@@ -1086,7 +1213,7 @@
     </p:spTree>
     <p:extLst>
       <p:ext uri="{BB962C8B-B14F-4D97-AF65-F5344CB8AC3E}">
-        <p14:creationId xmlns:p14="http://schemas.microsoft.com/office/powerpoint/2010/main" val="721312342"/>
+        <p14:creationId xmlns:p14="http://schemas.microsoft.com/office/powerpoint/2010/main" val="3352556034"/>
       </p:ext>
     </p:extLst>
   </p:cSld>
@@ -1140,7 +1267,18 @@
           <a:bodyPr/>
           <a:lstStyle/>
           <a:p>
-            <a:endParaRPr lang="en-US"/>
+            <a:r>
+              <a:rPr lang="en-US" dirty="0"/>
+              <a:t>Login to </a:t>
+            </a:r>
+            <a:r>
+              <a:rPr lang="en-US" dirty="0" err="1"/>
+              <a:t>glaps</a:t>
+            </a:r>
+            <a:r>
+              <a:rPr lang="en-US" dirty="0"/>
+              <a:t> live prior to this (go to page and show facets) (MALLORY)</a:t>
+            </a:r>
           </a:p>
         </p:txBody>
       </p:sp>
@@ -1170,7 +1308,7 @@
     </p:spTree>
     <p:extLst>
       <p:ext uri="{BB962C8B-B14F-4D97-AF65-F5344CB8AC3E}">
-        <p14:creationId xmlns:p14="http://schemas.microsoft.com/office/powerpoint/2010/main" val="3352556034"/>
+        <p14:creationId xmlns:p14="http://schemas.microsoft.com/office/powerpoint/2010/main" val="721312342"/>
       </p:ext>
     </p:extLst>
   </p:cSld>
@@ -1224,7 +1362,10 @@
           <a:bodyPr/>
           <a:lstStyle/>
           <a:p>
-            <a:endParaRPr lang="en-US"/>
+            <a:r>
+              <a:rPr lang="en-US" dirty="0"/>
+              <a:t>The  computer is trying to minimize the discrepancy between the actual data and the prediction without direct programming. </a:t>
+            </a:r>
           </a:p>
         </p:txBody>
       </p:sp>
@@ -1254,7 +1395,7 @@
     </p:spTree>
     <p:extLst>
       <p:ext uri="{BB962C8B-B14F-4D97-AF65-F5344CB8AC3E}">
-        <p14:creationId xmlns:p14="http://schemas.microsoft.com/office/powerpoint/2010/main" val="3221929950"/>
+        <p14:creationId xmlns:p14="http://schemas.microsoft.com/office/powerpoint/2010/main" val="436270838"/>
       </p:ext>
     </p:extLst>
   </p:cSld>
@@ -1338,7 +1479,94 @@
     </p:spTree>
     <p:extLst>
       <p:ext uri="{BB962C8B-B14F-4D97-AF65-F5344CB8AC3E}">
-        <p14:creationId xmlns:p14="http://schemas.microsoft.com/office/powerpoint/2010/main" val="1036520210"/>
+        <p14:creationId xmlns:p14="http://schemas.microsoft.com/office/powerpoint/2010/main" val="3221929950"/>
+      </p:ext>
+    </p:extLst>
+  </p:cSld>
+  <p:clrMapOvr>
+    <a:masterClrMapping/>
+  </p:clrMapOvr>
+</p:notes>
+</file>
+
+<file path=ppt/notesSlides/notesSlide9.xml><?xml version="1.0" encoding="utf-8"?>
+<p:notes xmlns:a="http://schemas.openxmlformats.org/drawingml/2006/main" xmlns:r="http://schemas.openxmlformats.org/officeDocument/2006/relationships" xmlns:p="http://schemas.openxmlformats.org/presentationml/2006/main">
+  <p:cSld>
+    <p:spTree>
+      <p:nvGrpSpPr>
+        <p:cNvPr id="1" name=""/>
+        <p:cNvGrpSpPr/>
+        <p:nvPr/>
+      </p:nvGrpSpPr>
+      <p:grpSpPr>
+        <a:xfrm>
+          <a:off x="0" y="0"/>
+          <a:ext cx="0" cy="0"/>
+          <a:chOff x="0" y="0"/>
+          <a:chExt cx="0" cy="0"/>
+        </a:xfrm>
+      </p:grpSpPr>
+      <p:sp>
+        <p:nvSpPr>
+          <p:cNvPr id="2" name="Slide Image Placeholder 1"/>
+          <p:cNvSpPr>
+            <a:spLocks noGrp="1" noRot="1" noChangeAspect="1"/>
+          </p:cNvSpPr>
+          <p:nvPr>
+            <p:ph type="sldImg"/>
+          </p:nvPr>
+        </p:nvSpPr>
+        <p:spPr/>
+      </p:sp>
+      <p:sp>
+        <p:nvSpPr>
+          <p:cNvPr id="3" name="Notes Placeholder 2"/>
+          <p:cNvSpPr>
+            <a:spLocks noGrp="1"/>
+          </p:cNvSpPr>
+          <p:nvPr>
+            <p:ph type="body" idx="1"/>
+          </p:nvPr>
+        </p:nvSpPr>
+        <p:spPr/>
+        <p:txBody>
+          <a:bodyPr/>
+          <a:lstStyle/>
+          <a:p>
+            <a:r>
+              <a:rPr lang="en-US" dirty="0"/>
+              <a:t>(MALLORY)</a:t>
+            </a:r>
+          </a:p>
+        </p:txBody>
+      </p:sp>
+      <p:sp>
+        <p:nvSpPr>
+          <p:cNvPr id="4" name="Slide Number Placeholder 3"/>
+          <p:cNvSpPr>
+            <a:spLocks noGrp="1"/>
+          </p:cNvSpPr>
+          <p:nvPr>
+            <p:ph type="sldNum" sz="quarter" idx="5"/>
+          </p:nvPr>
+        </p:nvSpPr>
+        <p:spPr/>
+        <p:txBody>
+          <a:bodyPr/>
+          <a:lstStyle/>
+          <a:p>
+            <a:fld id="{53D823F5-FDDD-4E6F-9CBC-770E77BAD144}" type="slidenum">
+              <a:rPr lang="en-US" smtClean="0"/>
+              <a:t>9</a:t>
+            </a:fld>
+            <a:endParaRPr lang="en-US"/>
+          </a:p>
+        </p:txBody>
+      </p:sp>
+    </p:spTree>
+    <p:extLst>
+      <p:ext uri="{BB962C8B-B14F-4D97-AF65-F5344CB8AC3E}">
+        <p14:creationId xmlns:p14="http://schemas.microsoft.com/office/powerpoint/2010/main" val="541741477"/>
       </p:ext>
     </p:extLst>
   </p:cSld>
@@ -1495,7 +1723,7 @@
           <a:p>
             <a:fld id="{2B2943D5-CB9D-448A-BA76-EF80B3FD29FD}" type="datetimeFigureOut">
               <a:rPr lang="en-US" smtClean="0"/>
-              <a:t>3/6/2019</a:t>
+              <a:t>5/8/2019</a:t>
             </a:fld>
             <a:endParaRPr lang="en-US"/>
           </a:p>
@@ -1693,7 +1921,7 @@
           <a:p>
             <a:fld id="{2B2943D5-CB9D-448A-BA76-EF80B3FD29FD}" type="datetimeFigureOut">
               <a:rPr lang="en-US" smtClean="0"/>
-              <a:t>3/6/2019</a:t>
+              <a:t>5/8/2019</a:t>
             </a:fld>
             <a:endParaRPr lang="en-US"/>
           </a:p>
@@ -1901,7 +2129,7 @@
           <a:p>
             <a:fld id="{2B2943D5-CB9D-448A-BA76-EF80B3FD29FD}" type="datetimeFigureOut">
               <a:rPr lang="en-US" smtClean="0"/>
-              <a:t>3/6/2019</a:t>
+              <a:t>5/8/2019</a:t>
             </a:fld>
             <a:endParaRPr lang="en-US"/>
           </a:p>
@@ -2099,7 +2327,7 @@
           <a:p>
             <a:fld id="{2B2943D5-CB9D-448A-BA76-EF80B3FD29FD}" type="datetimeFigureOut">
               <a:rPr lang="en-US" smtClean="0"/>
-              <a:t>3/6/2019</a:t>
+              <a:t>5/8/2019</a:t>
             </a:fld>
             <a:endParaRPr lang="en-US"/>
           </a:p>
@@ -2374,7 +2602,7 @@
           <a:p>
             <a:fld id="{2B2943D5-CB9D-448A-BA76-EF80B3FD29FD}" type="datetimeFigureOut">
               <a:rPr lang="en-US" smtClean="0"/>
-              <a:t>3/6/2019</a:t>
+              <a:t>5/8/2019</a:t>
             </a:fld>
             <a:endParaRPr lang="en-US"/>
           </a:p>
@@ -2639,7 +2867,7 @@
           <a:p>
             <a:fld id="{2B2943D5-CB9D-448A-BA76-EF80B3FD29FD}" type="datetimeFigureOut">
               <a:rPr lang="en-US" smtClean="0"/>
-              <a:t>3/6/2019</a:t>
+              <a:t>5/8/2019</a:t>
             </a:fld>
             <a:endParaRPr lang="en-US"/>
           </a:p>
@@ -3051,7 +3279,7 @@
           <a:p>
             <a:fld id="{2B2943D5-CB9D-448A-BA76-EF80B3FD29FD}" type="datetimeFigureOut">
               <a:rPr lang="en-US" smtClean="0"/>
-              <a:t>3/6/2019</a:t>
+              <a:t>5/8/2019</a:t>
             </a:fld>
             <a:endParaRPr lang="en-US"/>
           </a:p>
@@ -3192,7 +3420,7 @@
           <a:p>
             <a:fld id="{2B2943D5-CB9D-448A-BA76-EF80B3FD29FD}" type="datetimeFigureOut">
               <a:rPr lang="en-US" smtClean="0"/>
-              <a:t>3/6/2019</a:t>
+              <a:t>5/8/2019</a:t>
             </a:fld>
             <a:endParaRPr lang="en-US"/>
           </a:p>
@@ -3305,7 +3533,7 @@
           <a:p>
             <a:fld id="{2B2943D5-CB9D-448A-BA76-EF80B3FD29FD}" type="datetimeFigureOut">
               <a:rPr lang="en-US" smtClean="0"/>
-              <a:t>3/6/2019</a:t>
+              <a:t>5/8/2019</a:t>
             </a:fld>
             <a:endParaRPr lang="en-US"/>
           </a:p>
@@ -3616,7 +3844,7 @@
           <a:p>
             <a:fld id="{2B2943D5-CB9D-448A-BA76-EF80B3FD29FD}" type="datetimeFigureOut">
               <a:rPr lang="en-US" smtClean="0"/>
-              <a:t>3/6/2019</a:t>
+              <a:t>5/8/2019</a:t>
             </a:fld>
             <a:endParaRPr lang="en-US"/>
           </a:p>
@@ -3904,7 +4132,7 @@
           <a:p>
             <a:fld id="{2B2943D5-CB9D-448A-BA76-EF80B3FD29FD}" type="datetimeFigureOut">
               <a:rPr lang="en-US" smtClean="0"/>
-              <a:t>3/6/2019</a:t>
+              <a:t>5/8/2019</a:t>
             </a:fld>
             <a:endParaRPr lang="en-US"/>
           </a:p>
@@ -4148,7 +4376,7 @@
           <a:p>
             <a:fld id="{2B2943D5-CB9D-448A-BA76-EF80B3FD29FD}" type="datetimeFigureOut">
               <a:rPr lang="en-US" smtClean="0"/>
-              <a:t>3/6/2019</a:t>
+              <a:t>5/8/2019</a:t>
             </a:fld>
             <a:endParaRPr lang="en-US"/>
           </a:p>
@@ -4719,6 +4947,240 @@
 </p:sld>
 </file>
 
+<file path=ppt/slides/slide10.xml><?xml version="1.0" encoding="utf-8"?>
+<p:sld xmlns:a="http://schemas.openxmlformats.org/drawingml/2006/main" xmlns:r="http://schemas.openxmlformats.org/officeDocument/2006/relationships" xmlns:p="http://schemas.openxmlformats.org/presentationml/2006/main">
+  <p:cSld>
+    <p:spTree>
+      <p:nvGrpSpPr>
+        <p:cNvPr id="1" name=""/>
+        <p:cNvGrpSpPr/>
+        <p:nvPr/>
+      </p:nvGrpSpPr>
+      <p:grpSpPr>
+        <a:xfrm>
+          <a:off x="0" y="0"/>
+          <a:ext cx="0" cy="0"/>
+          <a:chOff x="0" y="0"/>
+          <a:chExt cx="0" cy="0"/>
+        </a:xfrm>
+      </p:grpSpPr>
+      <p:sp>
+        <p:nvSpPr>
+          <p:cNvPr id="2" name="Title 1">
+            <a:extLst>
+              <a:ext uri="{FF2B5EF4-FFF2-40B4-BE49-F238E27FC236}">
+                <a16:creationId xmlns:a16="http://schemas.microsoft.com/office/drawing/2014/main" id="{5FDDAA3C-F3C8-4DDB-80B9-DA237F3F4532}"/>
+              </a:ext>
+            </a:extLst>
+          </p:cNvPr>
+          <p:cNvSpPr>
+            <a:spLocks noGrp="1"/>
+          </p:cNvSpPr>
+          <p:nvPr>
+            <p:ph type="title"/>
+          </p:nvPr>
+        </p:nvSpPr>
+        <p:spPr/>
+        <p:txBody>
+          <a:bodyPr/>
+          <a:lstStyle/>
+          <a:p>
+            <a:r>
+              <a:rPr lang="en-US" dirty="0">
+                <a:solidFill>
+                  <a:schemeClr val="bg1"/>
+                </a:solidFill>
+              </a:rPr>
+              <a:t>API Creation</a:t>
+            </a:r>
+          </a:p>
+        </p:txBody>
+      </p:sp>
+      <p:sp>
+        <p:nvSpPr>
+          <p:cNvPr id="5" name="Content Placeholder 4">
+            <a:extLst>
+              <a:ext uri="{FF2B5EF4-FFF2-40B4-BE49-F238E27FC236}">
+                <a16:creationId xmlns:a16="http://schemas.microsoft.com/office/drawing/2014/main" id="{A1F85561-941A-4945-B189-40E82BE37C18}"/>
+              </a:ext>
+            </a:extLst>
+          </p:cNvPr>
+          <p:cNvSpPr>
+            <a:spLocks noGrp="1"/>
+          </p:cNvSpPr>
+          <p:nvPr>
+            <p:ph idx="1"/>
+          </p:nvPr>
+        </p:nvSpPr>
+        <p:spPr/>
+        <p:txBody>
+          <a:bodyPr/>
+          <a:lstStyle/>
+          <a:p>
+            <a:r>
+              <a:rPr lang="en-US" dirty="0">
+                <a:solidFill>
+                  <a:schemeClr val="bg1"/>
+                </a:solidFill>
+              </a:rPr>
+              <a:t>RESTful API</a:t>
+            </a:r>
+          </a:p>
+          <a:p>
+            <a:r>
+              <a:rPr lang="en-US" dirty="0">
+                <a:solidFill>
+                  <a:schemeClr val="bg1"/>
+                </a:solidFill>
+              </a:rPr>
+              <a:t>Returns JSON Dictionary</a:t>
+            </a:r>
+          </a:p>
+          <a:p>
+            <a:endParaRPr lang="en-US" dirty="0">
+              <a:solidFill>
+                <a:schemeClr val="bg1"/>
+              </a:solidFill>
+            </a:endParaRPr>
+          </a:p>
+          <a:p>
+            <a:r>
+              <a:rPr lang="en-US" dirty="0">
+                <a:hlinkClick r:id="rId3"/>
+              </a:rPr>
+              <a:t>http://gmastorg.pythonanywhere.com/GLAPS?HomeVal=150000&amp;County=Cumberland%20County,%20North%20Carolina</a:t>
+            </a:r>
+            <a:endParaRPr lang="en-US" dirty="0"/>
+          </a:p>
+          <a:p>
+            <a:endParaRPr lang="en-US" dirty="0">
+              <a:solidFill>
+                <a:schemeClr val="bg1"/>
+              </a:solidFill>
+            </a:endParaRPr>
+          </a:p>
+          <a:p>
+            <a:pPr marL="0" indent="0">
+              <a:buNone/>
+            </a:pPr>
+            <a:endParaRPr lang="en-US" dirty="0">
+              <a:solidFill>
+                <a:schemeClr val="bg1"/>
+              </a:solidFill>
+            </a:endParaRPr>
+          </a:p>
+        </p:txBody>
+      </p:sp>
+    </p:spTree>
+    <p:extLst>
+      <p:ext uri="{BB962C8B-B14F-4D97-AF65-F5344CB8AC3E}">
+        <p14:creationId xmlns:p14="http://schemas.microsoft.com/office/powerpoint/2010/main" val="1373218052"/>
+      </p:ext>
+    </p:extLst>
+  </p:cSld>
+  <p:clrMapOvr>
+    <a:masterClrMapping/>
+  </p:clrMapOvr>
+</p:sld>
+</file>
+
+<file path=ppt/slides/slide11.xml><?xml version="1.0" encoding="utf-8"?>
+<p:sld xmlns:a="http://schemas.openxmlformats.org/drawingml/2006/main" xmlns:r="http://schemas.openxmlformats.org/officeDocument/2006/relationships" xmlns:p="http://schemas.openxmlformats.org/presentationml/2006/main">
+  <p:cSld>
+    <p:spTree>
+      <p:nvGrpSpPr>
+        <p:cNvPr id="1" name=""/>
+        <p:cNvGrpSpPr/>
+        <p:nvPr/>
+      </p:nvGrpSpPr>
+      <p:grpSpPr>
+        <a:xfrm>
+          <a:off x="0" y="0"/>
+          <a:ext cx="0" cy="0"/>
+          <a:chOff x="0" y="0"/>
+          <a:chExt cx="0" cy="0"/>
+        </a:xfrm>
+      </p:grpSpPr>
+      <p:sp>
+        <p:nvSpPr>
+          <p:cNvPr id="2" name="Title 1">
+            <a:extLst>
+              <a:ext uri="{FF2B5EF4-FFF2-40B4-BE49-F238E27FC236}">
+                <a16:creationId xmlns:a16="http://schemas.microsoft.com/office/drawing/2014/main" id="{916DCDC0-B1FB-4698-B0C9-F5C6F4B9536B}"/>
+              </a:ext>
+            </a:extLst>
+          </p:cNvPr>
+          <p:cNvSpPr>
+            <a:spLocks noGrp="1"/>
+          </p:cNvSpPr>
+          <p:nvPr>
+            <p:ph type="title"/>
+          </p:nvPr>
+        </p:nvSpPr>
+        <p:spPr/>
+        <p:txBody>
+          <a:bodyPr/>
+          <a:lstStyle/>
+          <a:p>
+            <a:r>
+              <a:rPr lang="en-US" dirty="0">
+                <a:solidFill>
+                  <a:schemeClr val="bg1"/>
+                </a:solidFill>
+              </a:rPr>
+              <a:t>Going Forward</a:t>
+            </a:r>
+          </a:p>
+        </p:txBody>
+      </p:sp>
+      <p:sp>
+        <p:nvSpPr>
+          <p:cNvPr id="3" name="Content Placeholder 2">
+            <a:extLst>
+              <a:ext uri="{FF2B5EF4-FFF2-40B4-BE49-F238E27FC236}">
+                <a16:creationId xmlns:a16="http://schemas.microsoft.com/office/drawing/2014/main" id="{54A700F1-AD0B-49FB-871D-C006332247C0}"/>
+              </a:ext>
+            </a:extLst>
+          </p:cNvPr>
+          <p:cNvSpPr>
+            <a:spLocks noGrp="1"/>
+          </p:cNvSpPr>
+          <p:nvPr>
+            <p:ph idx="1"/>
+          </p:nvPr>
+        </p:nvSpPr>
+        <p:spPr/>
+        <p:txBody>
+          <a:bodyPr/>
+          <a:lstStyle/>
+          <a:p>
+            <a:pPr marL="0" indent="0">
+              <a:buNone/>
+            </a:pPr>
+            <a:r>
+              <a:rPr lang="en-US" dirty="0">
+                <a:solidFill>
+                  <a:schemeClr val="bg1"/>
+                </a:solidFill>
+              </a:rPr>
+              <a:t>Switching from current home value predictions to future home value predictions as well as add other developmental projects such as malls, or parks. </a:t>
+            </a:r>
+          </a:p>
+        </p:txBody>
+      </p:sp>
+    </p:spTree>
+    <p:extLst>
+      <p:ext uri="{BB962C8B-B14F-4D97-AF65-F5344CB8AC3E}">
+        <p14:creationId xmlns:p14="http://schemas.microsoft.com/office/powerpoint/2010/main" val="1964266525"/>
+      </p:ext>
+    </p:extLst>
+  </p:cSld>
+  <p:clrMapOvr>
+    <a:masterClrMapping/>
+  </p:clrMapOvr>
+</p:sld>
+</file>
+
 <file path=ppt/slides/slide2.xml><?xml version="1.0" encoding="utf-8"?>
 <p:sld xmlns:a="http://schemas.openxmlformats.org/drawingml/2006/main" xmlns:r="http://schemas.openxmlformats.org/officeDocument/2006/relationships" xmlns:p="http://schemas.openxmlformats.org/presentationml/2006/main">
   <p:cSld>
@@ -4763,7 +5225,7 @@
                   <a:schemeClr val="bg1"/>
                 </a:solidFill>
               </a:rPr>
-              <a:t>Team</a:t>
+              <a:t>Backend Team</a:t>
             </a:r>
           </a:p>
         </p:txBody>
@@ -4788,81 +5250,6 @@
         <p:txBody>
           <a:bodyPr/>
           <a:lstStyle/>
-          <a:p>
-            <a:pPr marL="0" indent="0">
-              <a:buNone/>
-            </a:pPr>
-            <a:r>
-              <a:rPr lang="en-US" dirty="0">
-                <a:solidFill>
-                  <a:schemeClr val="bg1"/>
-                </a:solidFill>
-              </a:rPr>
-              <a:t>Front End </a:t>
-            </a:r>
-          </a:p>
-          <a:p>
-            <a:pPr marL="0" indent="0">
-              <a:buNone/>
-            </a:pPr>
-            <a:r>
-              <a:rPr lang="en-US" dirty="0">
-                <a:solidFill>
-                  <a:schemeClr val="bg1"/>
-                </a:solidFill>
-              </a:rPr>
-              <a:t>	-Brian </a:t>
-            </a:r>
-            <a:r>
-              <a:rPr lang="en-US" dirty="0" err="1">
-                <a:solidFill>
-                  <a:schemeClr val="bg1"/>
-                </a:solidFill>
-              </a:rPr>
-              <a:t>Schweikart</a:t>
-            </a:r>
-            <a:endParaRPr lang="en-US" dirty="0">
-              <a:solidFill>
-                <a:schemeClr val="bg1"/>
-              </a:solidFill>
-            </a:endParaRPr>
-          </a:p>
-          <a:p>
-            <a:pPr marL="0" indent="0">
-              <a:buNone/>
-            </a:pPr>
-            <a:r>
-              <a:rPr lang="en-US" dirty="0">
-                <a:solidFill>
-                  <a:schemeClr val="bg1"/>
-                </a:solidFill>
-              </a:rPr>
-              <a:t>	- Jesse Watts</a:t>
-            </a:r>
-          </a:p>
-          <a:p>
-            <a:pPr marL="0" indent="0">
-              <a:buNone/>
-            </a:pPr>
-            <a:endParaRPr lang="en-US" dirty="0">
-              <a:solidFill>
-                <a:schemeClr val="bg1"/>
-              </a:solidFill>
-            </a:endParaRPr>
-          </a:p>
-          <a:p>
-            <a:pPr marL="0" indent="0">
-              <a:buNone/>
-            </a:pPr>
-            <a:r>
-              <a:rPr lang="en-US" dirty="0">
-                <a:solidFill>
-                  <a:schemeClr val="bg1"/>
-                </a:solidFill>
-              </a:rPr>
-              <a:t>Back End</a:t>
-            </a:r>
-          </a:p>
           <a:p>
             <a:pPr marL="0" indent="0">
               <a:buNone/>
@@ -5108,22 +5495,9 @@
         <p:spPr/>
         <p:txBody>
           <a:bodyPr>
-            <a:normAutofit lnSpcReduction="10000"/>
+            <a:normAutofit/>
           </a:bodyPr>
           <a:lstStyle/>
-          <a:p>
-            <a:pPr marL="0" indent="0">
-              <a:buNone/>
-            </a:pPr>
-            <a:r>
-              <a:rPr lang="en-US" u="sng" dirty="0">
-                <a:solidFill>
-                  <a:schemeClr val="bg1"/>
-                </a:solidFill>
-              </a:rPr>
-              <a:t>Goal:</a:t>
-            </a:r>
-          </a:p>
           <a:p>
             <a:pPr marL="0" indent="0">
               <a:buNone/>
@@ -5134,56 +5508,7 @@
                   <a:schemeClr val="bg1"/>
                 </a:solidFill>
               </a:rPr>
-              <a:t>Our software will aim to predict the effects of these facilities on future home values. </a:t>
-            </a:r>
-          </a:p>
-          <a:p>
-            <a:pPr marL="0" indent="0">
-              <a:buNone/>
-            </a:pPr>
-            <a:r>
-              <a:rPr lang="en-US" dirty="0">
-                <a:solidFill>
-                  <a:schemeClr val="bg1"/>
-                </a:solidFill>
-              </a:rPr>
-              <a:t>The user will enter an address and current home value, then select the type of facility and the number of years in the future for which they wish to view the predicted property value.</a:t>
-            </a:r>
-          </a:p>
-          <a:p>
-            <a:pPr marL="0" indent="0">
-              <a:buNone/>
-            </a:pPr>
-            <a:endParaRPr lang="en-US" dirty="0">
-              <a:solidFill>
-                <a:schemeClr val="bg1"/>
-              </a:solidFill>
-            </a:endParaRPr>
-          </a:p>
-          <a:p>
-            <a:pPr marL="0" indent="0">
-              <a:buNone/>
-            </a:pPr>
-            <a:r>
-              <a:rPr lang="en-US" u="sng" dirty="0">
-                <a:solidFill>
-                  <a:schemeClr val="bg1"/>
-                </a:solidFill>
-              </a:rPr>
-              <a:t>Minimum Viable Product:</a:t>
-            </a:r>
-          </a:p>
-          <a:p>
-            <a:pPr marL="0" indent="0">
-              <a:buNone/>
-            </a:pPr>
-            <a:r>
-              <a:rPr lang="en-US" dirty="0">
-                <a:solidFill>
-                  <a:schemeClr val="bg1"/>
-                </a:solidFill>
-              </a:rPr>
-              <a:t>Our software will be able to predict future home values based on the current factors in a specific state. </a:t>
+              <a:t>Our software predicts the effects of professional baseball stadiums on property values. Using an address and current home value our API returns a prediction of the median home value with a stadium, without a stadium and uses the percent of change to calculate the user’s home value. </a:t>
             </a:r>
           </a:p>
           <a:p>
@@ -5253,7 +5578,7 @@
           <p:cNvPr id="2" name="Title 1">
             <a:extLst>
               <a:ext uri="{FF2B5EF4-FFF2-40B4-BE49-F238E27FC236}">
-                <a16:creationId xmlns:a16="http://schemas.microsoft.com/office/drawing/2014/main" id="{F7D5432D-A80C-45F6-8586-20BA3F1F2CEA}"/>
+                <a16:creationId xmlns:a16="http://schemas.microsoft.com/office/drawing/2014/main" id="{D648175B-7A83-4D2A-B54F-ABE0F6A08D4A}"/>
               </a:ext>
             </a:extLst>
           </p:cNvPr>
@@ -5264,7 +5589,12 @@
             <p:ph type="title"/>
           </p:nvPr>
         </p:nvSpPr>
-        <p:spPr/>
+        <p:spPr>
+          <a:xfrm>
+            <a:off x="838200" y="365125"/>
+            <a:ext cx="10515600" cy="1325563"/>
+          </a:xfrm>
+        </p:spPr>
         <p:txBody>
           <a:bodyPr/>
           <a:lstStyle/>
@@ -5275,7 +5605,7 @@
                   <a:schemeClr val="bg1"/>
                 </a:solidFill>
               </a:rPr>
-              <a:t>Data Collection</a:t>
+              <a:t>Software </a:t>
             </a:r>
           </a:p>
         </p:txBody>
@@ -5285,7 +5615,7 @@
           <p:cNvPr id="3" name="Content Placeholder 2">
             <a:extLst>
               <a:ext uri="{FF2B5EF4-FFF2-40B4-BE49-F238E27FC236}">
-                <a16:creationId xmlns:a16="http://schemas.microsoft.com/office/drawing/2014/main" id="{44DBDC77-41B8-4CDD-9E85-FA7B3DF376DD}"/>
+                <a16:creationId xmlns:a16="http://schemas.microsoft.com/office/drawing/2014/main" id="{977A82DD-3673-44B8-BC27-95AD32107C1D}"/>
               </a:ext>
             </a:extLst>
           </p:cNvPr>
@@ -5296,14 +5626,11 @@
             <p:ph idx="1"/>
           </p:nvPr>
         </p:nvSpPr>
-        <p:spPr>
-          <a:xfrm>
-            <a:off x="838200" y="1825625"/>
-            <a:ext cx="10515600" cy="4351338"/>
-          </a:xfrm>
-        </p:spPr>
-        <p:txBody>
-          <a:bodyPr/>
+        <p:spPr/>
+        <p:txBody>
+          <a:bodyPr>
+            <a:normAutofit fontScale="85000" lnSpcReduction="20000"/>
+          </a:bodyPr>
           <a:lstStyle/>
           <a:p>
             <a:pPr marL="0" indent="0">
@@ -5315,13 +5642,55 @@
                   <a:schemeClr val="bg1"/>
                 </a:solidFill>
               </a:rPr>
-              <a:t>Our data was obtained by using the Census API</a:t>
+              <a:t>Language:</a:t>
             </a:r>
           </a:p>
           <a:p>
             <a:pPr marL="0" indent="0">
               <a:buNone/>
             </a:pPr>
+            <a:r>
+              <a:rPr lang="en-US" dirty="0">
+                <a:solidFill>
+                  <a:schemeClr val="bg1"/>
+                </a:solidFill>
+              </a:rPr>
+              <a:t>	- Python</a:t>
+            </a:r>
+          </a:p>
+          <a:p>
+            <a:pPr marL="0" indent="0">
+              <a:buNone/>
+            </a:pPr>
+            <a:r>
+              <a:rPr lang="en-US" dirty="0">
+                <a:solidFill>
+                  <a:schemeClr val="bg1"/>
+                </a:solidFill>
+              </a:rPr>
+              <a:t>Database:</a:t>
+            </a:r>
+          </a:p>
+          <a:p>
+            <a:pPr marL="0" indent="0">
+              <a:buNone/>
+            </a:pPr>
+            <a:r>
+              <a:rPr lang="en-US" dirty="0">
+                <a:solidFill>
+                  <a:schemeClr val="bg1"/>
+                </a:solidFill>
+              </a:rPr>
+              <a:t>	- </a:t>
+            </a:r>
+            <a:r>
+              <a:rPr lang="en-US" dirty="0" err="1">
+                <a:solidFill>
+                  <a:schemeClr val="bg1"/>
+                </a:solidFill>
+              </a:rPr>
+              <a:t>Sqlite</a:t>
+            </a:r>
             <a:endParaRPr lang="en-US" dirty="0">
               <a:solidFill>
                 <a:schemeClr val="bg1"/>
@@ -5338,18 +5707,8 @@
                   <a:schemeClr val="bg1"/>
                 </a:solidFill>
               </a:rPr>
-              <a:t>Visualization of the Data was achieved through the use of Google Facets.</a:t>
-            </a:r>
-          </a:p>
-          <a:p>
-            <a:pPr marL="0" indent="0">
-              <a:buNone/>
-            </a:pPr>
-            <a:endParaRPr lang="en-US" dirty="0">
-              <a:solidFill>
-                <a:schemeClr val="bg1"/>
-              </a:solidFill>
-            </a:endParaRPr>
+              <a:t>Machine Learning:</a:t>
+            </a:r>
           </a:p>
           <a:p>
             <a:pPr marL="0" indent="0">
@@ -5360,22 +5719,113 @@
                 <a:solidFill>
                   <a:schemeClr val="bg1"/>
                 </a:solidFill>
-                <a:hlinkClick r:id="rId3"/>
               </a:rPr>
-              <a:t>https://pair-code.github.io/facets/</a:t>
-            </a:r>
-            <a:endParaRPr lang="en-US" dirty="0">
-              <a:solidFill>
-                <a:schemeClr val="bg1"/>
-              </a:solidFill>
-            </a:endParaRPr>
+              <a:t>	- </a:t>
+            </a:r>
+            <a:r>
+              <a:rPr lang="en-US" dirty="0" err="1">
+                <a:solidFill>
+                  <a:schemeClr val="bg1"/>
+                </a:solidFill>
+              </a:rPr>
+              <a:t>Keras</a:t>
+            </a:r>
+            <a:r>
+              <a:rPr lang="en-US" dirty="0">
+                <a:solidFill>
+                  <a:schemeClr val="bg1"/>
+                </a:solidFill>
+              </a:rPr>
+              <a:t> backed with TensorFlow</a:t>
+            </a:r>
+          </a:p>
+          <a:p>
+            <a:pPr marL="0" indent="0">
+              <a:buNone/>
+            </a:pPr>
+            <a:r>
+              <a:rPr lang="en-US" dirty="0">
+                <a:solidFill>
+                  <a:schemeClr val="bg1"/>
+                </a:solidFill>
+              </a:rPr>
+              <a:t>Visualization:</a:t>
+            </a:r>
+          </a:p>
+          <a:p>
+            <a:pPr marL="0" indent="0">
+              <a:buNone/>
+            </a:pPr>
+            <a:r>
+              <a:rPr lang="en-US" dirty="0">
+                <a:solidFill>
+                  <a:schemeClr val="bg1"/>
+                </a:solidFill>
+              </a:rPr>
+              <a:t>	-  Facets</a:t>
+            </a:r>
+          </a:p>
+          <a:p>
+            <a:pPr marL="0" indent="0">
+              <a:buNone/>
+            </a:pPr>
+            <a:r>
+              <a:rPr lang="en-US" dirty="0">
+                <a:solidFill>
+                  <a:schemeClr val="bg1"/>
+                </a:solidFill>
+              </a:rPr>
+              <a:t>	- </a:t>
+            </a:r>
+            <a:r>
+              <a:rPr lang="en-US" dirty="0" err="1">
+                <a:solidFill>
+                  <a:schemeClr val="bg1"/>
+                </a:solidFill>
+              </a:rPr>
+              <a:t>TensorBoard</a:t>
+            </a:r>
+            <a:r>
+              <a:rPr lang="en-US" dirty="0">
+                <a:solidFill>
+                  <a:schemeClr val="bg1"/>
+                </a:solidFill>
+              </a:rPr>
+              <a:t> </a:t>
+            </a:r>
+          </a:p>
+          <a:p>
+            <a:pPr marL="0" indent="0">
+              <a:buNone/>
+            </a:pPr>
+            <a:r>
+              <a:rPr lang="en-US" dirty="0">
+                <a:solidFill>
+                  <a:schemeClr val="bg1"/>
+                </a:solidFill>
+              </a:rPr>
+              <a:t>Hosting:</a:t>
+            </a:r>
+          </a:p>
+          <a:p>
+            <a:pPr marL="0" indent="0">
+              <a:buNone/>
+            </a:pPr>
+            <a:r>
+              <a:rPr lang="en-US" dirty="0">
+                <a:solidFill>
+                  <a:schemeClr val="bg1"/>
+                </a:solidFill>
+              </a:rPr>
+              <a:t>	-PythonAnywhere</a:t>
+            </a:r>
           </a:p>
         </p:txBody>
       </p:sp>
     </p:spTree>
     <p:extLst>
       <p:ext uri="{BB962C8B-B14F-4D97-AF65-F5344CB8AC3E}">
-        <p14:creationId xmlns:p14="http://schemas.microsoft.com/office/powerpoint/2010/main" val="677316536"/>
+        <p14:creationId xmlns:p14="http://schemas.microsoft.com/office/powerpoint/2010/main" val="312691985"/>
       </p:ext>
     </p:extLst>
   </p:cSld>
@@ -5407,7 +5857,7 @@
           <p:cNvPr id="2" name="Title 1">
             <a:extLst>
               <a:ext uri="{FF2B5EF4-FFF2-40B4-BE49-F238E27FC236}">
-                <a16:creationId xmlns:a16="http://schemas.microsoft.com/office/drawing/2014/main" id="{D648175B-7A83-4D2A-B54F-ABE0F6A08D4A}"/>
+                <a16:creationId xmlns:a16="http://schemas.microsoft.com/office/drawing/2014/main" id="{F7D5432D-A80C-45F6-8586-20BA3F1F2CEA}"/>
               </a:ext>
             </a:extLst>
           </p:cNvPr>
@@ -5418,12 +5868,7 @@
             <p:ph type="title"/>
           </p:nvPr>
         </p:nvSpPr>
-        <p:spPr>
-          <a:xfrm>
-            <a:off x="838200" y="365125"/>
-            <a:ext cx="10515600" cy="1325563"/>
-          </a:xfrm>
-        </p:spPr>
+        <p:spPr/>
         <p:txBody>
           <a:bodyPr/>
           <a:lstStyle/>
@@ -5434,7 +5879,7 @@
                   <a:schemeClr val="bg1"/>
                 </a:solidFill>
               </a:rPr>
-              <a:t>Software </a:t>
+              <a:t>Data Collection</a:t>
             </a:r>
           </a:p>
         </p:txBody>
@@ -5444,7 +5889,7 @@
           <p:cNvPr id="3" name="Content Placeholder 2">
             <a:extLst>
               <a:ext uri="{FF2B5EF4-FFF2-40B4-BE49-F238E27FC236}">
-                <a16:creationId xmlns:a16="http://schemas.microsoft.com/office/drawing/2014/main" id="{977A82DD-3673-44B8-BC27-95AD32107C1D}"/>
+                <a16:creationId xmlns:a16="http://schemas.microsoft.com/office/drawing/2014/main" id="{44DBDC77-41B8-4CDD-9E85-FA7B3DF376DD}"/>
               </a:ext>
             </a:extLst>
           </p:cNvPr>
@@ -5455,10 +5900,15 @@
             <p:ph idx="1"/>
           </p:nvPr>
         </p:nvSpPr>
-        <p:spPr/>
+        <p:spPr>
+          <a:xfrm>
+            <a:off x="838200" y="1558339"/>
+            <a:ext cx="10515600" cy="4351338"/>
+          </a:xfrm>
+        </p:spPr>
         <p:txBody>
           <a:bodyPr>
-            <a:normAutofit/>
+            <a:normAutofit lnSpcReduction="10000"/>
           </a:bodyPr>
           <a:lstStyle/>
           <a:p>
@@ -5471,8 +5921,18 @@
                   <a:schemeClr val="bg1"/>
                 </a:solidFill>
               </a:rPr>
-              <a:t>Language:</a:t>
-            </a:r>
+              <a:t>Our data was obtained by using the Census API</a:t>
+            </a:r>
+          </a:p>
+          <a:p>
+            <a:pPr marL="0" indent="0">
+              <a:buNone/>
+            </a:pPr>
+            <a:endParaRPr lang="en-US" dirty="0">
+              <a:solidFill>
+                <a:schemeClr val="bg1"/>
+              </a:solidFill>
+            </a:endParaRPr>
           </a:p>
           <a:p>
             <a:pPr marL="0" indent="0">
@@ -5484,33 +5944,44 @@
                   <a:schemeClr val="bg1"/>
                 </a:solidFill>
               </a:rPr>
-              <a:t>	- Python</a:t>
+              <a:t>Sample Call:</a:t>
             </a:r>
           </a:p>
           <a:p>
             <a:pPr marL="0" indent="0">
               <a:buNone/>
             </a:pPr>
+            <a:r>
+              <a:rPr lang="en-US" dirty="0" err="1">
+                <a:solidFill>
+                  <a:schemeClr val="bg1"/>
+                </a:solidFill>
+              </a:rPr>
+              <a:t>url</a:t>
+            </a:r>
             <a:r>
               <a:rPr lang="en-US" dirty="0">
                 <a:solidFill>
                   <a:schemeClr val="bg1"/>
                 </a:solidFill>
               </a:rPr>
-              <a:t>Database:</a:t>
-            </a:r>
-          </a:p>
-          <a:p>
-            <a:pPr marL="0" indent="0">
-              <a:buNone/>
-            </a:pPr>
+              <a:t> = </a:t>
+            </a:r>
+            <a:r>
+              <a:rPr lang="en-US" dirty="0" err="1">
+                <a:solidFill>
+                  <a:schemeClr val="bg1"/>
+                </a:solidFill>
+              </a:rPr>
+              <a:t>requests.get</a:t>
+            </a:r>
             <a:r>
               <a:rPr lang="en-US" dirty="0">
                 <a:solidFill>
                   <a:schemeClr val="bg1"/>
                 </a:solidFill>
               </a:rPr>
-              <a:t>	- </a:t>
+              <a:t>("https://api.census.gov/data/2011/</a:t>
             </a:r>
             <a:r>
               <a:rPr lang="en-US" dirty="0" err="1">
@@ -5518,8 +5989,21 @@
                   <a:schemeClr val="bg1"/>
                 </a:solidFill>
               </a:rPr>
-              <a:t>Sqlite</a:t>
-            </a:r>
+              <a:t>acs</a:t>
+            </a:r>
+            <a:r>
+              <a:rPr lang="en-US" dirty="0">
+                <a:solidFill>
+                  <a:schemeClr val="bg1"/>
+                </a:solidFill>
+              </a:rPr>
+              <a:t>/acs1?get=NAME,B01001_001E&amp;for=county:*&amp;in=state:*&amp;key=c64b663f57b72887707719c1318350c2fb6f9146")</a:t>
+            </a:r>
+          </a:p>
+          <a:p>
+            <a:pPr marL="0" indent="0">
+              <a:buNone/>
+            </a:pPr>
             <a:endParaRPr lang="en-US" dirty="0">
               <a:solidFill>
                 <a:schemeClr val="bg1"/>
@@ -5536,86 +6020,35 @@
                   <a:schemeClr val="bg1"/>
                 </a:solidFill>
               </a:rPr>
-              <a:t>Machine Learning:</a:t>
+              <a:t>Visualization of the Data was achieved through the use of Google Facets.</a:t>
             </a:r>
           </a:p>
           <a:p>
             <a:pPr marL="0" indent="0">
               <a:buNone/>
             </a:pPr>
-            <a:r>
-              <a:rPr lang="en-US" dirty="0">
-                <a:solidFill>
-                  <a:schemeClr val="bg1"/>
-                </a:solidFill>
-              </a:rPr>
-              <a:t>	- </a:t>
-            </a:r>
-            <a:r>
-              <a:rPr lang="en-US" dirty="0" err="1">
-                <a:solidFill>
-                  <a:schemeClr val="bg1"/>
-                </a:solidFill>
-              </a:rPr>
-              <a:t>Keras</a:t>
-            </a:r>
-            <a:r>
-              <a:rPr lang="en-US" dirty="0">
-                <a:solidFill>
-                  <a:schemeClr val="bg1"/>
-                </a:solidFill>
-              </a:rPr>
-              <a:t> backed with TensorFlow</a:t>
-            </a:r>
+            <a:endParaRPr lang="en-US" dirty="0">
+              <a:solidFill>
+                <a:schemeClr val="bg1"/>
+              </a:solidFill>
+            </a:endParaRPr>
           </a:p>
           <a:p>
             <a:pPr marL="0" indent="0">
               <a:buNone/>
             </a:pPr>
-            <a:r>
-              <a:rPr lang="en-US" dirty="0">
-                <a:solidFill>
-                  <a:schemeClr val="bg1"/>
-                </a:solidFill>
-              </a:rPr>
-              <a:t>Visualization:</a:t>
-            </a:r>
-          </a:p>
-          <a:p>
-            <a:pPr marL="0" indent="0">
-              <a:buNone/>
-            </a:pPr>
-            <a:r>
-              <a:rPr lang="en-US" dirty="0">
-                <a:solidFill>
-                  <a:schemeClr val="bg1"/>
-                </a:solidFill>
-              </a:rPr>
-              <a:t>	- </a:t>
-            </a:r>
-            <a:r>
-              <a:rPr lang="en-US" dirty="0" err="1">
-                <a:solidFill>
-                  <a:schemeClr val="bg1"/>
-                </a:solidFill>
-              </a:rPr>
-              <a:t>TensorBoard</a:t>
-            </a:r>
-            <a:r>
-              <a:rPr lang="en-US" dirty="0">
-                <a:solidFill>
-                  <a:schemeClr val="bg1"/>
-                </a:solidFill>
-              </a:rPr>
-              <a:t> </a:t>
-            </a:r>
+            <a:endParaRPr lang="en-US" dirty="0">
+              <a:solidFill>
+                <a:schemeClr val="bg1"/>
+              </a:solidFill>
+            </a:endParaRPr>
           </a:p>
         </p:txBody>
       </p:sp>
     </p:spTree>
     <p:extLst>
       <p:ext uri="{BB962C8B-B14F-4D97-AF65-F5344CB8AC3E}">
-        <p14:creationId xmlns:p14="http://schemas.microsoft.com/office/powerpoint/2010/main" val="312691985"/>
+        <p14:creationId xmlns:p14="http://schemas.microsoft.com/office/powerpoint/2010/main" val="677316536"/>
       </p:ext>
     </p:extLst>
   </p:cSld>
@@ -5647,7 +6080,7 @@
           <p:cNvPr id="2" name="Title 1">
             <a:extLst>
               <a:ext uri="{FF2B5EF4-FFF2-40B4-BE49-F238E27FC236}">
-                <a16:creationId xmlns:a16="http://schemas.microsoft.com/office/drawing/2014/main" id="{3224F8B1-9EF6-4486-B531-014DA4576B4C}"/>
+                <a16:creationId xmlns:a16="http://schemas.microsoft.com/office/drawing/2014/main" id="{54E800F8-ABD4-41FA-A506-31207AED7DBE}"/>
               </a:ext>
             </a:extLst>
           </p:cNvPr>
@@ -5663,64 +6096,92 @@
           <a:bodyPr/>
           <a:lstStyle/>
           <a:p>
-            <a:r>
-              <a:rPr lang="en-US" dirty="0" err="1">
-                <a:solidFill>
-                  <a:schemeClr val="bg1"/>
-                </a:solidFill>
-              </a:rPr>
-              <a:t>TensorBoard</a:t>
-            </a:r>
             <a:r>
               <a:rPr lang="en-US" dirty="0">
                 <a:solidFill>
                   <a:schemeClr val="bg1"/>
                 </a:solidFill>
               </a:rPr>
-              <a:t> Model </a:t>
-            </a:r>
-          </a:p>
-        </p:txBody>
-      </p:sp>
-      <p:pic>
-        <p:nvPicPr>
-          <p:cNvPr id="8" name="Content Placeholder 7">
-            <a:extLst>
-              <a:ext uri="{FF2B5EF4-FFF2-40B4-BE49-F238E27FC236}">
-                <a16:creationId xmlns:a16="http://schemas.microsoft.com/office/drawing/2014/main" id="{E73C8FE6-BA87-4EC6-A215-441512662F49}"/>
-              </a:ext>
-            </a:extLst>
-          </p:cNvPr>
-          <p:cNvPicPr>
-            <a:picLocks noGrp="1" noChangeAspect="1"/>
-          </p:cNvPicPr>
+              <a:t>Machine Learning</a:t>
+            </a:r>
+          </a:p>
+        </p:txBody>
+      </p:sp>
+      <p:sp>
+        <p:nvSpPr>
+          <p:cNvPr id="3" name="Content Placeholder 2">
+            <a:extLst>
+              <a:ext uri="{FF2B5EF4-FFF2-40B4-BE49-F238E27FC236}">
+                <a16:creationId xmlns:a16="http://schemas.microsoft.com/office/drawing/2014/main" id="{68BF9B88-3136-4EE5-ACE1-2C048A33A00E}"/>
+              </a:ext>
+            </a:extLst>
+          </p:cNvPr>
+          <p:cNvSpPr>
+            <a:spLocks noGrp="1"/>
+          </p:cNvSpPr>
           <p:nvPr>
             <p:ph idx="1"/>
           </p:nvPr>
-        </p:nvPicPr>
-        <p:blipFill>
-          <a:blip r:embed="rId3">
-            <a:extLst>
-              <a:ext uri="{28A0092B-C50C-407E-A947-70E740481C1C}">
-                <a14:useLocalDpi xmlns:a14="http://schemas.microsoft.com/office/drawing/2010/main" val="0"/>
-              </a:ext>
-            </a:extLst>
-          </a:blip>
-          <a:stretch>
-            <a:fillRect/>
-          </a:stretch>
-        </p:blipFill>
-        <p:spPr>
-          <a:xfrm>
-            <a:off x="2875722" y="1407311"/>
-            <a:ext cx="6313429" cy="5085564"/>
-          </a:xfrm>
-        </p:spPr>
-      </p:pic>
+        </p:nvSpPr>
+        <p:spPr/>
+        <p:txBody>
+          <a:bodyPr/>
+          <a:lstStyle/>
+          <a:p>
+            <a:r>
+              <a:rPr lang="en-US" dirty="0">
+                <a:solidFill>
+                  <a:schemeClr val="bg1"/>
+                </a:solidFill>
+              </a:rPr>
+              <a:t>In a very layman manner, Machine Learning (ML) can be explained as automating and improving the learning process of computers based on their experiences without being actually programmed i.e. without any human assistance. The process starts with feeding good quality data and then training our machines (computers) by building machine learning models using the data and different algorithms. The choice of algorithms depends on what type of data do we have and what kind of task we are trying to automate.</a:t>
+            </a:r>
+          </a:p>
+          <a:p>
+            <a:endParaRPr lang="en-US" u="sng" dirty="0">
+              <a:solidFill>
+                <a:schemeClr val="bg1"/>
+              </a:solidFill>
+              <a:hlinkClick r:id="rId3">
+                <a:extLst>
+                  <a:ext uri="{A12FA001-AC4F-418D-AE19-62706E023703}">
+                    <ahyp:hlinkClr xmlns:ahyp="http://schemas.microsoft.com/office/drawing/2018/hyperlinkcolor" val="tx"/>
+                  </a:ext>
+                </a:extLst>
+              </a:hlinkClick>
+            </a:endParaRPr>
+          </a:p>
+          <a:p>
+            <a:r>
+              <a:rPr lang="en-US" u="sng" dirty="0">
+                <a:solidFill>
+                  <a:schemeClr val="bg1"/>
+                </a:solidFill>
+                <a:hlinkClick r:id="rId3">
+                  <a:extLst>
+                    <a:ext uri="{A12FA001-AC4F-418D-AE19-62706E023703}">
+                      <ahyp:hlinkClr xmlns:ahyp="http://schemas.microsoft.com/office/drawing/2018/hyperlinkcolor" val="tx"/>
+                    </a:ext>
+                  </a:extLst>
+                </a:hlinkClick>
+              </a:rPr>
+              <a:t>https://www.geeksforgeeks.org/ml-machine-learning/</a:t>
+            </a:r>
+            <a:endParaRPr lang="en-US" dirty="0">
+              <a:solidFill>
+                <a:schemeClr val="bg1"/>
+              </a:solidFill>
+            </a:endParaRPr>
+          </a:p>
+          <a:p>
+            <a:endParaRPr lang="en-US" dirty="0"/>
+          </a:p>
+        </p:txBody>
+      </p:sp>
     </p:spTree>
     <p:extLst>
       <p:ext uri="{BB962C8B-B14F-4D97-AF65-F5344CB8AC3E}">
-        <p14:creationId xmlns:p14="http://schemas.microsoft.com/office/powerpoint/2010/main" val="3190345273"/>
+        <p14:creationId xmlns:p14="http://schemas.microsoft.com/office/powerpoint/2010/main" val="1983205796"/>
       </p:ext>
     </p:extLst>
   </p:cSld>
@@ -5752,7 +6213,7 @@
           <p:cNvPr id="2" name="Title 1">
             <a:extLst>
               <a:ext uri="{FF2B5EF4-FFF2-40B4-BE49-F238E27FC236}">
-                <a16:creationId xmlns:a16="http://schemas.microsoft.com/office/drawing/2014/main" id="{5FDDAA3C-F3C8-4DDB-80B9-DA237F3F4532}"/>
+                <a16:creationId xmlns:a16="http://schemas.microsoft.com/office/drawing/2014/main" id="{3224F8B1-9EF6-4486-B531-014DA4576B4C}"/>
               </a:ext>
             </a:extLst>
           </p:cNvPr>
@@ -5782,17 +6243,17 @@
                   <a:schemeClr val="bg1"/>
                 </a:solidFill>
               </a:rPr>
-              <a:t> Runs</a:t>
+              <a:t> Model </a:t>
             </a:r>
           </a:p>
         </p:txBody>
       </p:sp>
       <p:pic>
         <p:nvPicPr>
-          <p:cNvPr id="4" name="Content Placeholder 4">
-            <a:extLst>
-              <a:ext uri="{FF2B5EF4-FFF2-40B4-BE49-F238E27FC236}">
-                <a16:creationId xmlns:a16="http://schemas.microsoft.com/office/drawing/2014/main" id="{2EE52E5D-8525-4411-A8CC-BBD8276B611D}"/>
+          <p:cNvPr id="8" name="Content Placeholder 7">
+            <a:extLst>
+              <a:ext uri="{FF2B5EF4-FFF2-40B4-BE49-F238E27FC236}">
+                <a16:creationId xmlns:a16="http://schemas.microsoft.com/office/drawing/2014/main" id="{E73C8FE6-BA87-4EC6-A215-441512662F49}"/>
               </a:ext>
             </a:extLst>
           </p:cNvPr>
@@ -5817,15 +6278,15 @@
         </p:blipFill>
         <p:spPr>
           <a:xfrm>
-            <a:off x="2045219" y="1825625"/>
-            <a:ext cx="8101562" cy="4351338"/>
+            <a:off x="2875722" y="1407311"/>
+            <a:ext cx="6313429" cy="5085564"/>
           </a:xfrm>
         </p:spPr>
       </p:pic>
     </p:spTree>
     <p:extLst>
       <p:ext uri="{BB962C8B-B14F-4D97-AF65-F5344CB8AC3E}">
-        <p14:creationId xmlns:p14="http://schemas.microsoft.com/office/powerpoint/2010/main" val="1373218052"/>
+        <p14:creationId xmlns:p14="http://schemas.microsoft.com/office/powerpoint/2010/main" val="3190345273"/>
       </p:ext>
     </p:extLst>
   </p:cSld>
@@ -5857,7 +6318,7 @@
           <p:cNvPr id="2" name="Title 1">
             <a:extLst>
               <a:ext uri="{FF2B5EF4-FFF2-40B4-BE49-F238E27FC236}">
-                <a16:creationId xmlns:a16="http://schemas.microsoft.com/office/drawing/2014/main" id="{916DCDC0-B1FB-4698-B0C9-F5C6F4B9536B}"/>
+                <a16:creationId xmlns:a16="http://schemas.microsoft.com/office/drawing/2014/main" id="{8E3034D9-4AC5-4461-9FA8-43EF25C680C2}"/>
               </a:ext>
             </a:extLst>
           </p:cNvPr>
@@ -5879,7 +6340,7 @@
                   <a:schemeClr val="bg1"/>
                 </a:solidFill>
               </a:rPr>
-              <a:t>Going Forward</a:t>
+              <a:t>Our Model</a:t>
             </a:r>
           </a:p>
         </p:txBody>
@@ -5889,7 +6350,7 @@
           <p:cNvPr id="3" name="Content Placeholder 2">
             <a:extLst>
               <a:ext uri="{FF2B5EF4-FFF2-40B4-BE49-F238E27FC236}">
-                <a16:creationId xmlns:a16="http://schemas.microsoft.com/office/drawing/2014/main" id="{54A700F1-AD0B-49FB-871D-C006332247C0}"/>
+                <a16:creationId xmlns:a16="http://schemas.microsoft.com/office/drawing/2014/main" id="{2F80F532-220D-4299-85E5-BCA27C70B0E7}"/>
               </a:ext>
             </a:extLst>
           </p:cNvPr>
@@ -5905,16 +6366,41 @@
           <a:bodyPr/>
           <a:lstStyle/>
           <a:p>
-            <a:pPr marL="0" indent="0">
-              <a:buNone/>
-            </a:pPr>
             <a:r>
               <a:rPr lang="en-US" dirty="0">
                 <a:solidFill>
                   <a:schemeClr val="bg1"/>
                 </a:solidFill>
               </a:rPr>
-              <a:t>Switching from current home value predictions to future home value predictions</a:t>
+              <a:t>Sequential Model</a:t>
+            </a:r>
+          </a:p>
+          <a:p>
+            <a:r>
+              <a:rPr lang="en-US" dirty="0" err="1">
+                <a:solidFill>
+                  <a:schemeClr val="bg1"/>
+                </a:solidFill>
+              </a:rPr>
+              <a:t>Relu</a:t>
+            </a:r>
+            <a:r>
+              <a:rPr lang="en-US" dirty="0">
+                <a:solidFill>
+                  <a:schemeClr val="bg1"/>
+                </a:solidFill>
+              </a:rPr>
+              <a:t> activation</a:t>
+            </a:r>
+          </a:p>
+          <a:p>
+            <a:r>
+              <a:rPr lang="en-US" dirty="0">
+                <a:solidFill>
+                  <a:schemeClr val="bg1"/>
+                </a:solidFill>
+              </a:rPr>
+              <a:t>Adam Optimizer</a:t>
             </a:r>
           </a:p>
         </p:txBody>
@@ -5922,7 +6408,7 @@
     </p:spTree>
     <p:extLst>
       <p:ext uri="{BB962C8B-B14F-4D97-AF65-F5344CB8AC3E}">
-        <p14:creationId xmlns:p14="http://schemas.microsoft.com/office/powerpoint/2010/main" val="1964266525"/>
+        <p14:creationId xmlns:p14="http://schemas.microsoft.com/office/powerpoint/2010/main" val="3648390768"/>
       </p:ext>
     </p:extLst>
   </p:cSld>

--- a/Presentation/GLAPS Presentation.pptx
+++ b/Presentation/GLAPS Presentation.pptx
@@ -5,10 +5,10 @@
     <p:sldMasterId id="2147483648" r:id="rId1"/>
   </p:sldMasterIdLst>
   <p:notesMasterIdLst>
-    <p:notesMasterId r:id="rId13"/>
+    <p:notesMasterId r:id="rId14"/>
   </p:notesMasterIdLst>
   <p:handoutMasterIdLst>
-    <p:handoutMasterId r:id="rId14"/>
+    <p:handoutMasterId r:id="rId15"/>
   </p:handoutMasterIdLst>
   <p:sldIdLst>
     <p:sldId id="256" r:id="rId2"/>
@@ -22,6 +22,7 @@
     <p:sldId id="267" r:id="rId10"/>
     <p:sldId id="264" r:id="rId11"/>
     <p:sldId id="265" r:id="rId12"/>
+    <p:sldId id="268" r:id="rId13"/>
   </p:sldIdLst>
   <p:sldSz cx="12192000" cy="6858000"/>
   <p:notesSz cx="6858000" cy="9144000"/>
@@ -875,6 +876,90 @@
     <p:extLst>
       <p:ext uri="{BB962C8B-B14F-4D97-AF65-F5344CB8AC3E}">
         <p14:creationId xmlns:p14="http://schemas.microsoft.com/office/powerpoint/2010/main" val="1036520210"/>
+      </p:ext>
+    </p:extLst>
+  </p:cSld>
+  <p:clrMapOvr>
+    <a:masterClrMapping/>
+  </p:clrMapOvr>
+</p:notes>
+</file>
+
+<file path=ppt/notesSlides/notesSlide11.xml><?xml version="1.0" encoding="utf-8"?>
+<p:notes xmlns:a="http://schemas.openxmlformats.org/drawingml/2006/main" xmlns:r="http://schemas.openxmlformats.org/officeDocument/2006/relationships" xmlns:p="http://schemas.openxmlformats.org/presentationml/2006/main">
+  <p:cSld>
+    <p:spTree>
+      <p:nvGrpSpPr>
+        <p:cNvPr id="1" name=""/>
+        <p:cNvGrpSpPr/>
+        <p:nvPr/>
+      </p:nvGrpSpPr>
+      <p:grpSpPr>
+        <a:xfrm>
+          <a:off x="0" y="0"/>
+          <a:ext cx="0" cy="0"/>
+          <a:chOff x="0" y="0"/>
+          <a:chExt cx="0" cy="0"/>
+        </a:xfrm>
+      </p:grpSpPr>
+      <p:sp>
+        <p:nvSpPr>
+          <p:cNvPr id="2" name="Slide Image Placeholder 1"/>
+          <p:cNvSpPr>
+            <a:spLocks noGrp="1" noRot="1" noChangeAspect="1"/>
+          </p:cNvSpPr>
+          <p:nvPr>
+            <p:ph type="sldImg"/>
+          </p:nvPr>
+        </p:nvSpPr>
+        <p:spPr/>
+      </p:sp>
+      <p:sp>
+        <p:nvSpPr>
+          <p:cNvPr id="3" name="Notes Placeholder 2"/>
+          <p:cNvSpPr>
+            <a:spLocks noGrp="1"/>
+          </p:cNvSpPr>
+          <p:nvPr>
+            <p:ph type="body" idx="1"/>
+          </p:nvPr>
+        </p:nvSpPr>
+        <p:spPr/>
+        <p:txBody>
+          <a:bodyPr/>
+          <a:lstStyle/>
+          <a:p>
+            <a:endParaRPr lang="en-US"/>
+          </a:p>
+        </p:txBody>
+      </p:sp>
+      <p:sp>
+        <p:nvSpPr>
+          <p:cNvPr id="4" name="Slide Number Placeholder 3"/>
+          <p:cNvSpPr>
+            <a:spLocks noGrp="1"/>
+          </p:cNvSpPr>
+          <p:nvPr>
+            <p:ph type="sldNum" sz="quarter" idx="5"/>
+          </p:nvPr>
+        </p:nvSpPr>
+        <p:spPr/>
+        <p:txBody>
+          <a:bodyPr/>
+          <a:lstStyle/>
+          <a:p>
+            <a:fld id="{53D823F5-FDDD-4E6F-9CBC-770E77BAD144}" type="slidenum">
+              <a:rPr lang="en-US" smtClean="0"/>
+              <a:t>11</a:t>
+            </a:fld>
+            <a:endParaRPr lang="en-US"/>
+          </a:p>
+        </p:txBody>
+      </p:sp>
+    </p:spTree>
+    <p:extLst>
+      <p:ext uri="{BB962C8B-B14F-4D97-AF65-F5344CB8AC3E}">
+        <p14:creationId xmlns:p14="http://schemas.microsoft.com/office/powerpoint/2010/main" val="1687705240"/>
       </p:ext>
     </p:extLst>
   </p:cSld>
@@ -5172,6 +5257,91 @@
     <p:extLst>
       <p:ext uri="{BB962C8B-B14F-4D97-AF65-F5344CB8AC3E}">
         <p14:creationId xmlns:p14="http://schemas.microsoft.com/office/powerpoint/2010/main" val="1964266525"/>
+      </p:ext>
+    </p:extLst>
+  </p:cSld>
+  <p:clrMapOvr>
+    <a:masterClrMapping/>
+  </p:clrMapOvr>
+</p:sld>
+</file>
+
+<file path=ppt/slides/slide12.xml><?xml version="1.0" encoding="utf-8"?>
+<p:sld xmlns:a="http://schemas.openxmlformats.org/drawingml/2006/main" xmlns:r="http://schemas.openxmlformats.org/officeDocument/2006/relationships" xmlns:p="http://schemas.openxmlformats.org/presentationml/2006/main">
+  <p:cSld>
+    <p:spTree>
+      <p:nvGrpSpPr>
+        <p:cNvPr id="1" name=""/>
+        <p:cNvGrpSpPr/>
+        <p:nvPr/>
+      </p:nvGrpSpPr>
+      <p:grpSpPr>
+        <a:xfrm>
+          <a:off x="0" y="0"/>
+          <a:ext cx="0" cy="0"/>
+          <a:chOff x="0" y="0"/>
+          <a:chExt cx="0" cy="0"/>
+        </a:xfrm>
+      </p:grpSpPr>
+      <p:sp>
+        <p:nvSpPr>
+          <p:cNvPr id="3" name="Content Placeholder 2">
+            <a:extLst>
+              <a:ext uri="{FF2B5EF4-FFF2-40B4-BE49-F238E27FC236}">
+                <a16:creationId xmlns:a16="http://schemas.microsoft.com/office/drawing/2014/main" id="{D8DC2DF5-3C61-4212-95E3-2A9C26DC127B}"/>
+              </a:ext>
+            </a:extLst>
+          </p:cNvPr>
+          <p:cNvSpPr>
+            <a:spLocks noGrp="1"/>
+          </p:cNvSpPr>
+          <p:nvPr>
+            <p:ph idx="1"/>
+          </p:nvPr>
+        </p:nvSpPr>
+        <p:spPr/>
+        <p:txBody>
+          <a:bodyPr/>
+          <a:lstStyle/>
+          <a:p>
+            <a:pPr marL="0" indent="0" algn="ctr">
+              <a:buNone/>
+            </a:pPr>
+            <a:endParaRPr lang="en-US" dirty="0">
+              <a:solidFill>
+                <a:schemeClr val="bg1"/>
+              </a:solidFill>
+            </a:endParaRPr>
+          </a:p>
+          <a:p>
+            <a:pPr marL="0" indent="0" algn="ctr">
+              <a:buNone/>
+            </a:pPr>
+            <a:endParaRPr lang="en-US" dirty="0">
+              <a:solidFill>
+                <a:schemeClr val="bg1"/>
+              </a:solidFill>
+            </a:endParaRPr>
+          </a:p>
+          <a:p>
+            <a:pPr marL="0" indent="0" algn="ctr">
+              <a:buNone/>
+            </a:pPr>
+            <a:r>
+              <a:rPr lang="en-US" sz="5400" dirty="0">
+                <a:solidFill>
+                  <a:schemeClr val="bg1"/>
+                </a:solidFill>
+              </a:rPr>
+              <a:t>WWW.GLAPS.LIVE</a:t>
+            </a:r>
+          </a:p>
+        </p:txBody>
+      </p:sp>
+    </p:spTree>
+    <p:extLst>
+      <p:ext uri="{BB962C8B-B14F-4D97-AF65-F5344CB8AC3E}">
+        <p14:creationId xmlns:p14="http://schemas.microsoft.com/office/powerpoint/2010/main" val="4107216938"/>
       </p:ext>
     </p:extLst>
   </p:cSld>

--- a/Presentation/GLAPS Presentation.pptx
+++ b/Presentation/GLAPS Presentation.pptx
@@ -5,24 +5,21 @@
     <p:sldMasterId id="2147483648" r:id="rId1"/>
   </p:sldMasterIdLst>
   <p:notesMasterIdLst>
-    <p:notesMasterId r:id="rId14"/>
+    <p:notesMasterId r:id="rId11"/>
   </p:notesMasterIdLst>
   <p:handoutMasterIdLst>
-    <p:handoutMasterId r:id="rId15"/>
+    <p:handoutMasterId r:id="rId12"/>
   </p:handoutMasterIdLst>
   <p:sldIdLst>
     <p:sldId id="256" r:id="rId2"/>
     <p:sldId id="257" r:id="rId3"/>
     <p:sldId id="259" r:id="rId4"/>
     <p:sldId id="260" r:id="rId5"/>
-    <p:sldId id="262" r:id="rId6"/>
-    <p:sldId id="261" r:id="rId7"/>
-    <p:sldId id="266" r:id="rId8"/>
-    <p:sldId id="263" r:id="rId9"/>
-    <p:sldId id="267" r:id="rId10"/>
-    <p:sldId id="264" r:id="rId11"/>
-    <p:sldId id="265" r:id="rId12"/>
-    <p:sldId id="268" r:id="rId13"/>
+    <p:sldId id="261" r:id="rId6"/>
+    <p:sldId id="262" r:id="rId7"/>
+    <p:sldId id="263" r:id="rId8"/>
+    <p:sldId id="264" r:id="rId9"/>
+    <p:sldId id="265" r:id="rId10"/>
   </p:sldIdLst>
   <p:sldSz cx="12192000" cy="6858000"/>
   <p:notesSz cx="6858000" cy="9144000"/>
@@ -125,9 +122,6 @@
     <p:ext uri="{EFAFB233-063F-42B5-8137-9DF3F51BA10A}">
       <p15:sldGuideLst xmlns:p15="http://schemas.microsoft.com/office/powerpoint/2012/main"/>
     </p:ext>
-    <p:ext uri="{2D200454-40CA-4A62-9FC3-DE9A4176ACB9}">
-      <p15:notesGuideLst xmlns:p15="http://schemas.microsoft.com/office/powerpoint/2012/main"/>
-    </p:ext>
   </p:extLst>
 </p:presentation>
 </file>
@@ -238,7 +232,7 @@
           <a:p>
             <a:fld id="{8FF841A4-3D2F-4A04-8AFD-039DB6C706EF}" type="datetimeFigureOut">
               <a:rPr lang="en-US" smtClean="0"/>
-              <a:t>5/8/2019</a:t>
+              <a:t>3/6/2019</a:t>
             </a:fld>
             <a:endParaRPr lang="en-US"/>
           </a:p>
@@ -415,7 +409,7 @@
           <a:p>
             <a:fld id="{7C9A4655-0732-4CEF-977A-603CB38877C2}" type="datetimeFigureOut">
               <a:rPr lang="en-US" smtClean="0"/>
-              <a:t>5/8/2019</a:t>
+              <a:t>3/6/2019</a:t>
             </a:fld>
             <a:endParaRPr lang="en-US"/>
           </a:p>
@@ -766,209 +760,6 @@
 </p:notes>
 </file>
 
-<file path=ppt/notesSlides/notesSlide10.xml><?xml version="1.0" encoding="utf-8"?>
-<p:notes xmlns:a="http://schemas.openxmlformats.org/drawingml/2006/main" xmlns:r="http://schemas.openxmlformats.org/officeDocument/2006/relationships" xmlns:p="http://schemas.openxmlformats.org/presentationml/2006/main">
-  <p:cSld>
-    <p:spTree>
-      <p:nvGrpSpPr>
-        <p:cNvPr id="1" name=""/>
-        <p:cNvGrpSpPr/>
-        <p:nvPr/>
-      </p:nvGrpSpPr>
-      <p:grpSpPr>
-        <a:xfrm>
-          <a:off x="0" y="0"/>
-          <a:ext cx="0" cy="0"/>
-          <a:chOff x="0" y="0"/>
-          <a:chExt cx="0" cy="0"/>
-        </a:xfrm>
-      </p:grpSpPr>
-      <p:sp>
-        <p:nvSpPr>
-          <p:cNvPr id="2" name="Slide Image Placeholder 1"/>
-          <p:cNvSpPr>
-            <a:spLocks noGrp="1" noRot="1" noChangeAspect="1"/>
-          </p:cNvSpPr>
-          <p:nvPr>
-            <p:ph type="sldImg"/>
-          </p:nvPr>
-        </p:nvSpPr>
-        <p:spPr/>
-      </p:sp>
-      <p:sp>
-        <p:nvSpPr>
-          <p:cNvPr id="3" name="Notes Placeholder 2"/>
-          <p:cNvSpPr>
-            <a:spLocks noGrp="1"/>
-          </p:cNvSpPr>
-          <p:nvPr>
-            <p:ph type="body" idx="1"/>
-          </p:nvPr>
-        </p:nvSpPr>
-        <p:spPr/>
-        <p:txBody>
-          <a:bodyPr/>
-          <a:lstStyle/>
-          <a:p>
-            <a:r>
-              <a:rPr lang="en-US" dirty="0"/>
-              <a:t>(DEF OF RESTFUL API) Our </a:t>
-            </a:r>
-            <a:r>
-              <a:rPr lang="en-US" dirty="0" err="1"/>
-              <a:t>webapp</a:t>
-            </a:r>
-            <a:r>
-              <a:rPr lang="en-US" dirty="0"/>
-              <a:t> automatically provides the </a:t>
-            </a:r>
-            <a:r>
-              <a:rPr lang="en-US" dirty="0" err="1"/>
-              <a:t>api</a:t>
-            </a:r>
-            <a:r>
-              <a:rPr lang="en-US" dirty="0"/>
-              <a:t> call with the input </a:t>
-            </a:r>
-            <a:r>
-              <a:rPr lang="en-US" dirty="0" err="1"/>
-              <a:t>paramaters</a:t>
-            </a:r>
-            <a:r>
-              <a:rPr lang="en-US" dirty="0"/>
-              <a:t> however, if you choose to you can manually change these values. Though they must be formatted in this specific </a:t>
-            </a:r>
-            <a:r>
-              <a:rPr lang="en-US" dirty="0" err="1"/>
-              <a:t>maner</a:t>
-            </a:r>
-            <a:r>
-              <a:rPr lang="en-US" dirty="0"/>
-              <a:t>. </a:t>
-            </a:r>
-          </a:p>
-        </p:txBody>
-      </p:sp>
-      <p:sp>
-        <p:nvSpPr>
-          <p:cNvPr id="4" name="Slide Number Placeholder 3"/>
-          <p:cNvSpPr>
-            <a:spLocks noGrp="1"/>
-          </p:cNvSpPr>
-          <p:nvPr>
-            <p:ph type="sldNum" sz="quarter" idx="5"/>
-          </p:nvPr>
-        </p:nvSpPr>
-        <p:spPr/>
-        <p:txBody>
-          <a:bodyPr/>
-          <a:lstStyle/>
-          <a:p>
-            <a:fld id="{53D823F5-FDDD-4E6F-9CBC-770E77BAD144}" type="slidenum">
-              <a:rPr lang="en-US" smtClean="0"/>
-              <a:t>10</a:t>
-            </a:fld>
-            <a:endParaRPr lang="en-US"/>
-          </a:p>
-        </p:txBody>
-      </p:sp>
-    </p:spTree>
-    <p:extLst>
-      <p:ext uri="{BB962C8B-B14F-4D97-AF65-F5344CB8AC3E}">
-        <p14:creationId xmlns:p14="http://schemas.microsoft.com/office/powerpoint/2010/main" val="1036520210"/>
-      </p:ext>
-    </p:extLst>
-  </p:cSld>
-  <p:clrMapOvr>
-    <a:masterClrMapping/>
-  </p:clrMapOvr>
-</p:notes>
-</file>
-
-<file path=ppt/notesSlides/notesSlide11.xml><?xml version="1.0" encoding="utf-8"?>
-<p:notes xmlns:a="http://schemas.openxmlformats.org/drawingml/2006/main" xmlns:r="http://schemas.openxmlformats.org/officeDocument/2006/relationships" xmlns:p="http://schemas.openxmlformats.org/presentationml/2006/main">
-  <p:cSld>
-    <p:spTree>
-      <p:nvGrpSpPr>
-        <p:cNvPr id="1" name=""/>
-        <p:cNvGrpSpPr/>
-        <p:nvPr/>
-      </p:nvGrpSpPr>
-      <p:grpSpPr>
-        <a:xfrm>
-          <a:off x="0" y="0"/>
-          <a:ext cx="0" cy="0"/>
-          <a:chOff x="0" y="0"/>
-          <a:chExt cx="0" cy="0"/>
-        </a:xfrm>
-      </p:grpSpPr>
-      <p:sp>
-        <p:nvSpPr>
-          <p:cNvPr id="2" name="Slide Image Placeholder 1"/>
-          <p:cNvSpPr>
-            <a:spLocks noGrp="1" noRot="1" noChangeAspect="1"/>
-          </p:cNvSpPr>
-          <p:nvPr>
-            <p:ph type="sldImg"/>
-          </p:nvPr>
-        </p:nvSpPr>
-        <p:spPr/>
-      </p:sp>
-      <p:sp>
-        <p:nvSpPr>
-          <p:cNvPr id="3" name="Notes Placeholder 2"/>
-          <p:cNvSpPr>
-            <a:spLocks noGrp="1"/>
-          </p:cNvSpPr>
-          <p:nvPr>
-            <p:ph type="body" idx="1"/>
-          </p:nvPr>
-        </p:nvSpPr>
-        <p:spPr/>
-        <p:txBody>
-          <a:bodyPr/>
-          <a:lstStyle/>
-          <a:p>
-            <a:endParaRPr lang="en-US"/>
-          </a:p>
-        </p:txBody>
-      </p:sp>
-      <p:sp>
-        <p:nvSpPr>
-          <p:cNvPr id="4" name="Slide Number Placeholder 3"/>
-          <p:cNvSpPr>
-            <a:spLocks noGrp="1"/>
-          </p:cNvSpPr>
-          <p:nvPr>
-            <p:ph type="sldNum" sz="quarter" idx="5"/>
-          </p:nvPr>
-        </p:nvSpPr>
-        <p:spPr/>
-        <p:txBody>
-          <a:bodyPr/>
-          <a:lstStyle/>
-          <a:p>
-            <a:fld id="{53D823F5-FDDD-4E6F-9CBC-770E77BAD144}" type="slidenum">
-              <a:rPr lang="en-US" smtClean="0"/>
-              <a:t>11</a:t>
-            </a:fld>
-            <a:endParaRPr lang="en-US"/>
-          </a:p>
-        </p:txBody>
-      </p:sp>
-    </p:spTree>
-    <p:extLst>
-      <p:ext uri="{BB962C8B-B14F-4D97-AF65-F5344CB8AC3E}">
-        <p14:creationId xmlns:p14="http://schemas.microsoft.com/office/powerpoint/2010/main" val="1687705240"/>
-      </p:ext>
-    </p:extLst>
-  </p:cSld>
-  <p:clrMapOvr>
-    <a:masterClrMapping/>
-  </p:clrMapOvr>
-</p:notes>
-</file>
-
 <file path=ppt/notesSlides/notesSlide2.xml><?xml version="1.0" encoding="utf-8"?>
 <p:notes xmlns:a="http://schemas.openxmlformats.org/drawingml/2006/main" xmlns:r="http://schemas.openxmlformats.org/officeDocument/2006/relationships" xmlns:p="http://schemas.openxmlformats.org/presentationml/2006/main">
   <p:cSld>
@@ -1265,10 +1056,7 @@
           <a:bodyPr/>
           <a:lstStyle/>
           <a:p>
-            <a:r>
-              <a:rPr lang="en-US" dirty="0"/>
-              <a:t>Transition here by saying something like “Now we’ll walk you through our process”. (MALLORY)</a:t>
-            </a:r>
+            <a:endParaRPr lang="en-US"/>
           </a:p>
         </p:txBody>
       </p:sp>
@@ -1298,7 +1086,7 @@
     </p:spTree>
     <p:extLst>
       <p:ext uri="{BB962C8B-B14F-4D97-AF65-F5344CB8AC3E}">
-        <p14:creationId xmlns:p14="http://schemas.microsoft.com/office/powerpoint/2010/main" val="3352556034"/>
+        <p14:creationId xmlns:p14="http://schemas.microsoft.com/office/powerpoint/2010/main" val="721312342"/>
       </p:ext>
     </p:extLst>
   </p:cSld>
@@ -1352,18 +1140,7 @@
           <a:bodyPr/>
           <a:lstStyle/>
           <a:p>
-            <a:r>
-              <a:rPr lang="en-US" dirty="0"/>
-              <a:t>Login to </a:t>
-            </a:r>
-            <a:r>
-              <a:rPr lang="en-US" dirty="0" err="1"/>
-              <a:t>glaps</a:t>
-            </a:r>
-            <a:r>
-              <a:rPr lang="en-US" dirty="0"/>
-              <a:t> live prior to this (go to page and show facets) (MALLORY)</a:t>
-            </a:r>
+            <a:endParaRPr lang="en-US"/>
           </a:p>
         </p:txBody>
       </p:sp>
@@ -1393,7 +1170,7 @@
     </p:spTree>
     <p:extLst>
       <p:ext uri="{BB962C8B-B14F-4D97-AF65-F5344CB8AC3E}">
-        <p14:creationId xmlns:p14="http://schemas.microsoft.com/office/powerpoint/2010/main" val="721312342"/>
+        <p14:creationId xmlns:p14="http://schemas.microsoft.com/office/powerpoint/2010/main" val="3352556034"/>
       </p:ext>
     </p:extLst>
   </p:cSld>
@@ -1447,10 +1224,7 @@
           <a:bodyPr/>
           <a:lstStyle/>
           <a:p>
-            <a:r>
-              <a:rPr lang="en-US" dirty="0"/>
-              <a:t>The  computer is trying to minimize the discrepancy between the actual data and the prediction without direct programming. </a:t>
-            </a:r>
+            <a:endParaRPr lang="en-US"/>
           </a:p>
         </p:txBody>
       </p:sp>
@@ -1480,7 +1254,7 @@
     </p:spTree>
     <p:extLst>
       <p:ext uri="{BB962C8B-B14F-4D97-AF65-F5344CB8AC3E}">
-        <p14:creationId xmlns:p14="http://schemas.microsoft.com/office/powerpoint/2010/main" val="436270838"/>
+        <p14:creationId xmlns:p14="http://schemas.microsoft.com/office/powerpoint/2010/main" val="3221929950"/>
       </p:ext>
     </p:extLst>
   </p:cSld>
@@ -1564,94 +1338,7 @@
     </p:spTree>
     <p:extLst>
       <p:ext uri="{BB962C8B-B14F-4D97-AF65-F5344CB8AC3E}">
-        <p14:creationId xmlns:p14="http://schemas.microsoft.com/office/powerpoint/2010/main" val="3221929950"/>
-      </p:ext>
-    </p:extLst>
-  </p:cSld>
-  <p:clrMapOvr>
-    <a:masterClrMapping/>
-  </p:clrMapOvr>
-</p:notes>
-</file>
-
-<file path=ppt/notesSlides/notesSlide9.xml><?xml version="1.0" encoding="utf-8"?>
-<p:notes xmlns:a="http://schemas.openxmlformats.org/drawingml/2006/main" xmlns:r="http://schemas.openxmlformats.org/officeDocument/2006/relationships" xmlns:p="http://schemas.openxmlformats.org/presentationml/2006/main">
-  <p:cSld>
-    <p:spTree>
-      <p:nvGrpSpPr>
-        <p:cNvPr id="1" name=""/>
-        <p:cNvGrpSpPr/>
-        <p:nvPr/>
-      </p:nvGrpSpPr>
-      <p:grpSpPr>
-        <a:xfrm>
-          <a:off x="0" y="0"/>
-          <a:ext cx="0" cy="0"/>
-          <a:chOff x="0" y="0"/>
-          <a:chExt cx="0" cy="0"/>
-        </a:xfrm>
-      </p:grpSpPr>
-      <p:sp>
-        <p:nvSpPr>
-          <p:cNvPr id="2" name="Slide Image Placeholder 1"/>
-          <p:cNvSpPr>
-            <a:spLocks noGrp="1" noRot="1" noChangeAspect="1"/>
-          </p:cNvSpPr>
-          <p:nvPr>
-            <p:ph type="sldImg"/>
-          </p:nvPr>
-        </p:nvSpPr>
-        <p:spPr/>
-      </p:sp>
-      <p:sp>
-        <p:nvSpPr>
-          <p:cNvPr id="3" name="Notes Placeholder 2"/>
-          <p:cNvSpPr>
-            <a:spLocks noGrp="1"/>
-          </p:cNvSpPr>
-          <p:nvPr>
-            <p:ph type="body" idx="1"/>
-          </p:nvPr>
-        </p:nvSpPr>
-        <p:spPr/>
-        <p:txBody>
-          <a:bodyPr/>
-          <a:lstStyle/>
-          <a:p>
-            <a:r>
-              <a:rPr lang="en-US" dirty="0"/>
-              <a:t>(MALLORY)</a:t>
-            </a:r>
-          </a:p>
-        </p:txBody>
-      </p:sp>
-      <p:sp>
-        <p:nvSpPr>
-          <p:cNvPr id="4" name="Slide Number Placeholder 3"/>
-          <p:cNvSpPr>
-            <a:spLocks noGrp="1"/>
-          </p:cNvSpPr>
-          <p:nvPr>
-            <p:ph type="sldNum" sz="quarter" idx="5"/>
-          </p:nvPr>
-        </p:nvSpPr>
-        <p:spPr/>
-        <p:txBody>
-          <a:bodyPr/>
-          <a:lstStyle/>
-          <a:p>
-            <a:fld id="{53D823F5-FDDD-4E6F-9CBC-770E77BAD144}" type="slidenum">
-              <a:rPr lang="en-US" smtClean="0"/>
-              <a:t>9</a:t>
-            </a:fld>
-            <a:endParaRPr lang="en-US"/>
-          </a:p>
-        </p:txBody>
-      </p:sp>
-    </p:spTree>
-    <p:extLst>
-      <p:ext uri="{BB962C8B-B14F-4D97-AF65-F5344CB8AC3E}">
-        <p14:creationId xmlns:p14="http://schemas.microsoft.com/office/powerpoint/2010/main" val="541741477"/>
+        <p14:creationId xmlns:p14="http://schemas.microsoft.com/office/powerpoint/2010/main" val="1036520210"/>
       </p:ext>
     </p:extLst>
   </p:cSld>
@@ -1808,7 +1495,7 @@
           <a:p>
             <a:fld id="{2B2943D5-CB9D-448A-BA76-EF80B3FD29FD}" type="datetimeFigureOut">
               <a:rPr lang="en-US" smtClean="0"/>
-              <a:t>5/8/2019</a:t>
+              <a:t>3/6/2019</a:t>
             </a:fld>
             <a:endParaRPr lang="en-US"/>
           </a:p>
@@ -2006,7 +1693,7 @@
           <a:p>
             <a:fld id="{2B2943D5-CB9D-448A-BA76-EF80B3FD29FD}" type="datetimeFigureOut">
               <a:rPr lang="en-US" smtClean="0"/>
-              <a:t>5/8/2019</a:t>
+              <a:t>3/6/2019</a:t>
             </a:fld>
             <a:endParaRPr lang="en-US"/>
           </a:p>
@@ -2214,7 +1901,7 @@
           <a:p>
             <a:fld id="{2B2943D5-CB9D-448A-BA76-EF80B3FD29FD}" type="datetimeFigureOut">
               <a:rPr lang="en-US" smtClean="0"/>
-              <a:t>5/8/2019</a:t>
+              <a:t>3/6/2019</a:t>
             </a:fld>
             <a:endParaRPr lang="en-US"/>
           </a:p>
@@ -2412,7 +2099,7 @@
           <a:p>
             <a:fld id="{2B2943D5-CB9D-448A-BA76-EF80B3FD29FD}" type="datetimeFigureOut">
               <a:rPr lang="en-US" smtClean="0"/>
-              <a:t>5/8/2019</a:t>
+              <a:t>3/6/2019</a:t>
             </a:fld>
             <a:endParaRPr lang="en-US"/>
           </a:p>
@@ -2687,7 +2374,7 @@
           <a:p>
             <a:fld id="{2B2943D5-CB9D-448A-BA76-EF80B3FD29FD}" type="datetimeFigureOut">
               <a:rPr lang="en-US" smtClean="0"/>
-              <a:t>5/8/2019</a:t>
+              <a:t>3/6/2019</a:t>
             </a:fld>
             <a:endParaRPr lang="en-US"/>
           </a:p>
@@ -2952,7 +2639,7 @@
           <a:p>
             <a:fld id="{2B2943D5-CB9D-448A-BA76-EF80B3FD29FD}" type="datetimeFigureOut">
               <a:rPr lang="en-US" smtClean="0"/>
-              <a:t>5/8/2019</a:t>
+              <a:t>3/6/2019</a:t>
             </a:fld>
             <a:endParaRPr lang="en-US"/>
           </a:p>
@@ -3364,7 +3051,7 @@
           <a:p>
             <a:fld id="{2B2943D5-CB9D-448A-BA76-EF80B3FD29FD}" type="datetimeFigureOut">
               <a:rPr lang="en-US" smtClean="0"/>
-              <a:t>5/8/2019</a:t>
+              <a:t>3/6/2019</a:t>
             </a:fld>
             <a:endParaRPr lang="en-US"/>
           </a:p>
@@ -3505,7 +3192,7 @@
           <a:p>
             <a:fld id="{2B2943D5-CB9D-448A-BA76-EF80B3FD29FD}" type="datetimeFigureOut">
               <a:rPr lang="en-US" smtClean="0"/>
-              <a:t>5/8/2019</a:t>
+              <a:t>3/6/2019</a:t>
             </a:fld>
             <a:endParaRPr lang="en-US"/>
           </a:p>
@@ -3618,7 +3305,7 @@
           <a:p>
             <a:fld id="{2B2943D5-CB9D-448A-BA76-EF80B3FD29FD}" type="datetimeFigureOut">
               <a:rPr lang="en-US" smtClean="0"/>
-              <a:t>5/8/2019</a:t>
+              <a:t>3/6/2019</a:t>
             </a:fld>
             <a:endParaRPr lang="en-US"/>
           </a:p>
@@ -3929,7 +3616,7 @@
           <a:p>
             <a:fld id="{2B2943D5-CB9D-448A-BA76-EF80B3FD29FD}" type="datetimeFigureOut">
               <a:rPr lang="en-US" smtClean="0"/>
-              <a:t>5/8/2019</a:t>
+              <a:t>3/6/2019</a:t>
             </a:fld>
             <a:endParaRPr lang="en-US"/>
           </a:p>
@@ -4217,7 +3904,7 @@
           <a:p>
             <a:fld id="{2B2943D5-CB9D-448A-BA76-EF80B3FD29FD}" type="datetimeFigureOut">
               <a:rPr lang="en-US" smtClean="0"/>
-              <a:t>5/8/2019</a:t>
+              <a:t>3/6/2019</a:t>
             </a:fld>
             <a:endParaRPr lang="en-US"/>
           </a:p>
@@ -4461,7 +4148,7 @@
           <a:p>
             <a:fld id="{2B2943D5-CB9D-448A-BA76-EF80B3FD29FD}" type="datetimeFigureOut">
               <a:rPr lang="en-US" smtClean="0"/>
-              <a:t>5/8/2019</a:t>
+              <a:t>3/6/2019</a:t>
             </a:fld>
             <a:endParaRPr lang="en-US"/>
           </a:p>
@@ -5032,325 +4719,6 @@
 </p:sld>
 </file>
 
-<file path=ppt/slides/slide10.xml><?xml version="1.0" encoding="utf-8"?>
-<p:sld xmlns:a="http://schemas.openxmlformats.org/drawingml/2006/main" xmlns:r="http://schemas.openxmlformats.org/officeDocument/2006/relationships" xmlns:p="http://schemas.openxmlformats.org/presentationml/2006/main">
-  <p:cSld>
-    <p:spTree>
-      <p:nvGrpSpPr>
-        <p:cNvPr id="1" name=""/>
-        <p:cNvGrpSpPr/>
-        <p:nvPr/>
-      </p:nvGrpSpPr>
-      <p:grpSpPr>
-        <a:xfrm>
-          <a:off x="0" y="0"/>
-          <a:ext cx="0" cy="0"/>
-          <a:chOff x="0" y="0"/>
-          <a:chExt cx="0" cy="0"/>
-        </a:xfrm>
-      </p:grpSpPr>
-      <p:sp>
-        <p:nvSpPr>
-          <p:cNvPr id="2" name="Title 1">
-            <a:extLst>
-              <a:ext uri="{FF2B5EF4-FFF2-40B4-BE49-F238E27FC236}">
-                <a16:creationId xmlns:a16="http://schemas.microsoft.com/office/drawing/2014/main" id="{5FDDAA3C-F3C8-4DDB-80B9-DA237F3F4532}"/>
-              </a:ext>
-            </a:extLst>
-          </p:cNvPr>
-          <p:cNvSpPr>
-            <a:spLocks noGrp="1"/>
-          </p:cNvSpPr>
-          <p:nvPr>
-            <p:ph type="title"/>
-          </p:nvPr>
-        </p:nvSpPr>
-        <p:spPr/>
-        <p:txBody>
-          <a:bodyPr/>
-          <a:lstStyle/>
-          <a:p>
-            <a:r>
-              <a:rPr lang="en-US" dirty="0">
-                <a:solidFill>
-                  <a:schemeClr val="bg1"/>
-                </a:solidFill>
-              </a:rPr>
-              <a:t>API Creation</a:t>
-            </a:r>
-          </a:p>
-        </p:txBody>
-      </p:sp>
-      <p:sp>
-        <p:nvSpPr>
-          <p:cNvPr id="5" name="Content Placeholder 4">
-            <a:extLst>
-              <a:ext uri="{FF2B5EF4-FFF2-40B4-BE49-F238E27FC236}">
-                <a16:creationId xmlns:a16="http://schemas.microsoft.com/office/drawing/2014/main" id="{A1F85561-941A-4945-B189-40E82BE37C18}"/>
-              </a:ext>
-            </a:extLst>
-          </p:cNvPr>
-          <p:cNvSpPr>
-            <a:spLocks noGrp="1"/>
-          </p:cNvSpPr>
-          <p:nvPr>
-            <p:ph idx="1"/>
-          </p:nvPr>
-        </p:nvSpPr>
-        <p:spPr/>
-        <p:txBody>
-          <a:bodyPr/>
-          <a:lstStyle/>
-          <a:p>
-            <a:r>
-              <a:rPr lang="en-US" dirty="0">
-                <a:solidFill>
-                  <a:schemeClr val="bg1"/>
-                </a:solidFill>
-              </a:rPr>
-              <a:t>RESTful API</a:t>
-            </a:r>
-          </a:p>
-          <a:p>
-            <a:r>
-              <a:rPr lang="en-US" dirty="0">
-                <a:solidFill>
-                  <a:schemeClr val="bg1"/>
-                </a:solidFill>
-              </a:rPr>
-              <a:t>Returns JSON Dictionary</a:t>
-            </a:r>
-          </a:p>
-          <a:p>
-            <a:endParaRPr lang="en-US" dirty="0">
-              <a:solidFill>
-                <a:schemeClr val="bg1"/>
-              </a:solidFill>
-            </a:endParaRPr>
-          </a:p>
-          <a:p>
-            <a:r>
-              <a:rPr lang="en-US" dirty="0">
-                <a:hlinkClick r:id="rId3"/>
-              </a:rPr>
-              <a:t>http://gmastorg.pythonanywhere.com/GLAPS?HomeVal=150000&amp;County=Cumberland%20County,%20North%20Carolina</a:t>
-            </a:r>
-            <a:endParaRPr lang="en-US" dirty="0"/>
-          </a:p>
-          <a:p>
-            <a:endParaRPr lang="en-US" dirty="0">
-              <a:solidFill>
-                <a:schemeClr val="bg1"/>
-              </a:solidFill>
-            </a:endParaRPr>
-          </a:p>
-          <a:p>
-            <a:pPr marL="0" indent="0">
-              <a:buNone/>
-            </a:pPr>
-            <a:endParaRPr lang="en-US" dirty="0">
-              <a:solidFill>
-                <a:schemeClr val="bg1"/>
-              </a:solidFill>
-            </a:endParaRPr>
-          </a:p>
-        </p:txBody>
-      </p:sp>
-    </p:spTree>
-    <p:extLst>
-      <p:ext uri="{BB962C8B-B14F-4D97-AF65-F5344CB8AC3E}">
-        <p14:creationId xmlns:p14="http://schemas.microsoft.com/office/powerpoint/2010/main" val="1373218052"/>
-      </p:ext>
-    </p:extLst>
-  </p:cSld>
-  <p:clrMapOvr>
-    <a:masterClrMapping/>
-  </p:clrMapOvr>
-</p:sld>
-</file>
-
-<file path=ppt/slides/slide11.xml><?xml version="1.0" encoding="utf-8"?>
-<p:sld xmlns:a="http://schemas.openxmlformats.org/drawingml/2006/main" xmlns:r="http://schemas.openxmlformats.org/officeDocument/2006/relationships" xmlns:p="http://schemas.openxmlformats.org/presentationml/2006/main">
-  <p:cSld>
-    <p:spTree>
-      <p:nvGrpSpPr>
-        <p:cNvPr id="1" name=""/>
-        <p:cNvGrpSpPr/>
-        <p:nvPr/>
-      </p:nvGrpSpPr>
-      <p:grpSpPr>
-        <a:xfrm>
-          <a:off x="0" y="0"/>
-          <a:ext cx="0" cy="0"/>
-          <a:chOff x="0" y="0"/>
-          <a:chExt cx="0" cy="0"/>
-        </a:xfrm>
-      </p:grpSpPr>
-      <p:sp>
-        <p:nvSpPr>
-          <p:cNvPr id="2" name="Title 1">
-            <a:extLst>
-              <a:ext uri="{FF2B5EF4-FFF2-40B4-BE49-F238E27FC236}">
-                <a16:creationId xmlns:a16="http://schemas.microsoft.com/office/drawing/2014/main" id="{916DCDC0-B1FB-4698-B0C9-F5C6F4B9536B}"/>
-              </a:ext>
-            </a:extLst>
-          </p:cNvPr>
-          <p:cNvSpPr>
-            <a:spLocks noGrp="1"/>
-          </p:cNvSpPr>
-          <p:nvPr>
-            <p:ph type="title"/>
-          </p:nvPr>
-        </p:nvSpPr>
-        <p:spPr/>
-        <p:txBody>
-          <a:bodyPr/>
-          <a:lstStyle/>
-          <a:p>
-            <a:r>
-              <a:rPr lang="en-US" dirty="0">
-                <a:solidFill>
-                  <a:schemeClr val="bg1"/>
-                </a:solidFill>
-              </a:rPr>
-              <a:t>Going Forward</a:t>
-            </a:r>
-          </a:p>
-        </p:txBody>
-      </p:sp>
-      <p:sp>
-        <p:nvSpPr>
-          <p:cNvPr id="3" name="Content Placeholder 2">
-            <a:extLst>
-              <a:ext uri="{FF2B5EF4-FFF2-40B4-BE49-F238E27FC236}">
-                <a16:creationId xmlns:a16="http://schemas.microsoft.com/office/drawing/2014/main" id="{54A700F1-AD0B-49FB-871D-C006332247C0}"/>
-              </a:ext>
-            </a:extLst>
-          </p:cNvPr>
-          <p:cNvSpPr>
-            <a:spLocks noGrp="1"/>
-          </p:cNvSpPr>
-          <p:nvPr>
-            <p:ph idx="1"/>
-          </p:nvPr>
-        </p:nvSpPr>
-        <p:spPr/>
-        <p:txBody>
-          <a:bodyPr/>
-          <a:lstStyle/>
-          <a:p>
-            <a:pPr marL="0" indent="0">
-              <a:buNone/>
-            </a:pPr>
-            <a:r>
-              <a:rPr lang="en-US" dirty="0">
-                <a:solidFill>
-                  <a:schemeClr val="bg1"/>
-                </a:solidFill>
-              </a:rPr>
-              <a:t>Switching from current home value predictions to future home value predictions as well as add other developmental projects such as malls, or parks. </a:t>
-            </a:r>
-          </a:p>
-        </p:txBody>
-      </p:sp>
-    </p:spTree>
-    <p:extLst>
-      <p:ext uri="{BB962C8B-B14F-4D97-AF65-F5344CB8AC3E}">
-        <p14:creationId xmlns:p14="http://schemas.microsoft.com/office/powerpoint/2010/main" val="1964266525"/>
-      </p:ext>
-    </p:extLst>
-  </p:cSld>
-  <p:clrMapOvr>
-    <a:masterClrMapping/>
-  </p:clrMapOvr>
-</p:sld>
-</file>
-
-<file path=ppt/slides/slide12.xml><?xml version="1.0" encoding="utf-8"?>
-<p:sld xmlns:a="http://schemas.openxmlformats.org/drawingml/2006/main" xmlns:r="http://schemas.openxmlformats.org/officeDocument/2006/relationships" xmlns:p="http://schemas.openxmlformats.org/presentationml/2006/main">
-  <p:cSld>
-    <p:spTree>
-      <p:nvGrpSpPr>
-        <p:cNvPr id="1" name=""/>
-        <p:cNvGrpSpPr/>
-        <p:nvPr/>
-      </p:nvGrpSpPr>
-      <p:grpSpPr>
-        <a:xfrm>
-          <a:off x="0" y="0"/>
-          <a:ext cx="0" cy="0"/>
-          <a:chOff x="0" y="0"/>
-          <a:chExt cx="0" cy="0"/>
-        </a:xfrm>
-      </p:grpSpPr>
-      <p:sp>
-        <p:nvSpPr>
-          <p:cNvPr id="3" name="Content Placeholder 2">
-            <a:extLst>
-              <a:ext uri="{FF2B5EF4-FFF2-40B4-BE49-F238E27FC236}">
-                <a16:creationId xmlns:a16="http://schemas.microsoft.com/office/drawing/2014/main" id="{D8DC2DF5-3C61-4212-95E3-2A9C26DC127B}"/>
-              </a:ext>
-            </a:extLst>
-          </p:cNvPr>
-          <p:cNvSpPr>
-            <a:spLocks noGrp="1"/>
-          </p:cNvSpPr>
-          <p:nvPr>
-            <p:ph idx="1"/>
-          </p:nvPr>
-        </p:nvSpPr>
-        <p:spPr/>
-        <p:txBody>
-          <a:bodyPr/>
-          <a:lstStyle/>
-          <a:p>
-            <a:pPr marL="0" indent="0" algn="ctr">
-              <a:buNone/>
-            </a:pPr>
-            <a:endParaRPr lang="en-US" dirty="0">
-              <a:solidFill>
-                <a:schemeClr val="bg1"/>
-              </a:solidFill>
-            </a:endParaRPr>
-          </a:p>
-          <a:p>
-            <a:pPr marL="0" indent="0" algn="ctr">
-              <a:buNone/>
-            </a:pPr>
-            <a:endParaRPr lang="en-US" dirty="0">
-              <a:solidFill>
-                <a:schemeClr val="bg1"/>
-              </a:solidFill>
-            </a:endParaRPr>
-          </a:p>
-          <a:p>
-            <a:pPr marL="0" indent="0" algn="ctr">
-              <a:buNone/>
-            </a:pPr>
-            <a:r>
-              <a:rPr lang="en-US" sz="5400" dirty="0">
-                <a:solidFill>
-                  <a:schemeClr val="bg1"/>
-                </a:solidFill>
-              </a:rPr>
-              <a:t>WWW.GLAPS.LIVE</a:t>
-            </a:r>
-          </a:p>
-        </p:txBody>
-      </p:sp>
-    </p:spTree>
-    <p:extLst>
-      <p:ext uri="{BB962C8B-B14F-4D97-AF65-F5344CB8AC3E}">
-        <p14:creationId xmlns:p14="http://schemas.microsoft.com/office/powerpoint/2010/main" val="4107216938"/>
-      </p:ext>
-    </p:extLst>
-  </p:cSld>
-  <p:clrMapOvr>
-    <a:masterClrMapping/>
-  </p:clrMapOvr>
-</p:sld>
-</file>
-
 <file path=ppt/slides/slide2.xml><?xml version="1.0" encoding="utf-8"?>
 <p:sld xmlns:a="http://schemas.openxmlformats.org/drawingml/2006/main" xmlns:r="http://schemas.openxmlformats.org/officeDocument/2006/relationships" xmlns:p="http://schemas.openxmlformats.org/presentationml/2006/main">
   <p:cSld>
@@ -5395,7 +4763,7 @@
                   <a:schemeClr val="bg1"/>
                 </a:solidFill>
               </a:rPr>
-              <a:t>Backend Team</a:t>
+              <a:t>Team</a:t>
             </a:r>
           </a:p>
         </p:txBody>
@@ -5420,6 +4788,81 @@
         <p:txBody>
           <a:bodyPr/>
           <a:lstStyle/>
+          <a:p>
+            <a:pPr marL="0" indent="0">
+              <a:buNone/>
+            </a:pPr>
+            <a:r>
+              <a:rPr lang="en-US" dirty="0">
+                <a:solidFill>
+                  <a:schemeClr val="bg1"/>
+                </a:solidFill>
+              </a:rPr>
+              <a:t>Front End </a:t>
+            </a:r>
+          </a:p>
+          <a:p>
+            <a:pPr marL="0" indent="0">
+              <a:buNone/>
+            </a:pPr>
+            <a:r>
+              <a:rPr lang="en-US" dirty="0">
+                <a:solidFill>
+                  <a:schemeClr val="bg1"/>
+                </a:solidFill>
+              </a:rPr>
+              <a:t>	-Brian </a:t>
+            </a:r>
+            <a:r>
+              <a:rPr lang="en-US" dirty="0" err="1">
+                <a:solidFill>
+                  <a:schemeClr val="bg1"/>
+                </a:solidFill>
+              </a:rPr>
+              <a:t>Schweikart</a:t>
+            </a:r>
+            <a:endParaRPr lang="en-US" dirty="0">
+              <a:solidFill>
+                <a:schemeClr val="bg1"/>
+              </a:solidFill>
+            </a:endParaRPr>
+          </a:p>
+          <a:p>
+            <a:pPr marL="0" indent="0">
+              <a:buNone/>
+            </a:pPr>
+            <a:r>
+              <a:rPr lang="en-US" dirty="0">
+                <a:solidFill>
+                  <a:schemeClr val="bg1"/>
+                </a:solidFill>
+              </a:rPr>
+              <a:t>	- Jesse Watts</a:t>
+            </a:r>
+          </a:p>
+          <a:p>
+            <a:pPr marL="0" indent="0">
+              <a:buNone/>
+            </a:pPr>
+            <a:endParaRPr lang="en-US" dirty="0">
+              <a:solidFill>
+                <a:schemeClr val="bg1"/>
+              </a:solidFill>
+            </a:endParaRPr>
+          </a:p>
+          <a:p>
+            <a:pPr marL="0" indent="0">
+              <a:buNone/>
+            </a:pPr>
+            <a:r>
+              <a:rPr lang="en-US" dirty="0">
+                <a:solidFill>
+                  <a:schemeClr val="bg1"/>
+                </a:solidFill>
+              </a:rPr>
+              <a:t>Back End</a:t>
+            </a:r>
+          </a:p>
           <a:p>
             <a:pPr marL="0" indent="0">
               <a:buNone/>
@@ -5665,9 +5108,22 @@
         <p:spPr/>
         <p:txBody>
           <a:bodyPr>
-            <a:normAutofit/>
+            <a:normAutofit lnSpcReduction="10000"/>
           </a:bodyPr>
           <a:lstStyle/>
+          <a:p>
+            <a:pPr marL="0" indent="0">
+              <a:buNone/>
+            </a:pPr>
+            <a:r>
+              <a:rPr lang="en-US" u="sng" dirty="0">
+                <a:solidFill>
+                  <a:schemeClr val="bg1"/>
+                </a:solidFill>
+              </a:rPr>
+              <a:t>Goal:</a:t>
+            </a:r>
+          </a:p>
           <a:p>
             <a:pPr marL="0" indent="0">
               <a:buNone/>
@@ -5678,7 +5134,56 @@
                   <a:schemeClr val="bg1"/>
                 </a:solidFill>
               </a:rPr>
-              <a:t>Our software predicts the effects of professional baseball stadiums on property values. Using an address and current home value our API returns a prediction of the median home value with a stadium, without a stadium and uses the percent of change to calculate the user’s home value. </a:t>
+              <a:t>Our software will aim to predict the effects of these facilities on future home values. </a:t>
+            </a:r>
+          </a:p>
+          <a:p>
+            <a:pPr marL="0" indent="0">
+              <a:buNone/>
+            </a:pPr>
+            <a:r>
+              <a:rPr lang="en-US" dirty="0">
+                <a:solidFill>
+                  <a:schemeClr val="bg1"/>
+                </a:solidFill>
+              </a:rPr>
+              <a:t>The user will enter an address and current home value, then select the type of facility and the number of years in the future for which they wish to view the predicted property value.</a:t>
+            </a:r>
+          </a:p>
+          <a:p>
+            <a:pPr marL="0" indent="0">
+              <a:buNone/>
+            </a:pPr>
+            <a:endParaRPr lang="en-US" dirty="0">
+              <a:solidFill>
+                <a:schemeClr val="bg1"/>
+              </a:solidFill>
+            </a:endParaRPr>
+          </a:p>
+          <a:p>
+            <a:pPr marL="0" indent="0">
+              <a:buNone/>
+            </a:pPr>
+            <a:r>
+              <a:rPr lang="en-US" u="sng" dirty="0">
+                <a:solidFill>
+                  <a:schemeClr val="bg1"/>
+                </a:solidFill>
+              </a:rPr>
+              <a:t>Minimum Viable Product:</a:t>
+            </a:r>
+          </a:p>
+          <a:p>
+            <a:pPr marL="0" indent="0">
+              <a:buNone/>
+            </a:pPr>
+            <a:r>
+              <a:rPr lang="en-US" dirty="0">
+                <a:solidFill>
+                  <a:schemeClr val="bg1"/>
+                </a:solidFill>
+              </a:rPr>
+              <a:t>Our software will be able to predict future home values based on the current factors in a specific state. </a:t>
             </a:r>
           </a:p>
           <a:p>
@@ -5748,7 +5253,7 @@
           <p:cNvPr id="2" name="Title 1">
             <a:extLst>
               <a:ext uri="{FF2B5EF4-FFF2-40B4-BE49-F238E27FC236}">
-                <a16:creationId xmlns:a16="http://schemas.microsoft.com/office/drawing/2014/main" id="{D648175B-7A83-4D2A-B54F-ABE0F6A08D4A}"/>
+                <a16:creationId xmlns:a16="http://schemas.microsoft.com/office/drawing/2014/main" id="{F7D5432D-A80C-45F6-8586-20BA3F1F2CEA}"/>
               </a:ext>
             </a:extLst>
           </p:cNvPr>
@@ -5759,12 +5264,7 @@
             <p:ph type="title"/>
           </p:nvPr>
         </p:nvSpPr>
-        <p:spPr>
-          <a:xfrm>
-            <a:off x="838200" y="365125"/>
-            <a:ext cx="10515600" cy="1325563"/>
-          </a:xfrm>
-        </p:spPr>
+        <p:spPr/>
         <p:txBody>
           <a:bodyPr/>
           <a:lstStyle/>
@@ -5775,7 +5275,7 @@
                   <a:schemeClr val="bg1"/>
                 </a:solidFill>
               </a:rPr>
-              <a:t>Software </a:t>
+              <a:t>Data Collection</a:t>
             </a:r>
           </a:p>
         </p:txBody>
@@ -5785,7 +5285,7 @@
           <p:cNvPr id="3" name="Content Placeholder 2">
             <a:extLst>
               <a:ext uri="{FF2B5EF4-FFF2-40B4-BE49-F238E27FC236}">
-                <a16:creationId xmlns:a16="http://schemas.microsoft.com/office/drawing/2014/main" id="{977A82DD-3673-44B8-BC27-95AD32107C1D}"/>
+                <a16:creationId xmlns:a16="http://schemas.microsoft.com/office/drawing/2014/main" id="{44DBDC77-41B8-4CDD-9E85-FA7B3DF376DD}"/>
               </a:ext>
             </a:extLst>
           </p:cNvPr>
@@ -5796,11 +5296,14 @@
             <p:ph idx="1"/>
           </p:nvPr>
         </p:nvSpPr>
-        <p:spPr/>
-        <p:txBody>
-          <a:bodyPr>
-            <a:normAutofit fontScale="85000" lnSpcReduction="20000"/>
-          </a:bodyPr>
+        <p:spPr>
+          <a:xfrm>
+            <a:off x="838200" y="1825625"/>
+            <a:ext cx="10515600" cy="4351338"/>
+          </a:xfrm>
+        </p:spPr>
+        <p:txBody>
+          <a:bodyPr/>
           <a:lstStyle/>
           <a:p>
             <a:pPr marL="0" indent="0">
@@ -5812,8 +5315,18 @@
                   <a:schemeClr val="bg1"/>
                 </a:solidFill>
               </a:rPr>
-              <a:t>Language:</a:t>
-            </a:r>
+              <a:t>Our data was obtained by using the Census API</a:t>
+            </a:r>
+          </a:p>
+          <a:p>
+            <a:pPr marL="0" indent="0">
+              <a:buNone/>
+            </a:pPr>
+            <a:endParaRPr lang="en-US" dirty="0">
+              <a:solidFill>
+                <a:schemeClr val="bg1"/>
+              </a:solidFill>
+            </a:endParaRPr>
           </a:p>
           <a:p>
             <a:pPr marL="0" indent="0">
@@ -5825,42 +5338,13 @@
                   <a:schemeClr val="bg1"/>
                 </a:solidFill>
               </a:rPr>
-              <a:t>	- Python</a:t>
+              <a:t>Visualization of the Data was achieved through the use of Google Facets.</a:t>
             </a:r>
           </a:p>
           <a:p>
             <a:pPr marL="0" indent="0">
               <a:buNone/>
             </a:pPr>
-            <a:r>
-              <a:rPr lang="en-US" dirty="0">
-                <a:solidFill>
-                  <a:schemeClr val="bg1"/>
-                </a:solidFill>
-              </a:rPr>
-              <a:t>Database:</a:t>
-            </a:r>
-          </a:p>
-          <a:p>
-            <a:pPr marL="0" indent="0">
-              <a:buNone/>
-            </a:pPr>
-            <a:r>
-              <a:rPr lang="en-US" dirty="0">
-                <a:solidFill>
-                  <a:schemeClr val="bg1"/>
-                </a:solidFill>
-              </a:rPr>
-              <a:t>	- </a:t>
-            </a:r>
-            <a:r>
-              <a:rPr lang="en-US" dirty="0" err="1">
-                <a:solidFill>
-                  <a:schemeClr val="bg1"/>
-                </a:solidFill>
-              </a:rPr>
-              <a:t>Sqlite</a:t>
-            </a:r>
             <a:endParaRPr lang="en-US" dirty="0">
               <a:solidFill>
                 <a:schemeClr val="bg1"/>
@@ -5876,126 +5360,22 @@
                 <a:solidFill>
                   <a:schemeClr val="bg1"/>
                 </a:solidFill>
+                <a:hlinkClick r:id="rId3"/>
               </a:rPr>
-              <a:t>Machine Learning:</a:t>
-            </a:r>
-          </a:p>
-          <a:p>
-            <a:pPr marL="0" indent="0">
-              <a:buNone/>
-            </a:pPr>
-            <a:r>
-              <a:rPr lang="en-US" dirty="0">
-                <a:solidFill>
-                  <a:schemeClr val="bg1"/>
-                </a:solidFill>
-              </a:rPr>
-              <a:t>	- </a:t>
-            </a:r>
-            <a:r>
-              <a:rPr lang="en-US" dirty="0" err="1">
-                <a:solidFill>
-                  <a:schemeClr val="bg1"/>
-                </a:solidFill>
-              </a:rPr>
-              <a:t>Keras</a:t>
-            </a:r>
-            <a:r>
-              <a:rPr lang="en-US" dirty="0">
-                <a:solidFill>
-                  <a:schemeClr val="bg1"/>
-                </a:solidFill>
-              </a:rPr>
-              <a:t> backed with TensorFlow</a:t>
-            </a:r>
-          </a:p>
-          <a:p>
-            <a:pPr marL="0" indent="0">
-              <a:buNone/>
-            </a:pPr>
-            <a:r>
-              <a:rPr lang="en-US" dirty="0">
-                <a:solidFill>
-                  <a:schemeClr val="bg1"/>
-                </a:solidFill>
-              </a:rPr>
-              <a:t>Visualization:</a:t>
-            </a:r>
-          </a:p>
-          <a:p>
-            <a:pPr marL="0" indent="0">
-              <a:buNone/>
-            </a:pPr>
-            <a:r>
-              <a:rPr lang="en-US" dirty="0">
-                <a:solidFill>
-                  <a:schemeClr val="bg1"/>
-                </a:solidFill>
-              </a:rPr>
-              <a:t>	-  Facets</a:t>
-            </a:r>
-          </a:p>
-          <a:p>
-            <a:pPr marL="0" indent="0">
-              <a:buNone/>
-            </a:pPr>
-            <a:r>
-              <a:rPr lang="en-US" dirty="0">
-                <a:solidFill>
-                  <a:schemeClr val="bg1"/>
-                </a:solidFill>
-              </a:rPr>
-              <a:t>	- </a:t>
-            </a:r>
-            <a:r>
-              <a:rPr lang="en-US" dirty="0" err="1">
-                <a:solidFill>
-                  <a:schemeClr val="bg1"/>
-                </a:solidFill>
-              </a:rPr>
-              <a:t>TensorBoard</a:t>
-            </a:r>
-            <a:r>
-              <a:rPr lang="en-US" dirty="0">
-                <a:solidFill>
-                  <a:schemeClr val="bg1"/>
-                </a:solidFill>
-              </a:rPr>
-              <a:t> </a:t>
-            </a:r>
-          </a:p>
-          <a:p>
-            <a:pPr marL="0" indent="0">
-              <a:buNone/>
-            </a:pPr>
-            <a:r>
-              <a:rPr lang="en-US" dirty="0">
-                <a:solidFill>
-                  <a:schemeClr val="bg1"/>
-                </a:solidFill>
-              </a:rPr>
-              <a:t>Hosting:</a:t>
-            </a:r>
-          </a:p>
-          <a:p>
-            <a:pPr marL="0" indent="0">
-              <a:buNone/>
-            </a:pPr>
-            <a:r>
-              <a:rPr lang="en-US" dirty="0">
-                <a:solidFill>
-                  <a:schemeClr val="bg1"/>
-                </a:solidFill>
-              </a:rPr>
-              <a:t>	-PythonAnywhere</a:t>
-            </a:r>
+              <a:t>https://pair-code.github.io/facets/</a:t>
+            </a:r>
+            <a:endParaRPr lang="en-US" dirty="0">
+              <a:solidFill>
+                <a:schemeClr val="bg1"/>
+              </a:solidFill>
+            </a:endParaRPr>
           </a:p>
         </p:txBody>
       </p:sp>
     </p:spTree>
     <p:extLst>
       <p:ext uri="{BB962C8B-B14F-4D97-AF65-F5344CB8AC3E}">
-        <p14:creationId xmlns:p14="http://schemas.microsoft.com/office/powerpoint/2010/main" val="312691985"/>
+        <p14:creationId xmlns:p14="http://schemas.microsoft.com/office/powerpoint/2010/main" val="677316536"/>
       </p:ext>
     </p:extLst>
   </p:cSld>
@@ -6027,7 +5407,7 @@
           <p:cNvPr id="2" name="Title 1">
             <a:extLst>
               <a:ext uri="{FF2B5EF4-FFF2-40B4-BE49-F238E27FC236}">
-                <a16:creationId xmlns:a16="http://schemas.microsoft.com/office/drawing/2014/main" id="{F7D5432D-A80C-45F6-8586-20BA3F1F2CEA}"/>
+                <a16:creationId xmlns:a16="http://schemas.microsoft.com/office/drawing/2014/main" id="{D648175B-7A83-4D2A-B54F-ABE0F6A08D4A}"/>
               </a:ext>
             </a:extLst>
           </p:cNvPr>
@@ -6038,7 +5418,12 @@
             <p:ph type="title"/>
           </p:nvPr>
         </p:nvSpPr>
-        <p:spPr/>
+        <p:spPr>
+          <a:xfrm>
+            <a:off x="838200" y="365125"/>
+            <a:ext cx="10515600" cy="1325563"/>
+          </a:xfrm>
+        </p:spPr>
         <p:txBody>
           <a:bodyPr/>
           <a:lstStyle/>
@@ -6049,7 +5434,7 @@
                   <a:schemeClr val="bg1"/>
                 </a:solidFill>
               </a:rPr>
-              <a:t>Data Collection</a:t>
+              <a:t>Software </a:t>
             </a:r>
           </a:p>
         </p:txBody>
@@ -6059,7 +5444,7 @@
           <p:cNvPr id="3" name="Content Placeholder 2">
             <a:extLst>
               <a:ext uri="{FF2B5EF4-FFF2-40B4-BE49-F238E27FC236}">
-                <a16:creationId xmlns:a16="http://schemas.microsoft.com/office/drawing/2014/main" id="{44DBDC77-41B8-4CDD-9E85-FA7B3DF376DD}"/>
+                <a16:creationId xmlns:a16="http://schemas.microsoft.com/office/drawing/2014/main" id="{977A82DD-3673-44B8-BC27-95AD32107C1D}"/>
               </a:ext>
             </a:extLst>
           </p:cNvPr>
@@ -6070,15 +5455,10 @@
             <p:ph idx="1"/>
           </p:nvPr>
         </p:nvSpPr>
-        <p:spPr>
-          <a:xfrm>
-            <a:off x="838200" y="1558339"/>
-            <a:ext cx="10515600" cy="4351338"/>
-          </a:xfrm>
-        </p:spPr>
+        <p:spPr/>
         <p:txBody>
           <a:bodyPr>
-            <a:normAutofit lnSpcReduction="10000"/>
+            <a:normAutofit/>
           </a:bodyPr>
           <a:lstStyle/>
           <a:p>
@@ -6091,13 +5471,55 @@
                   <a:schemeClr val="bg1"/>
                 </a:solidFill>
               </a:rPr>
-              <a:t>Our data was obtained by using the Census API</a:t>
+              <a:t>Language:</a:t>
             </a:r>
           </a:p>
           <a:p>
             <a:pPr marL="0" indent="0">
               <a:buNone/>
             </a:pPr>
+            <a:r>
+              <a:rPr lang="en-US" dirty="0">
+                <a:solidFill>
+                  <a:schemeClr val="bg1"/>
+                </a:solidFill>
+              </a:rPr>
+              <a:t>	- Python</a:t>
+            </a:r>
+          </a:p>
+          <a:p>
+            <a:pPr marL="0" indent="0">
+              <a:buNone/>
+            </a:pPr>
+            <a:r>
+              <a:rPr lang="en-US" dirty="0">
+                <a:solidFill>
+                  <a:schemeClr val="bg1"/>
+                </a:solidFill>
+              </a:rPr>
+              <a:t>Database:</a:t>
+            </a:r>
+          </a:p>
+          <a:p>
+            <a:pPr marL="0" indent="0">
+              <a:buNone/>
+            </a:pPr>
+            <a:r>
+              <a:rPr lang="en-US" dirty="0">
+                <a:solidFill>
+                  <a:schemeClr val="bg1"/>
+                </a:solidFill>
+              </a:rPr>
+              <a:t>	- </a:t>
+            </a:r>
+            <a:r>
+              <a:rPr lang="en-US" dirty="0" err="1">
+                <a:solidFill>
+                  <a:schemeClr val="bg1"/>
+                </a:solidFill>
+              </a:rPr>
+              <a:t>Sqlite</a:t>
+            </a:r>
             <a:endParaRPr lang="en-US" dirty="0">
               <a:solidFill>
                 <a:schemeClr val="bg1"/>
@@ -6114,20 +5536,28 @@
                   <a:schemeClr val="bg1"/>
                 </a:solidFill>
               </a:rPr>
-              <a:t>Sample Call:</a:t>
+              <a:t>Machine Learning:</a:t>
             </a:r>
           </a:p>
           <a:p>
             <a:pPr marL="0" indent="0">
               <a:buNone/>
             </a:pPr>
+            <a:r>
+              <a:rPr lang="en-US" dirty="0">
+                <a:solidFill>
+                  <a:schemeClr val="bg1"/>
+                </a:solidFill>
+              </a:rPr>
+              <a:t>	- </a:t>
+            </a:r>
             <a:r>
               <a:rPr lang="en-US" dirty="0" err="1">
                 <a:solidFill>
                   <a:schemeClr val="bg1"/>
                 </a:solidFill>
               </a:rPr>
-              <a:t>url</a:t>
+              <a:t>Keras</a:t>
             </a:r>
             <a:r>
               <a:rPr lang="en-US" dirty="0">
@@ -6135,7 +5565,33 @@
                   <a:schemeClr val="bg1"/>
                 </a:solidFill>
               </a:rPr>
-              <a:t> = </a:t>
+              <a:t> backed with TensorFlow</a:t>
+            </a:r>
+          </a:p>
+          <a:p>
+            <a:pPr marL="0" indent="0">
+              <a:buNone/>
+            </a:pPr>
+            <a:r>
+              <a:rPr lang="en-US" dirty="0">
+                <a:solidFill>
+                  <a:schemeClr val="bg1"/>
+                </a:solidFill>
+              </a:rPr>
+              <a:t>Visualization:</a:t>
+            </a:r>
+          </a:p>
+          <a:p>
+            <a:pPr marL="0" indent="0">
+              <a:buNone/>
+            </a:pPr>
+            <a:r>
+              <a:rPr lang="en-US" dirty="0">
+                <a:solidFill>
+                  <a:schemeClr val="bg1"/>
+                </a:solidFill>
+              </a:rPr>
+              <a:t>	- </a:t>
             </a:r>
             <a:r>
               <a:rPr lang="en-US" dirty="0" err="1">
@@ -6143,7 +5599,7 @@
                   <a:schemeClr val="bg1"/>
                 </a:solidFill>
               </a:rPr>
-              <a:t>requests.get</a:t>
+              <a:t>TensorBoard</a:t>
             </a:r>
             <a:r>
               <a:rPr lang="en-US" dirty="0">
@@ -6151,74 +5607,15 @@
                   <a:schemeClr val="bg1"/>
                 </a:solidFill>
               </a:rPr>
-              <a:t>("https://api.census.gov/data/2011/</a:t>
-            </a:r>
-            <a:r>
-              <a:rPr lang="en-US" dirty="0" err="1">
-                <a:solidFill>
-                  <a:schemeClr val="bg1"/>
-                </a:solidFill>
-              </a:rPr>
-              <a:t>acs</a:t>
-            </a:r>
-            <a:r>
-              <a:rPr lang="en-US" dirty="0">
-                <a:solidFill>
-                  <a:schemeClr val="bg1"/>
-                </a:solidFill>
-              </a:rPr>
-              <a:t>/acs1?get=NAME,B01001_001E&amp;for=county:*&amp;in=state:*&amp;key=c64b663f57b72887707719c1318350c2fb6f9146")</a:t>
-            </a:r>
-          </a:p>
-          <a:p>
-            <a:pPr marL="0" indent="0">
-              <a:buNone/>
-            </a:pPr>
-            <a:endParaRPr lang="en-US" dirty="0">
-              <a:solidFill>
-                <a:schemeClr val="bg1"/>
-              </a:solidFill>
-            </a:endParaRPr>
-          </a:p>
-          <a:p>
-            <a:pPr marL="0" indent="0">
-              <a:buNone/>
-            </a:pPr>
-            <a:r>
-              <a:rPr lang="en-US" dirty="0">
-                <a:solidFill>
-                  <a:schemeClr val="bg1"/>
-                </a:solidFill>
-              </a:rPr>
-              <a:t>Visualization of the Data was achieved through the use of Google Facets.</a:t>
-            </a:r>
-          </a:p>
-          <a:p>
-            <a:pPr marL="0" indent="0">
-              <a:buNone/>
-            </a:pPr>
-            <a:endParaRPr lang="en-US" dirty="0">
-              <a:solidFill>
-                <a:schemeClr val="bg1"/>
-              </a:solidFill>
-            </a:endParaRPr>
-          </a:p>
-          <a:p>
-            <a:pPr marL="0" indent="0">
-              <a:buNone/>
-            </a:pPr>
-            <a:endParaRPr lang="en-US" dirty="0">
-              <a:solidFill>
-                <a:schemeClr val="bg1"/>
-              </a:solidFill>
-            </a:endParaRPr>
+              <a:t> </a:t>
+            </a:r>
           </a:p>
         </p:txBody>
       </p:sp>
     </p:spTree>
     <p:extLst>
       <p:ext uri="{BB962C8B-B14F-4D97-AF65-F5344CB8AC3E}">
-        <p14:creationId xmlns:p14="http://schemas.microsoft.com/office/powerpoint/2010/main" val="677316536"/>
+        <p14:creationId xmlns:p14="http://schemas.microsoft.com/office/powerpoint/2010/main" val="312691985"/>
       </p:ext>
     </p:extLst>
   </p:cSld>
@@ -6250,7 +5647,7 @@
           <p:cNvPr id="2" name="Title 1">
             <a:extLst>
               <a:ext uri="{FF2B5EF4-FFF2-40B4-BE49-F238E27FC236}">
-                <a16:creationId xmlns:a16="http://schemas.microsoft.com/office/drawing/2014/main" id="{54E800F8-ABD4-41FA-A506-31207AED7DBE}"/>
+                <a16:creationId xmlns:a16="http://schemas.microsoft.com/office/drawing/2014/main" id="{3224F8B1-9EF6-4486-B531-014DA4576B4C}"/>
               </a:ext>
             </a:extLst>
           </p:cNvPr>
@@ -6266,92 +5663,64 @@
           <a:bodyPr/>
           <a:lstStyle/>
           <a:p>
+            <a:r>
+              <a:rPr lang="en-US" dirty="0" err="1">
+                <a:solidFill>
+                  <a:schemeClr val="bg1"/>
+                </a:solidFill>
+              </a:rPr>
+              <a:t>TensorBoard</a:t>
+            </a:r>
             <a:r>
               <a:rPr lang="en-US" dirty="0">
                 <a:solidFill>
                   <a:schemeClr val="bg1"/>
                 </a:solidFill>
               </a:rPr>
-              <a:t>Machine Learning</a:t>
-            </a:r>
-          </a:p>
-        </p:txBody>
-      </p:sp>
-      <p:sp>
-        <p:nvSpPr>
-          <p:cNvPr id="3" name="Content Placeholder 2">
-            <a:extLst>
-              <a:ext uri="{FF2B5EF4-FFF2-40B4-BE49-F238E27FC236}">
-                <a16:creationId xmlns:a16="http://schemas.microsoft.com/office/drawing/2014/main" id="{68BF9B88-3136-4EE5-ACE1-2C048A33A00E}"/>
-              </a:ext>
-            </a:extLst>
-          </p:cNvPr>
-          <p:cNvSpPr>
-            <a:spLocks noGrp="1"/>
-          </p:cNvSpPr>
+              <a:t> Model </a:t>
+            </a:r>
+          </a:p>
+        </p:txBody>
+      </p:sp>
+      <p:pic>
+        <p:nvPicPr>
+          <p:cNvPr id="8" name="Content Placeholder 7">
+            <a:extLst>
+              <a:ext uri="{FF2B5EF4-FFF2-40B4-BE49-F238E27FC236}">
+                <a16:creationId xmlns:a16="http://schemas.microsoft.com/office/drawing/2014/main" id="{E73C8FE6-BA87-4EC6-A215-441512662F49}"/>
+              </a:ext>
+            </a:extLst>
+          </p:cNvPr>
+          <p:cNvPicPr>
+            <a:picLocks noGrp="1" noChangeAspect="1"/>
+          </p:cNvPicPr>
           <p:nvPr>
             <p:ph idx="1"/>
           </p:nvPr>
-        </p:nvSpPr>
-        <p:spPr/>
-        <p:txBody>
-          <a:bodyPr/>
-          <a:lstStyle/>
-          <a:p>
-            <a:r>
-              <a:rPr lang="en-US" dirty="0">
-                <a:solidFill>
-                  <a:schemeClr val="bg1"/>
-                </a:solidFill>
-              </a:rPr>
-              <a:t>In a very layman manner, Machine Learning (ML) can be explained as automating and improving the learning process of computers based on their experiences without being actually programmed i.e. without any human assistance. The process starts with feeding good quality data and then training our machines (computers) by building machine learning models using the data and different algorithms. The choice of algorithms depends on what type of data do we have and what kind of task we are trying to automate.</a:t>
-            </a:r>
-          </a:p>
-          <a:p>
-            <a:endParaRPr lang="en-US" u="sng" dirty="0">
-              <a:solidFill>
-                <a:schemeClr val="bg1"/>
-              </a:solidFill>
-              <a:hlinkClick r:id="rId3">
-                <a:extLst>
-                  <a:ext uri="{A12FA001-AC4F-418D-AE19-62706E023703}">
-                    <ahyp:hlinkClr xmlns:ahyp="http://schemas.microsoft.com/office/drawing/2018/hyperlinkcolor" val="tx"/>
-                  </a:ext>
-                </a:extLst>
-              </a:hlinkClick>
-            </a:endParaRPr>
-          </a:p>
-          <a:p>
-            <a:r>
-              <a:rPr lang="en-US" u="sng" dirty="0">
-                <a:solidFill>
-                  <a:schemeClr val="bg1"/>
-                </a:solidFill>
-                <a:hlinkClick r:id="rId3">
-                  <a:extLst>
-                    <a:ext uri="{A12FA001-AC4F-418D-AE19-62706E023703}">
-                      <ahyp:hlinkClr xmlns:ahyp="http://schemas.microsoft.com/office/drawing/2018/hyperlinkcolor" val="tx"/>
-                    </a:ext>
-                  </a:extLst>
-                </a:hlinkClick>
-              </a:rPr>
-              <a:t>https://www.geeksforgeeks.org/ml-machine-learning/</a:t>
-            </a:r>
-            <a:endParaRPr lang="en-US" dirty="0">
-              <a:solidFill>
-                <a:schemeClr val="bg1"/>
-              </a:solidFill>
-            </a:endParaRPr>
-          </a:p>
-          <a:p>
-            <a:endParaRPr lang="en-US" dirty="0"/>
-          </a:p>
-        </p:txBody>
-      </p:sp>
+        </p:nvPicPr>
+        <p:blipFill>
+          <a:blip r:embed="rId3">
+            <a:extLst>
+              <a:ext uri="{28A0092B-C50C-407E-A947-70E740481C1C}">
+                <a14:useLocalDpi xmlns:a14="http://schemas.microsoft.com/office/drawing/2010/main" val="0"/>
+              </a:ext>
+            </a:extLst>
+          </a:blip>
+          <a:stretch>
+            <a:fillRect/>
+          </a:stretch>
+        </p:blipFill>
+        <p:spPr>
+          <a:xfrm>
+            <a:off x="2875722" y="1407311"/>
+            <a:ext cx="6313429" cy="5085564"/>
+          </a:xfrm>
+        </p:spPr>
+      </p:pic>
     </p:spTree>
     <p:extLst>
       <p:ext uri="{BB962C8B-B14F-4D97-AF65-F5344CB8AC3E}">
-        <p14:creationId xmlns:p14="http://schemas.microsoft.com/office/powerpoint/2010/main" val="1983205796"/>
+        <p14:creationId xmlns:p14="http://schemas.microsoft.com/office/powerpoint/2010/main" val="3190345273"/>
       </p:ext>
     </p:extLst>
   </p:cSld>
@@ -6383,7 +5752,7 @@
           <p:cNvPr id="2" name="Title 1">
             <a:extLst>
               <a:ext uri="{FF2B5EF4-FFF2-40B4-BE49-F238E27FC236}">
-                <a16:creationId xmlns:a16="http://schemas.microsoft.com/office/drawing/2014/main" id="{3224F8B1-9EF6-4486-B531-014DA4576B4C}"/>
+                <a16:creationId xmlns:a16="http://schemas.microsoft.com/office/drawing/2014/main" id="{5FDDAA3C-F3C8-4DDB-80B9-DA237F3F4532}"/>
               </a:ext>
             </a:extLst>
           </p:cNvPr>
@@ -6413,17 +5782,17 @@
                   <a:schemeClr val="bg1"/>
                 </a:solidFill>
               </a:rPr>
-              <a:t> Model </a:t>
+              <a:t> Runs</a:t>
             </a:r>
           </a:p>
         </p:txBody>
       </p:sp>
       <p:pic>
         <p:nvPicPr>
-          <p:cNvPr id="8" name="Content Placeholder 7">
-            <a:extLst>
-              <a:ext uri="{FF2B5EF4-FFF2-40B4-BE49-F238E27FC236}">
-                <a16:creationId xmlns:a16="http://schemas.microsoft.com/office/drawing/2014/main" id="{E73C8FE6-BA87-4EC6-A215-441512662F49}"/>
+          <p:cNvPr id="4" name="Content Placeholder 4">
+            <a:extLst>
+              <a:ext uri="{FF2B5EF4-FFF2-40B4-BE49-F238E27FC236}">
+                <a16:creationId xmlns:a16="http://schemas.microsoft.com/office/drawing/2014/main" id="{2EE52E5D-8525-4411-A8CC-BBD8276B611D}"/>
               </a:ext>
             </a:extLst>
           </p:cNvPr>
@@ -6448,15 +5817,15 @@
         </p:blipFill>
         <p:spPr>
           <a:xfrm>
-            <a:off x="2875722" y="1407311"/>
-            <a:ext cx="6313429" cy="5085564"/>
+            <a:off x="2045219" y="1825625"/>
+            <a:ext cx="8101562" cy="4351338"/>
           </a:xfrm>
         </p:spPr>
       </p:pic>
     </p:spTree>
     <p:extLst>
       <p:ext uri="{BB962C8B-B14F-4D97-AF65-F5344CB8AC3E}">
-        <p14:creationId xmlns:p14="http://schemas.microsoft.com/office/powerpoint/2010/main" val="3190345273"/>
+        <p14:creationId xmlns:p14="http://schemas.microsoft.com/office/powerpoint/2010/main" val="1373218052"/>
       </p:ext>
     </p:extLst>
   </p:cSld>
@@ -6488,7 +5857,7 @@
           <p:cNvPr id="2" name="Title 1">
             <a:extLst>
               <a:ext uri="{FF2B5EF4-FFF2-40B4-BE49-F238E27FC236}">
-                <a16:creationId xmlns:a16="http://schemas.microsoft.com/office/drawing/2014/main" id="{8E3034D9-4AC5-4461-9FA8-43EF25C680C2}"/>
+                <a16:creationId xmlns:a16="http://schemas.microsoft.com/office/drawing/2014/main" id="{916DCDC0-B1FB-4698-B0C9-F5C6F4B9536B}"/>
               </a:ext>
             </a:extLst>
           </p:cNvPr>
@@ -6510,7 +5879,7 @@
                   <a:schemeClr val="bg1"/>
                 </a:solidFill>
               </a:rPr>
-              <a:t>Our Model</a:t>
+              <a:t>Going Forward</a:t>
             </a:r>
           </a:p>
         </p:txBody>
@@ -6520,7 +5889,7 @@
           <p:cNvPr id="3" name="Content Placeholder 2">
             <a:extLst>
               <a:ext uri="{FF2B5EF4-FFF2-40B4-BE49-F238E27FC236}">
-                <a16:creationId xmlns:a16="http://schemas.microsoft.com/office/drawing/2014/main" id="{2F80F532-220D-4299-85E5-BCA27C70B0E7}"/>
+                <a16:creationId xmlns:a16="http://schemas.microsoft.com/office/drawing/2014/main" id="{54A700F1-AD0B-49FB-871D-C006332247C0}"/>
               </a:ext>
             </a:extLst>
           </p:cNvPr>
@@ -6536,41 +5905,16 @@
           <a:bodyPr/>
           <a:lstStyle/>
           <a:p>
+            <a:pPr marL="0" indent="0">
+              <a:buNone/>
+            </a:pPr>
             <a:r>
               <a:rPr lang="en-US" dirty="0">
                 <a:solidFill>
                   <a:schemeClr val="bg1"/>
                 </a:solidFill>
               </a:rPr>
-              <a:t>Sequential Model</a:t>
-            </a:r>
-          </a:p>
-          <a:p>
-            <a:r>
-              <a:rPr lang="en-US" dirty="0" err="1">
-                <a:solidFill>
-                  <a:schemeClr val="bg1"/>
-                </a:solidFill>
-              </a:rPr>
-              <a:t>Relu</a:t>
-            </a:r>
-            <a:r>
-              <a:rPr lang="en-US" dirty="0">
-                <a:solidFill>
-                  <a:schemeClr val="bg1"/>
-                </a:solidFill>
-              </a:rPr>
-              <a:t> activation</a:t>
-            </a:r>
-          </a:p>
-          <a:p>
-            <a:r>
-              <a:rPr lang="en-US" dirty="0">
-                <a:solidFill>
-                  <a:schemeClr val="bg1"/>
-                </a:solidFill>
-              </a:rPr>
-              <a:t>Adam Optimizer</a:t>
+              <a:t>Switching from current home value predictions to future home value predictions</a:t>
             </a:r>
           </a:p>
         </p:txBody>
@@ -6578,7 +5922,7 @@
     </p:spTree>
     <p:extLst>
       <p:ext uri="{BB962C8B-B14F-4D97-AF65-F5344CB8AC3E}">
-        <p14:creationId xmlns:p14="http://schemas.microsoft.com/office/powerpoint/2010/main" val="3648390768"/>
+        <p14:creationId xmlns:p14="http://schemas.microsoft.com/office/powerpoint/2010/main" val="1964266525"/>
       </p:ext>
     </p:extLst>
   </p:cSld>

--- a/Presentation/GLAPS Presentation.pptx
+++ b/Presentation/GLAPS Presentation.pptx
@@ -5,24 +5,23 @@
     <p:sldMasterId id="2147483648" r:id="rId1"/>
   </p:sldMasterIdLst>
   <p:notesMasterIdLst>
-    <p:notesMasterId r:id="rId14"/>
+    <p:notesMasterId r:id="rId13"/>
   </p:notesMasterIdLst>
   <p:handoutMasterIdLst>
-    <p:handoutMasterId r:id="rId15"/>
+    <p:handoutMasterId r:id="rId14"/>
   </p:handoutMasterIdLst>
   <p:sldIdLst>
     <p:sldId id="256" r:id="rId2"/>
-    <p:sldId id="257" r:id="rId3"/>
-    <p:sldId id="259" r:id="rId4"/>
-    <p:sldId id="260" r:id="rId5"/>
-    <p:sldId id="262" r:id="rId6"/>
-    <p:sldId id="261" r:id="rId7"/>
-    <p:sldId id="266" r:id="rId8"/>
-    <p:sldId id="263" r:id="rId9"/>
-    <p:sldId id="267" r:id="rId10"/>
-    <p:sldId id="264" r:id="rId11"/>
-    <p:sldId id="265" r:id="rId12"/>
-    <p:sldId id="268" r:id="rId13"/>
+    <p:sldId id="259" r:id="rId3"/>
+    <p:sldId id="260" r:id="rId4"/>
+    <p:sldId id="262" r:id="rId5"/>
+    <p:sldId id="261" r:id="rId6"/>
+    <p:sldId id="266" r:id="rId7"/>
+    <p:sldId id="263" r:id="rId8"/>
+    <p:sldId id="267" r:id="rId9"/>
+    <p:sldId id="264" r:id="rId10"/>
+    <p:sldId id="265" r:id="rId11"/>
+    <p:sldId id="268" r:id="rId12"/>
   </p:sldIdLst>
   <p:sldSz cx="12192000" cy="6858000"/>
   <p:notesSz cx="6858000" cy="9144000"/>
@@ -238,7 +237,7 @@
           <a:p>
             <a:fld id="{8FF841A4-3D2F-4A04-8AFD-039DB6C706EF}" type="datetimeFigureOut">
               <a:rPr lang="en-US" smtClean="0"/>
-              <a:t>5/8/2019</a:t>
+              <a:t>5/13/2019</a:t>
             </a:fld>
             <a:endParaRPr lang="en-US"/>
           </a:p>
@@ -415,7 +414,7 @@
           <a:p>
             <a:fld id="{7C9A4655-0732-4CEF-977A-603CB38877C2}" type="datetimeFigureOut">
               <a:rPr lang="en-US" smtClean="0"/>
-              <a:t>5/8/2019</a:t>
+              <a:t>5/13/2019</a:t>
             </a:fld>
             <a:endParaRPr lang="en-US"/>
           </a:p>
@@ -810,42 +809,7 @@
           <a:bodyPr/>
           <a:lstStyle/>
           <a:p>
-            <a:r>
-              <a:rPr lang="en-US" dirty="0"/>
-              <a:t>(DEF OF RESTFUL API) Our </a:t>
-            </a:r>
-            <a:r>
-              <a:rPr lang="en-US" dirty="0" err="1"/>
-              <a:t>webapp</a:t>
-            </a:r>
-            <a:r>
-              <a:rPr lang="en-US" dirty="0"/>
-              <a:t> automatically provides the </a:t>
-            </a:r>
-            <a:r>
-              <a:rPr lang="en-US" dirty="0" err="1"/>
-              <a:t>api</a:t>
-            </a:r>
-            <a:r>
-              <a:rPr lang="en-US" dirty="0"/>
-              <a:t> call with the input </a:t>
-            </a:r>
-            <a:r>
-              <a:rPr lang="en-US" dirty="0" err="1"/>
-              <a:t>paramaters</a:t>
-            </a:r>
-            <a:r>
-              <a:rPr lang="en-US" dirty="0"/>
-              <a:t> however, if you choose to you can manually change these values. Though they must be formatted in this specific </a:t>
-            </a:r>
-            <a:r>
-              <a:rPr lang="en-US" dirty="0" err="1"/>
-              <a:t>maner</a:t>
-            </a:r>
-            <a:r>
-              <a:rPr lang="en-US" dirty="0"/>
-              <a:t>. </a:t>
-            </a:r>
+            <a:endParaRPr lang="en-US"/>
           </a:p>
         </p:txBody>
       </p:sp>
@@ -867,90 +831,6 @@
             <a:fld id="{53D823F5-FDDD-4E6F-9CBC-770E77BAD144}" type="slidenum">
               <a:rPr lang="en-US" smtClean="0"/>
               <a:t>10</a:t>
-            </a:fld>
-            <a:endParaRPr lang="en-US"/>
-          </a:p>
-        </p:txBody>
-      </p:sp>
-    </p:spTree>
-    <p:extLst>
-      <p:ext uri="{BB962C8B-B14F-4D97-AF65-F5344CB8AC3E}">
-        <p14:creationId xmlns:p14="http://schemas.microsoft.com/office/powerpoint/2010/main" val="1036520210"/>
-      </p:ext>
-    </p:extLst>
-  </p:cSld>
-  <p:clrMapOvr>
-    <a:masterClrMapping/>
-  </p:clrMapOvr>
-</p:notes>
-</file>
-
-<file path=ppt/notesSlides/notesSlide11.xml><?xml version="1.0" encoding="utf-8"?>
-<p:notes xmlns:a="http://schemas.openxmlformats.org/drawingml/2006/main" xmlns:r="http://schemas.openxmlformats.org/officeDocument/2006/relationships" xmlns:p="http://schemas.openxmlformats.org/presentationml/2006/main">
-  <p:cSld>
-    <p:spTree>
-      <p:nvGrpSpPr>
-        <p:cNvPr id="1" name=""/>
-        <p:cNvGrpSpPr/>
-        <p:nvPr/>
-      </p:nvGrpSpPr>
-      <p:grpSpPr>
-        <a:xfrm>
-          <a:off x="0" y="0"/>
-          <a:ext cx="0" cy="0"/>
-          <a:chOff x="0" y="0"/>
-          <a:chExt cx="0" cy="0"/>
-        </a:xfrm>
-      </p:grpSpPr>
-      <p:sp>
-        <p:nvSpPr>
-          <p:cNvPr id="2" name="Slide Image Placeholder 1"/>
-          <p:cNvSpPr>
-            <a:spLocks noGrp="1" noRot="1" noChangeAspect="1"/>
-          </p:cNvSpPr>
-          <p:nvPr>
-            <p:ph type="sldImg"/>
-          </p:nvPr>
-        </p:nvSpPr>
-        <p:spPr/>
-      </p:sp>
-      <p:sp>
-        <p:nvSpPr>
-          <p:cNvPr id="3" name="Notes Placeholder 2"/>
-          <p:cNvSpPr>
-            <a:spLocks noGrp="1"/>
-          </p:cNvSpPr>
-          <p:nvPr>
-            <p:ph type="body" idx="1"/>
-          </p:nvPr>
-        </p:nvSpPr>
-        <p:spPr/>
-        <p:txBody>
-          <a:bodyPr/>
-          <a:lstStyle/>
-          <a:p>
-            <a:endParaRPr lang="en-US"/>
-          </a:p>
-        </p:txBody>
-      </p:sp>
-      <p:sp>
-        <p:nvSpPr>
-          <p:cNvPr id="4" name="Slide Number Placeholder 3"/>
-          <p:cNvSpPr>
-            <a:spLocks noGrp="1"/>
-          </p:cNvSpPr>
-          <p:nvPr>
-            <p:ph type="sldNum" sz="quarter" idx="5"/>
-          </p:nvPr>
-        </p:nvSpPr>
-        <p:spPr/>
-        <p:txBody>
-          <a:bodyPr/>
-          <a:lstStyle/>
-          <a:p>
-            <a:fld id="{53D823F5-FDDD-4E6F-9CBC-770E77BAD144}" type="slidenum">
-              <a:rPr lang="en-US" smtClean="0"/>
-              <a:t>11</a:t>
             </a:fld>
             <a:endParaRPr lang="en-US"/>
           </a:p>
@@ -1013,7 +893,7 @@
           <a:bodyPr/>
           <a:lstStyle/>
           <a:p>
-            <a:endParaRPr lang="en-US"/>
+            <a:endParaRPr lang="en-US" dirty="0"/>
           </a:p>
         </p:txBody>
       </p:sp>
@@ -1043,7 +923,7 @@
     </p:spTree>
     <p:extLst>
       <p:ext uri="{BB962C8B-B14F-4D97-AF65-F5344CB8AC3E}">
-        <p14:creationId xmlns:p14="http://schemas.microsoft.com/office/powerpoint/2010/main" val="1682738024"/>
+        <p14:creationId xmlns:p14="http://schemas.microsoft.com/office/powerpoint/2010/main" val="3379963089"/>
       </p:ext>
     </p:extLst>
   </p:cSld>
@@ -1097,7 +977,7 @@
           <a:bodyPr/>
           <a:lstStyle/>
           <a:p>
-            <a:endParaRPr lang="en-US" dirty="0"/>
+            <a:endParaRPr lang="en-US"/>
           </a:p>
         </p:txBody>
       </p:sp>
@@ -1127,7 +1007,7 @@
     </p:spTree>
     <p:extLst>
       <p:ext uri="{BB962C8B-B14F-4D97-AF65-F5344CB8AC3E}">
-        <p14:creationId xmlns:p14="http://schemas.microsoft.com/office/powerpoint/2010/main" val="3379963089"/>
+        <p14:creationId xmlns:p14="http://schemas.microsoft.com/office/powerpoint/2010/main" val="2240925768"/>
       </p:ext>
     </p:extLst>
   </p:cSld>
@@ -1181,7 +1061,10 @@
           <a:bodyPr/>
           <a:lstStyle/>
           <a:p>
-            <a:endParaRPr lang="en-US"/>
+            <a:r>
+              <a:rPr lang="en-US" dirty="0"/>
+              <a:t>Transition here by saying something like “Now we’ll walk you through our process”. (MALLORY)</a:t>
+            </a:r>
           </a:p>
         </p:txBody>
       </p:sp>
@@ -1211,7 +1094,7 @@
     </p:spTree>
     <p:extLst>
       <p:ext uri="{BB962C8B-B14F-4D97-AF65-F5344CB8AC3E}">
-        <p14:creationId xmlns:p14="http://schemas.microsoft.com/office/powerpoint/2010/main" val="2240925768"/>
+        <p14:creationId xmlns:p14="http://schemas.microsoft.com/office/powerpoint/2010/main" val="3352556034"/>
       </p:ext>
     </p:extLst>
   </p:cSld>
@@ -1267,7 +1150,15 @@
           <a:p>
             <a:r>
               <a:rPr lang="en-US" dirty="0"/>
-              <a:t>Transition here by saying something like “Now we’ll walk you through our process”. (MALLORY)</a:t>
+              <a:t>Login to </a:t>
+            </a:r>
+            <a:r>
+              <a:rPr lang="en-US" dirty="0" err="1"/>
+              <a:t>glaps</a:t>
+            </a:r>
+            <a:r>
+              <a:rPr lang="en-US" dirty="0"/>
+              <a:t> live prior to this (go to page and show facets) (MALLORY)</a:t>
             </a:r>
           </a:p>
         </p:txBody>
@@ -1298,7 +1189,7 @@
     </p:spTree>
     <p:extLst>
       <p:ext uri="{BB962C8B-B14F-4D97-AF65-F5344CB8AC3E}">
-        <p14:creationId xmlns:p14="http://schemas.microsoft.com/office/powerpoint/2010/main" val="3352556034"/>
+        <p14:creationId xmlns:p14="http://schemas.microsoft.com/office/powerpoint/2010/main" val="721312342"/>
       </p:ext>
     </p:extLst>
   </p:cSld>
@@ -1354,15 +1245,7 @@
           <a:p>
             <a:r>
               <a:rPr lang="en-US" dirty="0"/>
-              <a:t>Login to </a:t>
-            </a:r>
-            <a:r>
-              <a:rPr lang="en-US" dirty="0" err="1"/>
-              <a:t>glaps</a:t>
-            </a:r>
-            <a:r>
-              <a:rPr lang="en-US" dirty="0"/>
-              <a:t> live prior to this (go to page and show facets) (MALLORY)</a:t>
+              <a:t>The  computer is trying to minimize the discrepancy between the actual data and the prediction without direct programming. </a:t>
             </a:r>
           </a:p>
         </p:txBody>
@@ -1393,7 +1276,7 @@
     </p:spTree>
     <p:extLst>
       <p:ext uri="{BB962C8B-B14F-4D97-AF65-F5344CB8AC3E}">
-        <p14:creationId xmlns:p14="http://schemas.microsoft.com/office/powerpoint/2010/main" val="721312342"/>
+        <p14:creationId xmlns:p14="http://schemas.microsoft.com/office/powerpoint/2010/main" val="436270838"/>
       </p:ext>
     </p:extLst>
   </p:cSld>
@@ -1447,10 +1330,7 @@
           <a:bodyPr/>
           <a:lstStyle/>
           <a:p>
-            <a:r>
-              <a:rPr lang="en-US" dirty="0"/>
-              <a:t>The  computer is trying to minimize the discrepancy between the actual data and the prediction without direct programming. </a:t>
-            </a:r>
+            <a:endParaRPr lang="en-US"/>
           </a:p>
         </p:txBody>
       </p:sp>
@@ -1480,7 +1360,7 @@
     </p:spTree>
     <p:extLst>
       <p:ext uri="{BB962C8B-B14F-4D97-AF65-F5344CB8AC3E}">
-        <p14:creationId xmlns:p14="http://schemas.microsoft.com/office/powerpoint/2010/main" val="436270838"/>
+        <p14:creationId xmlns:p14="http://schemas.microsoft.com/office/powerpoint/2010/main" val="3221929950"/>
       </p:ext>
     </p:extLst>
   </p:cSld>
@@ -1534,7 +1414,10 @@
           <a:bodyPr/>
           <a:lstStyle/>
           <a:p>
-            <a:endParaRPr lang="en-US"/>
+            <a:r>
+              <a:rPr lang="en-US" dirty="0"/>
+              <a:t>(MALLORY)</a:t>
+            </a:r>
           </a:p>
         </p:txBody>
       </p:sp>
@@ -1564,7 +1447,7 @@
     </p:spTree>
     <p:extLst>
       <p:ext uri="{BB962C8B-B14F-4D97-AF65-F5344CB8AC3E}">
-        <p14:creationId xmlns:p14="http://schemas.microsoft.com/office/powerpoint/2010/main" val="3221929950"/>
+        <p14:creationId xmlns:p14="http://schemas.microsoft.com/office/powerpoint/2010/main" val="541741477"/>
       </p:ext>
     </p:extLst>
   </p:cSld>
@@ -1620,7 +1503,39 @@
           <a:p>
             <a:r>
               <a:rPr lang="en-US" dirty="0"/>
-              <a:t>(MALLORY)</a:t>
+              <a:t>(DEF OF RESTFUL API) Our </a:t>
+            </a:r>
+            <a:r>
+              <a:rPr lang="en-US" dirty="0" err="1"/>
+              <a:t>webapp</a:t>
+            </a:r>
+            <a:r>
+              <a:rPr lang="en-US" dirty="0"/>
+              <a:t> automatically provides the </a:t>
+            </a:r>
+            <a:r>
+              <a:rPr lang="en-US" dirty="0" err="1"/>
+              <a:t>api</a:t>
+            </a:r>
+            <a:r>
+              <a:rPr lang="en-US" dirty="0"/>
+              <a:t> call with the input </a:t>
+            </a:r>
+            <a:r>
+              <a:rPr lang="en-US" dirty="0" err="1"/>
+              <a:t>paramaters</a:t>
+            </a:r>
+            <a:r>
+              <a:rPr lang="en-US" dirty="0"/>
+              <a:t> however, if you choose to you can manually change these values. Though they must be formatted in this specific </a:t>
+            </a:r>
+            <a:r>
+              <a:rPr lang="en-US" dirty="0" err="1"/>
+              <a:t>maner</a:t>
+            </a:r>
+            <a:r>
+              <a:rPr lang="en-US" dirty="0"/>
+              <a:t>. </a:t>
             </a:r>
           </a:p>
         </p:txBody>
@@ -1651,7 +1566,7 @@
     </p:spTree>
     <p:extLst>
       <p:ext uri="{BB962C8B-B14F-4D97-AF65-F5344CB8AC3E}">
-        <p14:creationId xmlns:p14="http://schemas.microsoft.com/office/powerpoint/2010/main" val="541741477"/>
+        <p14:creationId xmlns:p14="http://schemas.microsoft.com/office/powerpoint/2010/main" val="1036520210"/>
       </p:ext>
     </p:extLst>
   </p:cSld>
@@ -1808,7 +1723,7 @@
           <a:p>
             <a:fld id="{2B2943D5-CB9D-448A-BA76-EF80B3FD29FD}" type="datetimeFigureOut">
               <a:rPr lang="en-US" smtClean="0"/>
-              <a:t>5/8/2019</a:t>
+              <a:t>5/13/2019</a:t>
             </a:fld>
             <a:endParaRPr lang="en-US"/>
           </a:p>
@@ -2006,7 +1921,7 @@
           <a:p>
             <a:fld id="{2B2943D5-CB9D-448A-BA76-EF80B3FD29FD}" type="datetimeFigureOut">
               <a:rPr lang="en-US" smtClean="0"/>
-              <a:t>5/8/2019</a:t>
+              <a:t>5/13/2019</a:t>
             </a:fld>
             <a:endParaRPr lang="en-US"/>
           </a:p>
@@ -2214,7 +2129,7 @@
           <a:p>
             <a:fld id="{2B2943D5-CB9D-448A-BA76-EF80B3FD29FD}" type="datetimeFigureOut">
               <a:rPr lang="en-US" smtClean="0"/>
-              <a:t>5/8/2019</a:t>
+              <a:t>5/13/2019</a:t>
             </a:fld>
             <a:endParaRPr lang="en-US"/>
           </a:p>
@@ -2412,7 +2327,7 @@
           <a:p>
             <a:fld id="{2B2943D5-CB9D-448A-BA76-EF80B3FD29FD}" type="datetimeFigureOut">
               <a:rPr lang="en-US" smtClean="0"/>
-              <a:t>5/8/2019</a:t>
+              <a:t>5/13/2019</a:t>
             </a:fld>
             <a:endParaRPr lang="en-US"/>
           </a:p>
@@ -2687,7 +2602,7 @@
           <a:p>
             <a:fld id="{2B2943D5-CB9D-448A-BA76-EF80B3FD29FD}" type="datetimeFigureOut">
               <a:rPr lang="en-US" smtClean="0"/>
-              <a:t>5/8/2019</a:t>
+              <a:t>5/13/2019</a:t>
             </a:fld>
             <a:endParaRPr lang="en-US"/>
           </a:p>
@@ -2952,7 +2867,7 @@
           <a:p>
             <a:fld id="{2B2943D5-CB9D-448A-BA76-EF80B3FD29FD}" type="datetimeFigureOut">
               <a:rPr lang="en-US" smtClean="0"/>
-              <a:t>5/8/2019</a:t>
+              <a:t>5/13/2019</a:t>
             </a:fld>
             <a:endParaRPr lang="en-US"/>
           </a:p>
@@ -3364,7 +3279,7 @@
           <a:p>
             <a:fld id="{2B2943D5-CB9D-448A-BA76-EF80B3FD29FD}" type="datetimeFigureOut">
               <a:rPr lang="en-US" smtClean="0"/>
-              <a:t>5/8/2019</a:t>
+              <a:t>5/13/2019</a:t>
             </a:fld>
             <a:endParaRPr lang="en-US"/>
           </a:p>
@@ -3505,7 +3420,7 @@
           <a:p>
             <a:fld id="{2B2943D5-CB9D-448A-BA76-EF80B3FD29FD}" type="datetimeFigureOut">
               <a:rPr lang="en-US" smtClean="0"/>
-              <a:t>5/8/2019</a:t>
+              <a:t>5/13/2019</a:t>
             </a:fld>
             <a:endParaRPr lang="en-US"/>
           </a:p>
@@ -3618,7 +3533,7 @@
           <a:p>
             <a:fld id="{2B2943D5-CB9D-448A-BA76-EF80B3FD29FD}" type="datetimeFigureOut">
               <a:rPr lang="en-US" smtClean="0"/>
-              <a:t>5/8/2019</a:t>
+              <a:t>5/13/2019</a:t>
             </a:fld>
             <a:endParaRPr lang="en-US"/>
           </a:p>
@@ -3929,7 +3844,7 @@
           <a:p>
             <a:fld id="{2B2943D5-CB9D-448A-BA76-EF80B3FD29FD}" type="datetimeFigureOut">
               <a:rPr lang="en-US" smtClean="0"/>
-              <a:t>5/8/2019</a:t>
+              <a:t>5/13/2019</a:t>
             </a:fld>
             <a:endParaRPr lang="en-US"/>
           </a:p>
@@ -4217,7 +4132,7 @@
           <a:p>
             <a:fld id="{2B2943D5-CB9D-448A-BA76-EF80B3FD29FD}" type="datetimeFigureOut">
               <a:rPr lang="en-US" smtClean="0"/>
-              <a:t>5/8/2019</a:t>
+              <a:t>5/13/2019</a:t>
             </a:fld>
             <a:endParaRPr lang="en-US"/>
           </a:p>
@@ -4461,7 +4376,7 @@
           <a:p>
             <a:fld id="{2B2943D5-CB9D-448A-BA76-EF80B3FD29FD}" type="datetimeFigureOut">
               <a:rPr lang="en-US" smtClean="0"/>
-              <a:t>5/8/2019</a:t>
+              <a:t>5/13/2019</a:t>
             </a:fld>
             <a:endParaRPr lang="en-US"/>
           </a:p>
@@ -4953,8 +4868,8 @@
         </p:nvSpPr>
         <p:spPr>
           <a:xfrm>
-            <a:off x="1776687" y="2967335"/>
-            <a:ext cx="8638647" cy="1754326"/>
+            <a:off x="1776688" y="2967335"/>
+            <a:ext cx="8638647" cy="3077766"/>
           </a:xfrm>
           <a:prstGeom prst="rect">
             <a:avLst/>
@@ -5001,9 +4916,124 @@
                   </a:outerShdw>
                 </a:effectLst>
               </a:rPr>
-              <a:t> Predictor System</a:t>
-            </a:r>
+              <a:t> Predictor </a:t>
+            </a:r>
+            <a:r>
+              <a:rPr lang="en-US" sz="5400" dirty="0" smtClean="0">
+                <a:ln w="0"/>
+                <a:solidFill>
+                  <a:schemeClr val="bg1"/>
+                </a:solidFill>
+                <a:effectLst>
+                  <a:outerShdw blurRad="38100" dist="19050" dir="2700000" algn="tl" rotWithShape="0">
+                    <a:schemeClr val="dk1">
+                      <a:alpha val="40000"/>
+                    </a:schemeClr>
+                  </a:outerShdw>
+                </a:effectLst>
+              </a:rPr>
+              <a:t>System</a:t>
+            </a:r>
+          </a:p>
+          <a:p>
+            <a:pPr algn="ctr"/>
             <a:endParaRPr lang="en-US" sz="5400" b="0" cap="none" spc="0" dirty="0">
+              <a:ln w="0"/>
+              <a:solidFill>
+                <a:schemeClr val="bg1"/>
+              </a:solidFill>
+              <a:effectLst>
+                <a:outerShdw blurRad="38100" dist="19050" dir="2700000" algn="tl" rotWithShape="0">
+                  <a:schemeClr val="dk1">
+                    <a:alpha val="40000"/>
+                  </a:schemeClr>
+                </a:outerShdw>
+              </a:effectLst>
+            </a:endParaRPr>
+          </a:p>
+          <a:p>
+            <a:pPr algn="ctr"/>
+            <a:r>
+              <a:rPr lang="en-US" sz="3200" dirty="0" smtClean="0">
+                <a:ln w="0"/>
+                <a:solidFill>
+                  <a:schemeClr val="bg1"/>
+                </a:solidFill>
+                <a:effectLst>
+                  <a:outerShdw blurRad="38100" dist="19050" dir="2700000" algn="tl" rotWithShape="0">
+                    <a:schemeClr val="dk1">
+                      <a:alpha val="40000"/>
+                    </a:schemeClr>
+                  </a:outerShdw>
+                </a:effectLst>
+              </a:rPr>
+              <a:t>Mallory </a:t>
+            </a:r>
+            <a:r>
+              <a:rPr lang="en-US" sz="3200" dirty="0" err="1" smtClean="0">
+                <a:ln w="0"/>
+                <a:solidFill>
+                  <a:schemeClr val="bg1"/>
+                </a:solidFill>
+                <a:effectLst>
+                  <a:outerShdw blurRad="38100" dist="19050" dir="2700000" algn="tl" rotWithShape="0">
+                    <a:schemeClr val="dk1">
+                      <a:alpha val="40000"/>
+                    </a:schemeClr>
+                  </a:outerShdw>
+                </a:effectLst>
+              </a:rPr>
+              <a:t>Milstead</a:t>
+            </a:r>
+            <a:r>
+              <a:rPr lang="en-US" sz="3200" dirty="0" smtClean="0">
+                <a:ln w="0"/>
+                <a:solidFill>
+                  <a:schemeClr val="bg1"/>
+                </a:solidFill>
+                <a:effectLst>
+                  <a:outerShdw blurRad="38100" dist="19050" dir="2700000" algn="tl" rotWithShape="0">
+                    <a:schemeClr val="dk1">
+                      <a:alpha val="40000"/>
+                    </a:schemeClr>
+                  </a:outerShdw>
+                </a:effectLst>
+              </a:rPr>
+              <a:t>            </a:t>
+            </a:r>
+            <a:r>
+              <a:rPr lang="en-US" sz="3200" dirty="0" smtClean="0">
+                <a:ln w="0"/>
+                <a:solidFill>
+                  <a:schemeClr val="bg1"/>
+                </a:solidFill>
+                <a:effectLst>
+                  <a:outerShdw blurRad="38100" dist="19050" dir="2700000" algn="tl" rotWithShape="0">
+                    <a:schemeClr val="dk1">
+                      <a:alpha val="40000"/>
+                    </a:schemeClr>
+                  </a:outerShdw>
+                </a:effectLst>
+              </a:rPr>
+              <a:t>Gabriela </a:t>
+            </a:r>
+            <a:r>
+              <a:rPr lang="en-US" sz="3200" dirty="0" err="1" smtClean="0">
+                <a:ln w="0"/>
+                <a:solidFill>
+                  <a:schemeClr val="bg1"/>
+                </a:solidFill>
+                <a:effectLst>
+                  <a:outerShdw blurRad="38100" dist="19050" dir="2700000" algn="tl" rotWithShape="0">
+                    <a:schemeClr val="dk1">
+                      <a:alpha val="40000"/>
+                    </a:schemeClr>
+                  </a:outerShdw>
+                </a:effectLst>
+              </a:rPr>
+              <a:t>Canjura</a:t>
+            </a:r>
+            <a:endParaRPr lang="en-US" sz="3200" b="0" cap="none" spc="0" dirty="0">
               <a:ln w="0"/>
               <a:solidFill>
                 <a:schemeClr val="bg1"/>
@@ -5054,143 +5084,6 @@
           <p:cNvPr id="2" name="Title 1">
             <a:extLst>
               <a:ext uri="{FF2B5EF4-FFF2-40B4-BE49-F238E27FC236}">
-                <a16:creationId xmlns:a16="http://schemas.microsoft.com/office/drawing/2014/main" id="{5FDDAA3C-F3C8-4DDB-80B9-DA237F3F4532}"/>
-              </a:ext>
-            </a:extLst>
-          </p:cNvPr>
-          <p:cNvSpPr>
-            <a:spLocks noGrp="1"/>
-          </p:cNvSpPr>
-          <p:nvPr>
-            <p:ph type="title"/>
-          </p:nvPr>
-        </p:nvSpPr>
-        <p:spPr/>
-        <p:txBody>
-          <a:bodyPr/>
-          <a:lstStyle/>
-          <a:p>
-            <a:r>
-              <a:rPr lang="en-US" dirty="0">
-                <a:solidFill>
-                  <a:schemeClr val="bg1"/>
-                </a:solidFill>
-              </a:rPr>
-              <a:t>API Creation</a:t>
-            </a:r>
-          </a:p>
-        </p:txBody>
-      </p:sp>
-      <p:sp>
-        <p:nvSpPr>
-          <p:cNvPr id="5" name="Content Placeholder 4">
-            <a:extLst>
-              <a:ext uri="{FF2B5EF4-FFF2-40B4-BE49-F238E27FC236}">
-                <a16:creationId xmlns:a16="http://schemas.microsoft.com/office/drawing/2014/main" id="{A1F85561-941A-4945-B189-40E82BE37C18}"/>
-              </a:ext>
-            </a:extLst>
-          </p:cNvPr>
-          <p:cNvSpPr>
-            <a:spLocks noGrp="1"/>
-          </p:cNvSpPr>
-          <p:nvPr>
-            <p:ph idx="1"/>
-          </p:nvPr>
-        </p:nvSpPr>
-        <p:spPr/>
-        <p:txBody>
-          <a:bodyPr/>
-          <a:lstStyle/>
-          <a:p>
-            <a:r>
-              <a:rPr lang="en-US" dirty="0">
-                <a:solidFill>
-                  <a:schemeClr val="bg1"/>
-                </a:solidFill>
-              </a:rPr>
-              <a:t>RESTful API</a:t>
-            </a:r>
-          </a:p>
-          <a:p>
-            <a:r>
-              <a:rPr lang="en-US" dirty="0">
-                <a:solidFill>
-                  <a:schemeClr val="bg1"/>
-                </a:solidFill>
-              </a:rPr>
-              <a:t>Returns JSON Dictionary</a:t>
-            </a:r>
-          </a:p>
-          <a:p>
-            <a:endParaRPr lang="en-US" dirty="0">
-              <a:solidFill>
-                <a:schemeClr val="bg1"/>
-              </a:solidFill>
-            </a:endParaRPr>
-          </a:p>
-          <a:p>
-            <a:r>
-              <a:rPr lang="en-US" dirty="0">
-                <a:hlinkClick r:id="rId3"/>
-              </a:rPr>
-              <a:t>http://gmastorg.pythonanywhere.com/GLAPS?HomeVal=150000&amp;County=Cumberland%20County,%20North%20Carolina</a:t>
-            </a:r>
-            <a:endParaRPr lang="en-US" dirty="0"/>
-          </a:p>
-          <a:p>
-            <a:endParaRPr lang="en-US" dirty="0">
-              <a:solidFill>
-                <a:schemeClr val="bg1"/>
-              </a:solidFill>
-            </a:endParaRPr>
-          </a:p>
-          <a:p>
-            <a:pPr marL="0" indent="0">
-              <a:buNone/>
-            </a:pPr>
-            <a:endParaRPr lang="en-US" dirty="0">
-              <a:solidFill>
-                <a:schemeClr val="bg1"/>
-              </a:solidFill>
-            </a:endParaRPr>
-          </a:p>
-        </p:txBody>
-      </p:sp>
-    </p:spTree>
-    <p:extLst>
-      <p:ext uri="{BB962C8B-B14F-4D97-AF65-F5344CB8AC3E}">
-        <p14:creationId xmlns:p14="http://schemas.microsoft.com/office/powerpoint/2010/main" val="1373218052"/>
-      </p:ext>
-    </p:extLst>
-  </p:cSld>
-  <p:clrMapOvr>
-    <a:masterClrMapping/>
-  </p:clrMapOvr>
-</p:sld>
-</file>
-
-<file path=ppt/slides/slide11.xml><?xml version="1.0" encoding="utf-8"?>
-<p:sld xmlns:a="http://schemas.openxmlformats.org/drawingml/2006/main" xmlns:r="http://schemas.openxmlformats.org/officeDocument/2006/relationships" xmlns:p="http://schemas.openxmlformats.org/presentationml/2006/main">
-  <p:cSld>
-    <p:spTree>
-      <p:nvGrpSpPr>
-        <p:cNvPr id="1" name=""/>
-        <p:cNvGrpSpPr/>
-        <p:nvPr/>
-      </p:nvGrpSpPr>
-      <p:grpSpPr>
-        <a:xfrm>
-          <a:off x="0" y="0"/>
-          <a:ext cx="0" cy="0"/>
-          <a:chOff x="0" y="0"/>
-          <a:chExt cx="0" cy="0"/>
-        </a:xfrm>
-      </p:grpSpPr>
-      <p:sp>
-        <p:nvSpPr>
-          <p:cNvPr id="2" name="Title 1">
-            <a:extLst>
-              <a:ext uri="{FF2B5EF4-FFF2-40B4-BE49-F238E27FC236}">
                 <a16:creationId xmlns:a16="http://schemas.microsoft.com/office/drawing/2014/main" id="{916DCDC0-B1FB-4698-B0C9-F5C6F4B9536B}"/>
               </a:ext>
             </a:extLst>
@@ -5266,7 +5159,7 @@
 </p:sld>
 </file>
 
-<file path=ppt/slides/slide12.xml><?xml version="1.0" encoding="utf-8"?>
+<file path=ppt/slides/slide11.xml><?xml version="1.0" encoding="utf-8"?>
 <p:sld xmlns:a="http://schemas.openxmlformats.org/drawingml/2006/main" xmlns:r="http://schemas.openxmlformats.org/officeDocument/2006/relationships" xmlns:p="http://schemas.openxmlformats.org/presentationml/2006/main">
   <p:cSld>
     <p:spTree>
@@ -5373,7 +5266,7 @@
           <p:cNvPr id="2" name="Title 1">
             <a:extLst>
               <a:ext uri="{FF2B5EF4-FFF2-40B4-BE49-F238E27FC236}">
-                <a16:creationId xmlns:a16="http://schemas.microsoft.com/office/drawing/2014/main" id="{2722F4B4-94A6-43C0-AD95-9371ABC5BC69}"/>
+                <a16:creationId xmlns:a16="http://schemas.microsoft.com/office/drawing/2014/main" id="{229B9E6F-4BC2-422F-9C9A-D808A6B132F9}"/>
               </a:ext>
             </a:extLst>
           </p:cNvPr>
@@ -5395,7 +5288,7 @@
                   <a:schemeClr val="bg1"/>
                 </a:solidFill>
               </a:rPr>
-              <a:t>Backend Team</a:t>
+              <a:t>The problem</a:t>
             </a:r>
           </a:p>
         </p:txBody>
@@ -5405,7 +5298,7 @@
           <p:cNvPr id="3" name="Content Placeholder 2">
             <a:extLst>
               <a:ext uri="{FF2B5EF4-FFF2-40B4-BE49-F238E27FC236}">
-                <a16:creationId xmlns:a16="http://schemas.microsoft.com/office/drawing/2014/main" id="{4ACA3CB0-821A-402D-B73D-C86D28DAB03F}"/>
+                <a16:creationId xmlns:a16="http://schemas.microsoft.com/office/drawing/2014/main" id="{9672F099-C464-426E-8723-FB0EFB328314}"/>
               </a:ext>
             </a:extLst>
           </p:cNvPr>
@@ -5430,7 +5323,7 @@
                   <a:schemeClr val="bg1"/>
                 </a:solidFill>
               </a:rPr>
-              <a:t>	-Mallory Milstead</a:t>
+              <a:t>How will new structures or facilities effect property values in an area? </a:t>
             </a:r>
           </a:p>
           <a:p>
@@ -5443,28 +5336,28 @@
                   <a:schemeClr val="bg1"/>
                 </a:solidFill>
               </a:rPr>
-              <a:t>	-Gabriela </a:t>
-            </a:r>
-            <a:r>
-              <a:rPr lang="en-US" dirty="0" err="1">
+              <a:t>As a home owner would it be beneficial or detrimental to my property values to have a particular facility built in my area?</a:t>
+            </a:r>
+          </a:p>
+          <a:p>
+            <a:pPr marL="0" indent="0">
+              <a:buNone/>
+            </a:pPr>
+            <a:r>
+              <a:rPr lang="en-US" dirty="0">
                 <a:solidFill>
                   <a:schemeClr val="bg1"/>
                 </a:solidFill>
               </a:rPr>
-              <a:t>Canjura</a:t>
-            </a:r>
-            <a:endParaRPr lang="en-US" dirty="0">
-              <a:solidFill>
-                <a:schemeClr val="bg1"/>
-              </a:solidFill>
-            </a:endParaRPr>
+              <a:t>As a city or town how will this effect our constituents?</a:t>
+            </a:r>
           </a:p>
         </p:txBody>
       </p:sp>
     </p:spTree>
     <p:extLst>
       <p:ext uri="{BB962C8B-B14F-4D97-AF65-F5344CB8AC3E}">
-        <p14:creationId xmlns:p14="http://schemas.microsoft.com/office/powerpoint/2010/main" val="1345284063"/>
+        <p14:creationId xmlns:p14="http://schemas.microsoft.com/office/powerpoint/2010/main" val="1584819427"/>
       </p:ext>
     </p:extLst>
   </p:cSld>
@@ -5496,7 +5389,7 @@
           <p:cNvPr id="2" name="Title 1">
             <a:extLst>
               <a:ext uri="{FF2B5EF4-FFF2-40B4-BE49-F238E27FC236}">
-                <a16:creationId xmlns:a16="http://schemas.microsoft.com/office/drawing/2014/main" id="{229B9E6F-4BC2-422F-9C9A-D808A6B132F9}"/>
+                <a16:creationId xmlns:a16="http://schemas.microsoft.com/office/drawing/2014/main" id="{F79946AA-EB62-4784-AFDE-9F22E9385098}"/>
               </a:ext>
             </a:extLst>
           </p:cNvPr>
@@ -5518,7 +5411,7 @@
                   <a:schemeClr val="bg1"/>
                 </a:solidFill>
               </a:rPr>
-              <a:t>The problem</a:t>
+              <a:t>GLAPS</a:t>
             </a:r>
           </a:p>
         </p:txBody>
@@ -5528,7 +5421,7 @@
           <p:cNvPr id="3" name="Content Placeholder 2">
             <a:extLst>
               <a:ext uri="{FF2B5EF4-FFF2-40B4-BE49-F238E27FC236}">
-                <a16:creationId xmlns:a16="http://schemas.microsoft.com/office/drawing/2014/main" id="{9672F099-C464-426E-8723-FB0EFB328314}"/>
+                <a16:creationId xmlns:a16="http://schemas.microsoft.com/office/drawing/2014/main" id="{0E6EA978-3F96-4709-90E7-C53B0C6E4D39}"/>
               </a:ext>
             </a:extLst>
           </p:cNvPr>
@@ -5541,7 +5434,9 @@
         </p:nvSpPr>
         <p:spPr/>
         <p:txBody>
-          <a:bodyPr/>
+          <a:bodyPr>
+            <a:normAutofit/>
+          </a:bodyPr>
           <a:lstStyle/>
           <a:p>
             <a:pPr marL="0" indent="0">
@@ -5553,41 +5448,45 @@
                   <a:schemeClr val="bg1"/>
                 </a:solidFill>
               </a:rPr>
-              <a:t>How will new structures or facilities effect property values in an area? </a:t>
+              <a:t>Our software predicts the effects of professional baseball stadiums on property values. Using an address and current home value our API returns a prediction of the median home value with a stadium, without a stadium and uses the percent of change to calculate the user’s home value. </a:t>
             </a:r>
           </a:p>
           <a:p>
             <a:pPr marL="0" indent="0">
               <a:buNone/>
             </a:pPr>
-            <a:r>
-              <a:rPr lang="en-US" dirty="0">
-                <a:solidFill>
-                  <a:schemeClr val="bg1"/>
-                </a:solidFill>
-              </a:rPr>
-              <a:t>As a home owner would it be beneficial or detrimental to my property values to have a particular facility built in my area?</a:t>
-            </a:r>
+            <a:endParaRPr lang="en-US" dirty="0">
+              <a:solidFill>
+                <a:schemeClr val="bg1"/>
+              </a:solidFill>
+            </a:endParaRPr>
           </a:p>
           <a:p>
             <a:pPr marL="0" indent="0">
               <a:buNone/>
             </a:pPr>
-            <a:r>
-              <a:rPr lang="en-US" dirty="0">
-                <a:solidFill>
-                  <a:schemeClr val="bg1"/>
-                </a:solidFill>
-              </a:rPr>
-              <a:t>As a city or town how will this effect our constituents?</a:t>
-            </a:r>
+            <a:endParaRPr lang="en-US" dirty="0">
+              <a:solidFill>
+                <a:schemeClr val="bg1"/>
+              </a:solidFill>
+            </a:endParaRPr>
+          </a:p>
+          <a:p>
+            <a:pPr marL="0" indent="0">
+              <a:buNone/>
+            </a:pPr>
+            <a:endParaRPr lang="en-US" dirty="0">
+              <a:solidFill>
+                <a:schemeClr val="bg1"/>
+              </a:solidFill>
+            </a:endParaRPr>
           </a:p>
         </p:txBody>
       </p:sp>
     </p:spTree>
     <p:extLst>
       <p:ext uri="{BB962C8B-B14F-4D97-AF65-F5344CB8AC3E}">
-        <p14:creationId xmlns:p14="http://schemas.microsoft.com/office/powerpoint/2010/main" val="1584819427"/>
+        <p14:creationId xmlns:p14="http://schemas.microsoft.com/office/powerpoint/2010/main" val="3490362374"/>
       </p:ext>
     </p:extLst>
   </p:cSld>
@@ -5619,7 +5518,7 @@
           <p:cNvPr id="2" name="Title 1">
             <a:extLst>
               <a:ext uri="{FF2B5EF4-FFF2-40B4-BE49-F238E27FC236}">
-                <a16:creationId xmlns:a16="http://schemas.microsoft.com/office/drawing/2014/main" id="{F79946AA-EB62-4784-AFDE-9F22E9385098}"/>
+                <a16:creationId xmlns:a16="http://schemas.microsoft.com/office/drawing/2014/main" id="{D648175B-7A83-4D2A-B54F-ABE0F6A08D4A}"/>
               </a:ext>
             </a:extLst>
           </p:cNvPr>
@@ -5630,7 +5529,12 @@
             <p:ph type="title"/>
           </p:nvPr>
         </p:nvSpPr>
-        <p:spPr/>
+        <p:spPr>
+          <a:xfrm>
+            <a:off x="838200" y="365125"/>
+            <a:ext cx="10515600" cy="1325563"/>
+          </a:xfrm>
+        </p:spPr>
         <p:txBody>
           <a:bodyPr/>
           <a:lstStyle/>
@@ -5641,7 +5545,7 @@
                   <a:schemeClr val="bg1"/>
                 </a:solidFill>
               </a:rPr>
-              <a:t>GLAPS</a:t>
+              <a:t>Software </a:t>
             </a:r>
           </a:p>
         </p:txBody>
@@ -5651,7 +5555,7 @@
           <p:cNvPr id="3" name="Content Placeholder 2">
             <a:extLst>
               <a:ext uri="{FF2B5EF4-FFF2-40B4-BE49-F238E27FC236}">
-                <a16:creationId xmlns:a16="http://schemas.microsoft.com/office/drawing/2014/main" id="{0E6EA978-3F96-4709-90E7-C53B0C6E4D39}"/>
+                <a16:creationId xmlns:a16="http://schemas.microsoft.com/office/drawing/2014/main" id="{977A82DD-3673-44B8-BC27-95AD32107C1D}"/>
               </a:ext>
             </a:extLst>
           </p:cNvPr>
@@ -5665,7 +5569,7 @@
         <p:spPr/>
         <p:txBody>
           <a:bodyPr>
-            <a:normAutofit/>
+            <a:normAutofit fontScale="85000" lnSpcReduction="20000"/>
           </a:bodyPr>
           <a:lstStyle/>
           <a:p>
@@ -5678,13 +5582,55 @@
                   <a:schemeClr val="bg1"/>
                 </a:solidFill>
               </a:rPr>
-              <a:t>Our software predicts the effects of professional baseball stadiums on property values. Using an address and current home value our API returns a prediction of the median home value with a stadium, without a stadium and uses the percent of change to calculate the user’s home value. </a:t>
+              <a:t>Language:</a:t>
             </a:r>
           </a:p>
           <a:p>
             <a:pPr marL="0" indent="0">
               <a:buNone/>
             </a:pPr>
+            <a:r>
+              <a:rPr lang="en-US" dirty="0">
+                <a:solidFill>
+                  <a:schemeClr val="bg1"/>
+                </a:solidFill>
+              </a:rPr>
+              <a:t>	- Python</a:t>
+            </a:r>
+          </a:p>
+          <a:p>
+            <a:pPr marL="0" indent="0">
+              <a:buNone/>
+            </a:pPr>
+            <a:r>
+              <a:rPr lang="en-US" dirty="0">
+                <a:solidFill>
+                  <a:schemeClr val="bg1"/>
+                </a:solidFill>
+              </a:rPr>
+              <a:t>Database:</a:t>
+            </a:r>
+          </a:p>
+          <a:p>
+            <a:pPr marL="0" indent="0">
+              <a:buNone/>
+            </a:pPr>
+            <a:r>
+              <a:rPr lang="en-US" dirty="0">
+                <a:solidFill>
+                  <a:schemeClr val="bg1"/>
+                </a:solidFill>
+              </a:rPr>
+              <a:t>	- </a:t>
+            </a:r>
+            <a:r>
+              <a:rPr lang="en-US" dirty="0" err="1">
+                <a:solidFill>
+                  <a:schemeClr val="bg1"/>
+                </a:solidFill>
+              </a:rPr>
+              <a:t>Sqlite</a:t>
+            </a:r>
             <a:endParaRPr lang="en-US" dirty="0">
               <a:solidFill>
                 <a:schemeClr val="bg1"/>
@@ -5695,28 +5641,131 @@
             <a:pPr marL="0" indent="0">
               <a:buNone/>
             </a:pPr>
-            <a:endParaRPr lang="en-US" dirty="0">
-              <a:solidFill>
-                <a:schemeClr val="bg1"/>
-              </a:solidFill>
-            </a:endParaRPr>
+            <a:r>
+              <a:rPr lang="en-US" dirty="0">
+                <a:solidFill>
+                  <a:schemeClr val="bg1"/>
+                </a:solidFill>
+              </a:rPr>
+              <a:t>Machine Learning:</a:t>
+            </a:r>
           </a:p>
           <a:p>
             <a:pPr marL="0" indent="0">
               <a:buNone/>
             </a:pPr>
-            <a:endParaRPr lang="en-US" dirty="0">
-              <a:solidFill>
-                <a:schemeClr val="bg1"/>
-              </a:solidFill>
-            </a:endParaRPr>
+            <a:r>
+              <a:rPr lang="en-US" dirty="0">
+                <a:solidFill>
+                  <a:schemeClr val="bg1"/>
+                </a:solidFill>
+              </a:rPr>
+              <a:t>	- </a:t>
+            </a:r>
+            <a:r>
+              <a:rPr lang="en-US" dirty="0" err="1">
+                <a:solidFill>
+                  <a:schemeClr val="bg1"/>
+                </a:solidFill>
+              </a:rPr>
+              <a:t>Keras</a:t>
+            </a:r>
+            <a:r>
+              <a:rPr lang="en-US" dirty="0">
+                <a:solidFill>
+                  <a:schemeClr val="bg1"/>
+                </a:solidFill>
+              </a:rPr>
+              <a:t> backed with TensorFlow</a:t>
+            </a:r>
+          </a:p>
+          <a:p>
+            <a:pPr marL="0" indent="0">
+              <a:buNone/>
+            </a:pPr>
+            <a:r>
+              <a:rPr lang="en-US" dirty="0">
+                <a:solidFill>
+                  <a:schemeClr val="bg1"/>
+                </a:solidFill>
+              </a:rPr>
+              <a:t>Visualization:</a:t>
+            </a:r>
+          </a:p>
+          <a:p>
+            <a:pPr marL="0" indent="0">
+              <a:buNone/>
+            </a:pPr>
+            <a:r>
+              <a:rPr lang="en-US" dirty="0">
+                <a:solidFill>
+                  <a:schemeClr val="bg1"/>
+                </a:solidFill>
+              </a:rPr>
+              <a:t>	-  Facets</a:t>
+            </a:r>
+          </a:p>
+          <a:p>
+            <a:pPr marL="0" indent="0">
+              <a:buNone/>
+            </a:pPr>
+            <a:r>
+              <a:rPr lang="en-US" dirty="0">
+                <a:solidFill>
+                  <a:schemeClr val="bg1"/>
+                </a:solidFill>
+              </a:rPr>
+              <a:t>	- </a:t>
+            </a:r>
+            <a:r>
+              <a:rPr lang="en-US" dirty="0" err="1">
+                <a:solidFill>
+                  <a:schemeClr val="bg1"/>
+                </a:solidFill>
+              </a:rPr>
+              <a:t>TensorBoard</a:t>
+            </a:r>
+            <a:r>
+              <a:rPr lang="en-US" dirty="0">
+                <a:solidFill>
+                  <a:schemeClr val="bg1"/>
+                </a:solidFill>
+              </a:rPr>
+              <a:t> </a:t>
+            </a:r>
+          </a:p>
+          <a:p>
+            <a:pPr marL="0" indent="0">
+              <a:buNone/>
+            </a:pPr>
+            <a:r>
+              <a:rPr lang="en-US" dirty="0">
+                <a:solidFill>
+                  <a:schemeClr val="bg1"/>
+                </a:solidFill>
+              </a:rPr>
+              <a:t>Hosting:</a:t>
+            </a:r>
+          </a:p>
+          <a:p>
+            <a:pPr marL="0" indent="0">
+              <a:buNone/>
+            </a:pPr>
+            <a:r>
+              <a:rPr lang="en-US" dirty="0">
+                <a:solidFill>
+                  <a:schemeClr val="bg1"/>
+                </a:solidFill>
+              </a:rPr>
+              <a:t>	-PythonAnywhere</a:t>
+            </a:r>
           </a:p>
         </p:txBody>
       </p:sp>
     </p:spTree>
     <p:extLst>
       <p:ext uri="{BB962C8B-B14F-4D97-AF65-F5344CB8AC3E}">
-        <p14:creationId xmlns:p14="http://schemas.microsoft.com/office/powerpoint/2010/main" val="3490362374"/>
+        <p14:creationId xmlns:p14="http://schemas.microsoft.com/office/powerpoint/2010/main" val="312691985"/>
       </p:ext>
     </p:extLst>
   </p:cSld>
@@ -5748,7 +5797,7 @@
           <p:cNvPr id="2" name="Title 1">
             <a:extLst>
               <a:ext uri="{FF2B5EF4-FFF2-40B4-BE49-F238E27FC236}">
-                <a16:creationId xmlns:a16="http://schemas.microsoft.com/office/drawing/2014/main" id="{D648175B-7A83-4D2A-B54F-ABE0F6A08D4A}"/>
+                <a16:creationId xmlns:a16="http://schemas.microsoft.com/office/drawing/2014/main" id="{F7D5432D-A80C-45F6-8586-20BA3F1F2CEA}"/>
               </a:ext>
             </a:extLst>
           </p:cNvPr>
@@ -5759,12 +5808,7 @@
             <p:ph type="title"/>
           </p:nvPr>
         </p:nvSpPr>
-        <p:spPr>
-          <a:xfrm>
-            <a:off x="838200" y="365125"/>
-            <a:ext cx="10515600" cy="1325563"/>
-          </a:xfrm>
-        </p:spPr>
+        <p:spPr/>
         <p:txBody>
           <a:bodyPr/>
           <a:lstStyle/>
@@ -5775,7 +5819,7 @@
                   <a:schemeClr val="bg1"/>
                 </a:solidFill>
               </a:rPr>
-              <a:t>Software </a:t>
+              <a:t>Data Collection</a:t>
             </a:r>
           </a:p>
         </p:txBody>
@@ -5785,7 +5829,7 @@
           <p:cNvPr id="3" name="Content Placeholder 2">
             <a:extLst>
               <a:ext uri="{FF2B5EF4-FFF2-40B4-BE49-F238E27FC236}">
-                <a16:creationId xmlns:a16="http://schemas.microsoft.com/office/drawing/2014/main" id="{977A82DD-3673-44B8-BC27-95AD32107C1D}"/>
+                <a16:creationId xmlns:a16="http://schemas.microsoft.com/office/drawing/2014/main" id="{44DBDC77-41B8-4CDD-9E85-FA7B3DF376DD}"/>
               </a:ext>
             </a:extLst>
           </p:cNvPr>
@@ -5796,10 +5840,15 @@
             <p:ph idx="1"/>
           </p:nvPr>
         </p:nvSpPr>
-        <p:spPr/>
+        <p:spPr>
+          <a:xfrm>
+            <a:off x="838200" y="1558339"/>
+            <a:ext cx="10515600" cy="4351338"/>
+          </a:xfrm>
+        </p:spPr>
         <p:txBody>
           <a:bodyPr>
-            <a:normAutofit fontScale="85000" lnSpcReduction="20000"/>
+            <a:normAutofit lnSpcReduction="10000"/>
           </a:bodyPr>
           <a:lstStyle/>
           <a:p>
@@ -5812,8 +5861,18 @@
                   <a:schemeClr val="bg1"/>
                 </a:solidFill>
               </a:rPr>
-              <a:t>Language:</a:t>
-            </a:r>
+              <a:t>Our data was obtained by using the Census API</a:t>
+            </a:r>
+          </a:p>
+          <a:p>
+            <a:pPr marL="0" indent="0">
+              <a:buNone/>
+            </a:pPr>
+            <a:endParaRPr lang="en-US" dirty="0">
+              <a:solidFill>
+                <a:schemeClr val="bg1"/>
+              </a:solidFill>
+            </a:endParaRPr>
           </a:p>
           <a:p>
             <a:pPr marL="0" indent="0">
@@ -5825,33 +5884,44 @@
                   <a:schemeClr val="bg1"/>
                 </a:solidFill>
               </a:rPr>
-              <a:t>	- Python</a:t>
+              <a:t>Sample Call:</a:t>
             </a:r>
           </a:p>
           <a:p>
             <a:pPr marL="0" indent="0">
               <a:buNone/>
             </a:pPr>
+            <a:r>
+              <a:rPr lang="en-US" dirty="0" err="1">
+                <a:solidFill>
+                  <a:schemeClr val="bg1"/>
+                </a:solidFill>
+              </a:rPr>
+              <a:t>url</a:t>
+            </a:r>
             <a:r>
               <a:rPr lang="en-US" dirty="0">
                 <a:solidFill>
                   <a:schemeClr val="bg1"/>
                 </a:solidFill>
               </a:rPr>
-              <a:t>Database:</a:t>
-            </a:r>
-          </a:p>
-          <a:p>
-            <a:pPr marL="0" indent="0">
-              <a:buNone/>
-            </a:pPr>
+              <a:t> = </a:t>
+            </a:r>
+            <a:r>
+              <a:rPr lang="en-US" dirty="0" err="1">
+                <a:solidFill>
+                  <a:schemeClr val="bg1"/>
+                </a:solidFill>
+              </a:rPr>
+              <a:t>requests.get</a:t>
+            </a:r>
             <a:r>
               <a:rPr lang="en-US" dirty="0">
                 <a:solidFill>
                   <a:schemeClr val="bg1"/>
                 </a:solidFill>
               </a:rPr>
-              <a:t>	- </a:t>
+              <a:t>("https://api.census.gov/data/2011/</a:t>
             </a:r>
             <a:r>
               <a:rPr lang="en-US" dirty="0" err="1">
@@ -5859,8 +5929,21 @@
                   <a:schemeClr val="bg1"/>
                 </a:solidFill>
               </a:rPr>
-              <a:t>Sqlite</a:t>
-            </a:r>
+              <a:t>acs</a:t>
+            </a:r>
+            <a:r>
+              <a:rPr lang="en-US" dirty="0">
+                <a:solidFill>
+                  <a:schemeClr val="bg1"/>
+                </a:solidFill>
+              </a:rPr>
+              <a:t>/acs1?get=NAME,B01001_001E&amp;for=county:*&amp;in=state:*&amp;key=c64b663f57b72887707719c1318350c2fb6f9146")</a:t>
+            </a:r>
+          </a:p>
+          <a:p>
+            <a:pPr marL="0" indent="0">
+              <a:buNone/>
+            </a:pPr>
             <a:endParaRPr lang="en-US" dirty="0">
               <a:solidFill>
                 <a:schemeClr val="bg1"/>
@@ -5877,125 +5960,35 @@
                   <a:schemeClr val="bg1"/>
                 </a:solidFill>
               </a:rPr>
-              <a:t>Machine Learning:</a:t>
+              <a:t>Visualization of the Data was achieved through the use of Google Facets.</a:t>
             </a:r>
           </a:p>
           <a:p>
             <a:pPr marL="0" indent="0">
               <a:buNone/>
             </a:pPr>
-            <a:r>
-              <a:rPr lang="en-US" dirty="0">
-                <a:solidFill>
-                  <a:schemeClr val="bg1"/>
-                </a:solidFill>
-              </a:rPr>
-              <a:t>	- </a:t>
-            </a:r>
-            <a:r>
-              <a:rPr lang="en-US" dirty="0" err="1">
-                <a:solidFill>
-                  <a:schemeClr val="bg1"/>
-                </a:solidFill>
-              </a:rPr>
-              <a:t>Keras</a:t>
-            </a:r>
-            <a:r>
-              <a:rPr lang="en-US" dirty="0">
-                <a:solidFill>
-                  <a:schemeClr val="bg1"/>
-                </a:solidFill>
-              </a:rPr>
-              <a:t> backed with TensorFlow</a:t>
-            </a:r>
+            <a:endParaRPr lang="en-US" dirty="0">
+              <a:solidFill>
+                <a:schemeClr val="bg1"/>
+              </a:solidFill>
+            </a:endParaRPr>
           </a:p>
           <a:p>
             <a:pPr marL="0" indent="0">
               <a:buNone/>
             </a:pPr>
-            <a:r>
-              <a:rPr lang="en-US" dirty="0">
-                <a:solidFill>
-                  <a:schemeClr val="bg1"/>
-                </a:solidFill>
-              </a:rPr>
-              <a:t>Visualization:</a:t>
-            </a:r>
-          </a:p>
-          <a:p>
-            <a:pPr marL="0" indent="0">
-              <a:buNone/>
-            </a:pPr>
-            <a:r>
-              <a:rPr lang="en-US" dirty="0">
-                <a:solidFill>
-                  <a:schemeClr val="bg1"/>
-                </a:solidFill>
-              </a:rPr>
-              <a:t>	-  Facets</a:t>
-            </a:r>
-          </a:p>
-          <a:p>
-            <a:pPr marL="0" indent="0">
-              <a:buNone/>
-            </a:pPr>
-            <a:r>
-              <a:rPr lang="en-US" dirty="0">
-                <a:solidFill>
-                  <a:schemeClr val="bg1"/>
-                </a:solidFill>
-              </a:rPr>
-              <a:t>	- </a:t>
-            </a:r>
-            <a:r>
-              <a:rPr lang="en-US" dirty="0" err="1">
-                <a:solidFill>
-                  <a:schemeClr val="bg1"/>
-                </a:solidFill>
-              </a:rPr>
-              <a:t>TensorBoard</a:t>
-            </a:r>
-            <a:r>
-              <a:rPr lang="en-US" dirty="0">
-                <a:solidFill>
-                  <a:schemeClr val="bg1"/>
-                </a:solidFill>
-              </a:rPr>
-              <a:t> </a:t>
-            </a:r>
-          </a:p>
-          <a:p>
-            <a:pPr marL="0" indent="0">
-              <a:buNone/>
-            </a:pPr>
-            <a:r>
-              <a:rPr lang="en-US" dirty="0">
-                <a:solidFill>
-                  <a:schemeClr val="bg1"/>
-                </a:solidFill>
-              </a:rPr>
-              <a:t>Hosting:</a:t>
-            </a:r>
-          </a:p>
-          <a:p>
-            <a:pPr marL="0" indent="0">
-              <a:buNone/>
-            </a:pPr>
-            <a:r>
-              <a:rPr lang="en-US" dirty="0">
-                <a:solidFill>
-                  <a:schemeClr val="bg1"/>
-                </a:solidFill>
-              </a:rPr>
-              <a:t>	-PythonAnywhere</a:t>
-            </a:r>
+            <a:endParaRPr lang="en-US" dirty="0">
+              <a:solidFill>
+                <a:schemeClr val="bg1"/>
+              </a:solidFill>
+            </a:endParaRPr>
           </a:p>
         </p:txBody>
       </p:sp>
     </p:spTree>
     <p:extLst>
       <p:ext uri="{BB962C8B-B14F-4D97-AF65-F5344CB8AC3E}">
-        <p14:creationId xmlns:p14="http://schemas.microsoft.com/office/powerpoint/2010/main" val="312691985"/>
+        <p14:creationId xmlns:p14="http://schemas.microsoft.com/office/powerpoint/2010/main" val="677316536"/>
       </p:ext>
     </p:extLst>
   </p:cSld>
@@ -6027,7 +6020,7 @@
           <p:cNvPr id="2" name="Title 1">
             <a:extLst>
               <a:ext uri="{FF2B5EF4-FFF2-40B4-BE49-F238E27FC236}">
-                <a16:creationId xmlns:a16="http://schemas.microsoft.com/office/drawing/2014/main" id="{F7D5432D-A80C-45F6-8586-20BA3F1F2CEA}"/>
+                <a16:creationId xmlns:a16="http://schemas.microsoft.com/office/drawing/2014/main" id="{54E800F8-ABD4-41FA-A506-31207AED7DBE}"/>
               </a:ext>
             </a:extLst>
           </p:cNvPr>
@@ -6049,7 +6042,7 @@
                   <a:schemeClr val="bg1"/>
                 </a:solidFill>
               </a:rPr>
-              <a:t>Data Collection</a:t>
+              <a:t>Machine Learning</a:t>
             </a:r>
           </a:p>
         </p:txBody>
@@ -6059,7 +6052,7 @@
           <p:cNvPr id="3" name="Content Placeholder 2">
             <a:extLst>
               <a:ext uri="{FF2B5EF4-FFF2-40B4-BE49-F238E27FC236}">
-                <a16:creationId xmlns:a16="http://schemas.microsoft.com/office/drawing/2014/main" id="{44DBDC77-41B8-4CDD-9E85-FA7B3DF376DD}"/>
+                <a16:creationId xmlns:a16="http://schemas.microsoft.com/office/drawing/2014/main" id="{68BF9B88-3136-4EE5-ACE1-2C048A33A00E}"/>
               </a:ext>
             </a:extLst>
           </p:cNvPr>
@@ -6070,34 +6063,50 @@
             <p:ph idx="1"/>
           </p:nvPr>
         </p:nvSpPr>
-        <p:spPr>
-          <a:xfrm>
-            <a:off x="838200" y="1558339"/>
-            <a:ext cx="10515600" cy="4351338"/>
-          </a:xfrm>
-        </p:spPr>
-        <p:txBody>
-          <a:bodyPr>
-            <a:normAutofit lnSpcReduction="10000"/>
-          </a:bodyPr>
-          <a:lstStyle/>
-          <a:p>
-            <a:pPr marL="0" indent="0">
-              <a:buNone/>
-            </a:pPr>
+        <p:spPr/>
+        <p:txBody>
+          <a:bodyPr/>
+          <a:lstStyle/>
+          <a:p>
             <a:r>
               <a:rPr lang="en-US" dirty="0">
                 <a:solidFill>
                   <a:schemeClr val="bg1"/>
                 </a:solidFill>
               </a:rPr>
-              <a:t>Our data was obtained by using the Census API</a:t>
-            </a:r>
-          </a:p>
-          <a:p>
-            <a:pPr marL="0" indent="0">
-              <a:buNone/>
-            </a:pPr>
+              <a:t>In a very layman manner, Machine Learning (ML) can be explained as automating and improving the learning process of computers based on their experiences without being actually programmed i.e. without any human assistance. The process starts with feeding good quality data and then training our machines (computers) by building machine learning models using the data and different algorithms. The choice of algorithms depends on what type of data do we have and what kind of task we are trying to automate.</a:t>
+            </a:r>
+          </a:p>
+          <a:p>
+            <a:endParaRPr lang="en-US" u="sng" dirty="0">
+              <a:solidFill>
+                <a:schemeClr val="bg1"/>
+              </a:solidFill>
+              <a:hlinkClick r:id="rId3">
+                <a:extLst>
+                  <a:ext uri="{A12FA001-AC4F-418D-AE19-62706E023703}">
+                    <ahyp:hlinkClr xmlns="" xmlns:ahyp="http://schemas.microsoft.com/office/drawing/2018/hyperlinkcolor" val="tx"/>
+                  </a:ext>
+                </a:extLst>
+              </a:hlinkClick>
+            </a:endParaRPr>
+          </a:p>
+          <a:p>
+            <a:r>
+              <a:rPr lang="en-US" u="sng" dirty="0">
+                <a:solidFill>
+                  <a:schemeClr val="bg1"/>
+                </a:solidFill>
+                <a:hlinkClick r:id="rId3">
+                  <a:extLst>
+                    <a:ext uri="{A12FA001-AC4F-418D-AE19-62706E023703}">
+                      <ahyp:hlinkClr xmlns="" xmlns:ahyp="http://schemas.microsoft.com/office/drawing/2018/hyperlinkcolor" val="tx"/>
+                    </a:ext>
+                  </a:extLst>
+                </a:hlinkClick>
+              </a:rPr>
+              <a:t>https://www.geeksforgeeks.org/ml-machine-learning/</a:t>
+            </a:r>
             <a:endParaRPr lang="en-US" dirty="0">
               <a:solidFill>
                 <a:schemeClr val="bg1"/>
@@ -6105,120 +6114,14 @@
             </a:endParaRPr>
           </a:p>
           <a:p>
-            <a:pPr marL="0" indent="0">
-              <a:buNone/>
-            </a:pPr>
-            <a:r>
-              <a:rPr lang="en-US" dirty="0">
-                <a:solidFill>
-                  <a:schemeClr val="bg1"/>
-                </a:solidFill>
-              </a:rPr>
-              <a:t>Sample Call:</a:t>
-            </a:r>
-          </a:p>
-          <a:p>
-            <a:pPr marL="0" indent="0">
-              <a:buNone/>
-            </a:pPr>
-            <a:r>
-              <a:rPr lang="en-US" dirty="0" err="1">
-                <a:solidFill>
-                  <a:schemeClr val="bg1"/>
-                </a:solidFill>
-              </a:rPr>
-              <a:t>url</a:t>
-            </a:r>
-            <a:r>
-              <a:rPr lang="en-US" dirty="0">
-                <a:solidFill>
-                  <a:schemeClr val="bg1"/>
-                </a:solidFill>
-              </a:rPr>
-              <a:t> = </a:t>
-            </a:r>
-            <a:r>
-              <a:rPr lang="en-US" dirty="0" err="1">
-                <a:solidFill>
-                  <a:schemeClr val="bg1"/>
-                </a:solidFill>
-              </a:rPr>
-              <a:t>requests.get</a:t>
-            </a:r>
-            <a:r>
-              <a:rPr lang="en-US" dirty="0">
-                <a:solidFill>
-                  <a:schemeClr val="bg1"/>
-                </a:solidFill>
-              </a:rPr>
-              <a:t>("https://api.census.gov/data/2011/</a:t>
-            </a:r>
-            <a:r>
-              <a:rPr lang="en-US" dirty="0" err="1">
-                <a:solidFill>
-                  <a:schemeClr val="bg1"/>
-                </a:solidFill>
-              </a:rPr>
-              <a:t>acs</a:t>
-            </a:r>
-            <a:r>
-              <a:rPr lang="en-US" dirty="0">
-                <a:solidFill>
-                  <a:schemeClr val="bg1"/>
-                </a:solidFill>
-              </a:rPr>
-              <a:t>/acs1?get=NAME,B01001_001E&amp;for=county:*&amp;in=state:*&amp;key=c64b663f57b72887707719c1318350c2fb6f9146")</a:t>
-            </a:r>
-          </a:p>
-          <a:p>
-            <a:pPr marL="0" indent="0">
-              <a:buNone/>
-            </a:pPr>
-            <a:endParaRPr lang="en-US" dirty="0">
-              <a:solidFill>
-                <a:schemeClr val="bg1"/>
-              </a:solidFill>
-            </a:endParaRPr>
-          </a:p>
-          <a:p>
-            <a:pPr marL="0" indent="0">
-              <a:buNone/>
-            </a:pPr>
-            <a:r>
-              <a:rPr lang="en-US" dirty="0">
-                <a:solidFill>
-                  <a:schemeClr val="bg1"/>
-                </a:solidFill>
-              </a:rPr>
-              <a:t>Visualization of the Data was achieved through the use of Google Facets.</a:t>
-            </a:r>
-          </a:p>
-          <a:p>
-            <a:pPr marL="0" indent="0">
-              <a:buNone/>
-            </a:pPr>
-            <a:endParaRPr lang="en-US" dirty="0">
-              <a:solidFill>
-                <a:schemeClr val="bg1"/>
-              </a:solidFill>
-            </a:endParaRPr>
-          </a:p>
-          <a:p>
-            <a:pPr marL="0" indent="0">
-              <a:buNone/>
-            </a:pPr>
-            <a:endParaRPr lang="en-US" dirty="0">
-              <a:solidFill>
-                <a:schemeClr val="bg1"/>
-              </a:solidFill>
-            </a:endParaRPr>
+            <a:endParaRPr lang="en-US" dirty="0"/>
           </a:p>
         </p:txBody>
       </p:sp>
     </p:spTree>
     <p:extLst>
       <p:ext uri="{BB962C8B-B14F-4D97-AF65-F5344CB8AC3E}">
-        <p14:creationId xmlns:p14="http://schemas.microsoft.com/office/powerpoint/2010/main" val="677316536"/>
+        <p14:creationId xmlns:p14="http://schemas.microsoft.com/office/powerpoint/2010/main" val="1983205796"/>
       </p:ext>
     </p:extLst>
   </p:cSld>
@@ -6250,7 +6153,7 @@
           <p:cNvPr id="2" name="Title 1">
             <a:extLst>
               <a:ext uri="{FF2B5EF4-FFF2-40B4-BE49-F238E27FC236}">
-                <a16:creationId xmlns:a16="http://schemas.microsoft.com/office/drawing/2014/main" id="{54E800F8-ABD4-41FA-A506-31207AED7DBE}"/>
+                <a16:creationId xmlns:a16="http://schemas.microsoft.com/office/drawing/2014/main" id="{3224F8B1-9EF6-4486-B531-014DA4576B4C}"/>
               </a:ext>
             </a:extLst>
           </p:cNvPr>
@@ -6266,92 +6169,64 @@
           <a:bodyPr/>
           <a:lstStyle/>
           <a:p>
+            <a:r>
+              <a:rPr lang="en-US" dirty="0" err="1">
+                <a:solidFill>
+                  <a:schemeClr val="bg1"/>
+                </a:solidFill>
+              </a:rPr>
+              <a:t>TensorBoard</a:t>
+            </a:r>
             <a:r>
               <a:rPr lang="en-US" dirty="0">
                 <a:solidFill>
                   <a:schemeClr val="bg1"/>
                 </a:solidFill>
               </a:rPr>
-              <a:t>Machine Learning</a:t>
-            </a:r>
-          </a:p>
-        </p:txBody>
-      </p:sp>
-      <p:sp>
-        <p:nvSpPr>
-          <p:cNvPr id="3" name="Content Placeholder 2">
-            <a:extLst>
-              <a:ext uri="{FF2B5EF4-FFF2-40B4-BE49-F238E27FC236}">
-                <a16:creationId xmlns:a16="http://schemas.microsoft.com/office/drawing/2014/main" id="{68BF9B88-3136-4EE5-ACE1-2C048A33A00E}"/>
-              </a:ext>
-            </a:extLst>
-          </p:cNvPr>
-          <p:cNvSpPr>
-            <a:spLocks noGrp="1"/>
-          </p:cNvSpPr>
+              <a:t> Model </a:t>
+            </a:r>
+          </a:p>
+        </p:txBody>
+      </p:sp>
+      <p:pic>
+        <p:nvPicPr>
+          <p:cNvPr id="8" name="Content Placeholder 7">
+            <a:extLst>
+              <a:ext uri="{FF2B5EF4-FFF2-40B4-BE49-F238E27FC236}">
+                <a16:creationId xmlns:a16="http://schemas.microsoft.com/office/drawing/2014/main" id="{E73C8FE6-BA87-4EC6-A215-441512662F49}"/>
+              </a:ext>
+            </a:extLst>
+          </p:cNvPr>
+          <p:cNvPicPr>
+            <a:picLocks noGrp="1" noChangeAspect="1"/>
+          </p:cNvPicPr>
           <p:nvPr>
             <p:ph idx="1"/>
           </p:nvPr>
-        </p:nvSpPr>
-        <p:spPr/>
-        <p:txBody>
-          <a:bodyPr/>
-          <a:lstStyle/>
-          <a:p>
-            <a:r>
-              <a:rPr lang="en-US" dirty="0">
-                <a:solidFill>
-                  <a:schemeClr val="bg1"/>
-                </a:solidFill>
-              </a:rPr>
-              <a:t>In a very layman manner, Machine Learning (ML) can be explained as automating and improving the learning process of computers based on their experiences without being actually programmed i.e. without any human assistance. The process starts with feeding good quality data and then training our machines (computers) by building machine learning models using the data and different algorithms. The choice of algorithms depends on what type of data do we have and what kind of task we are trying to automate.</a:t>
-            </a:r>
-          </a:p>
-          <a:p>
-            <a:endParaRPr lang="en-US" u="sng" dirty="0">
-              <a:solidFill>
-                <a:schemeClr val="bg1"/>
-              </a:solidFill>
-              <a:hlinkClick r:id="rId3">
-                <a:extLst>
-                  <a:ext uri="{A12FA001-AC4F-418D-AE19-62706E023703}">
-                    <ahyp:hlinkClr xmlns:ahyp="http://schemas.microsoft.com/office/drawing/2018/hyperlinkcolor" val="tx"/>
-                  </a:ext>
-                </a:extLst>
-              </a:hlinkClick>
-            </a:endParaRPr>
-          </a:p>
-          <a:p>
-            <a:r>
-              <a:rPr lang="en-US" u="sng" dirty="0">
-                <a:solidFill>
-                  <a:schemeClr val="bg1"/>
-                </a:solidFill>
-                <a:hlinkClick r:id="rId3">
-                  <a:extLst>
-                    <a:ext uri="{A12FA001-AC4F-418D-AE19-62706E023703}">
-                      <ahyp:hlinkClr xmlns:ahyp="http://schemas.microsoft.com/office/drawing/2018/hyperlinkcolor" val="tx"/>
-                    </a:ext>
-                  </a:extLst>
-                </a:hlinkClick>
-              </a:rPr>
-              <a:t>https://www.geeksforgeeks.org/ml-machine-learning/</a:t>
-            </a:r>
-            <a:endParaRPr lang="en-US" dirty="0">
-              <a:solidFill>
-                <a:schemeClr val="bg1"/>
-              </a:solidFill>
-            </a:endParaRPr>
-          </a:p>
-          <a:p>
-            <a:endParaRPr lang="en-US" dirty="0"/>
-          </a:p>
-        </p:txBody>
-      </p:sp>
+        </p:nvPicPr>
+        <p:blipFill>
+          <a:blip r:embed="rId3">
+            <a:extLst>
+              <a:ext uri="{28A0092B-C50C-407E-A947-70E740481C1C}">
+                <a14:useLocalDpi xmlns:a14="http://schemas.microsoft.com/office/drawing/2010/main" val="0"/>
+              </a:ext>
+            </a:extLst>
+          </a:blip>
+          <a:stretch>
+            <a:fillRect/>
+          </a:stretch>
+        </p:blipFill>
+        <p:spPr>
+          <a:xfrm>
+            <a:off x="2875722" y="1407311"/>
+            <a:ext cx="6313429" cy="5085564"/>
+          </a:xfrm>
+        </p:spPr>
+      </p:pic>
     </p:spTree>
     <p:extLst>
       <p:ext uri="{BB962C8B-B14F-4D97-AF65-F5344CB8AC3E}">
-        <p14:creationId xmlns:p14="http://schemas.microsoft.com/office/powerpoint/2010/main" val="1983205796"/>
+        <p14:creationId xmlns:p14="http://schemas.microsoft.com/office/powerpoint/2010/main" val="3190345273"/>
       </p:ext>
     </p:extLst>
   </p:cSld>
@@ -6383,7 +6258,7 @@
           <p:cNvPr id="2" name="Title 1">
             <a:extLst>
               <a:ext uri="{FF2B5EF4-FFF2-40B4-BE49-F238E27FC236}">
-                <a16:creationId xmlns:a16="http://schemas.microsoft.com/office/drawing/2014/main" id="{3224F8B1-9EF6-4486-B531-014DA4576B4C}"/>
+                <a16:creationId xmlns:a16="http://schemas.microsoft.com/office/drawing/2014/main" id="{8E3034D9-4AC5-4461-9FA8-43EF25C680C2}"/>
               </a:ext>
             </a:extLst>
           </p:cNvPr>
@@ -6398,6 +6273,48 @@
         <p:txBody>
           <a:bodyPr/>
           <a:lstStyle/>
+          <a:p>
+            <a:r>
+              <a:rPr lang="en-US" dirty="0">
+                <a:solidFill>
+                  <a:schemeClr val="bg1"/>
+                </a:solidFill>
+              </a:rPr>
+              <a:t>Our Model</a:t>
+            </a:r>
+          </a:p>
+        </p:txBody>
+      </p:sp>
+      <p:sp>
+        <p:nvSpPr>
+          <p:cNvPr id="3" name="Content Placeholder 2">
+            <a:extLst>
+              <a:ext uri="{FF2B5EF4-FFF2-40B4-BE49-F238E27FC236}">
+                <a16:creationId xmlns:a16="http://schemas.microsoft.com/office/drawing/2014/main" id="{2F80F532-220D-4299-85E5-BCA27C70B0E7}"/>
+              </a:ext>
+            </a:extLst>
+          </p:cNvPr>
+          <p:cNvSpPr>
+            <a:spLocks noGrp="1"/>
+          </p:cNvSpPr>
+          <p:nvPr>
+            <p:ph idx="1"/>
+          </p:nvPr>
+        </p:nvSpPr>
+        <p:spPr/>
+        <p:txBody>
+          <a:bodyPr/>
+          <a:lstStyle/>
+          <a:p>
+            <a:r>
+              <a:rPr lang="en-US" dirty="0">
+                <a:solidFill>
+                  <a:schemeClr val="bg1"/>
+                </a:solidFill>
+              </a:rPr>
+              <a:t>Sequential Model</a:t>
+            </a:r>
+          </a:p>
           <a:p>
             <a:r>
               <a:rPr lang="en-US" dirty="0" err="1">
@@ -6405,7 +6322,7 @@
                   <a:schemeClr val="bg1"/>
                 </a:solidFill>
               </a:rPr>
-              <a:t>TensorBoard</a:t>
+              <a:t>Relu</a:t>
             </a:r>
             <a:r>
               <a:rPr lang="en-US" dirty="0">
@@ -6413,50 +6330,25 @@
                   <a:schemeClr val="bg1"/>
                 </a:solidFill>
               </a:rPr>
-              <a:t> Model </a:t>
-            </a:r>
-          </a:p>
-        </p:txBody>
-      </p:sp>
-      <p:pic>
-        <p:nvPicPr>
-          <p:cNvPr id="8" name="Content Placeholder 7">
-            <a:extLst>
-              <a:ext uri="{FF2B5EF4-FFF2-40B4-BE49-F238E27FC236}">
-                <a16:creationId xmlns:a16="http://schemas.microsoft.com/office/drawing/2014/main" id="{E73C8FE6-BA87-4EC6-A215-441512662F49}"/>
-              </a:ext>
-            </a:extLst>
-          </p:cNvPr>
-          <p:cNvPicPr>
-            <a:picLocks noGrp="1" noChangeAspect="1"/>
-          </p:cNvPicPr>
-          <p:nvPr>
-            <p:ph idx="1"/>
-          </p:nvPr>
-        </p:nvPicPr>
-        <p:blipFill>
-          <a:blip r:embed="rId3">
-            <a:extLst>
-              <a:ext uri="{28A0092B-C50C-407E-A947-70E740481C1C}">
-                <a14:useLocalDpi xmlns:a14="http://schemas.microsoft.com/office/drawing/2010/main" val="0"/>
-              </a:ext>
-            </a:extLst>
-          </a:blip>
-          <a:stretch>
-            <a:fillRect/>
-          </a:stretch>
-        </p:blipFill>
-        <p:spPr>
-          <a:xfrm>
-            <a:off x="2875722" y="1407311"/>
-            <a:ext cx="6313429" cy="5085564"/>
-          </a:xfrm>
-        </p:spPr>
-      </p:pic>
+              <a:t> activation</a:t>
+            </a:r>
+          </a:p>
+          <a:p>
+            <a:r>
+              <a:rPr lang="en-US" dirty="0">
+                <a:solidFill>
+                  <a:schemeClr val="bg1"/>
+                </a:solidFill>
+              </a:rPr>
+              <a:t>Adam Optimizer</a:t>
+            </a:r>
+          </a:p>
+        </p:txBody>
+      </p:sp>
     </p:spTree>
     <p:extLst>
       <p:ext uri="{BB962C8B-B14F-4D97-AF65-F5344CB8AC3E}">
-        <p14:creationId xmlns:p14="http://schemas.microsoft.com/office/powerpoint/2010/main" val="3190345273"/>
+        <p14:creationId xmlns:p14="http://schemas.microsoft.com/office/powerpoint/2010/main" val="3648390768"/>
       </p:ext>
     </p:extLst>
   </p:cSld>
@@ -6488,7 +6380,7 @@
           <p:cNvPr id="2" name="Title 1">
             <a:extLst>
               <a:ext uri="{FF2B5EF4-FFF2-40B4-BE49-F238E27FC236}">
-                <a16:creationId xmlns:a16="http://schemas.microsoft.com/office/drawing/2014/main" id="{8E3034D9-4AC5-4461-9FA8-43EF25C680C2}"/>
+                <a16:creationId xmlns:a16="http://schemas.microsoft.com/office/drawing/2014/main" id="{5FDDAA3C-F3C8-4DDB-80B9-DA237F3F4532}"/>
               </a:ext>
             </a:extLst>
           </p:cNvPr>
@@ -6510,17 +6402,17 @@
                   <a:schemeClr val="bg1"/>
                 </a:solidFill>
               </a:rPr>
-              <a:t>Our Model</a:t>
-            </a:r>
-          </a:p>
-        </p:txBody>
-      </p:sp>
-      <p:sp>
-        <p:nvSpPr>
-          <p:cNvPr id="3" name="Content Placeholder 2">
-            <a:extLst>
-              <a:ext uri="{FF2B5EF4-FFF2-40B4-BE49-F238E27FC236}">
-                <a16:creationId xmlns:a16="http://schemas.microsoft.com/office/drawing/2014/main" id="{2F80F532-220D-4299-85E5-BCA27C70B0E7}"/>
+              <a:t>API Creation</a:t>
+            </a:r>
+          </a:p>
+        </p:txBody>
+      </p:sp>
+      <p:sp>
+        <p:nvSpPr>
+          <p:cNvPr id="5" name="Content Placeholder 4">
+            <a:extLst>
+              <a:ext uri="{FF2B5EF4-FFF2-40B4-BE49-F238E27FC236}">
+                <a16:creationId xmlns:a16="http://schemas.microsoft.com/office/drawing/2014/main" id="{A1F85561-941A-4945-B189-40E82BE37C18}"/>
               </a:ext>
             </a:extLst>
           </p:cNvPr>
@@ -6542,43 +6434,58 @@
                   <a:schemeClr val="bg1"/>
                 </a:solidFill>
               </a:rPr>
-              <a:t>Sequential Model</a:t>
-            </a:r>
-          </a:p>
-          <a:p>
-            <a:r>
-              <a:rPr lang="en-US" dirty="0" err="1">
-                <a:solidFill>
-                  <a:schemeClr val="bg1"/>
-                </a:solidFill>
-              </a:rPr>
-              <a:t>Relu</a:t>
-            </a:r>
+              <a:t>RESTful API</a:t>
+            </a:r>
+          </a:p>
+          <a:p>
             <a:r>
               <a:rPr lang="en-US" dirty="0">
                 <a:solidFill>
                   <a:schemeClr val="bg1"/>
                 </a:solidFill>
               </a:rPr>
-              <a:t> activation</a:t>
-            </a:r>
+              <a:t>Returns JSON Dictionary</a:t>
+            </a:r>
+          </a:p>
+          <a:p>
+            <a:endParaRPr lang="en-US" dirty="0">
+              <a:solidFill>
+                <a:schemeClr val="bg1"/>
+              </a:solidFill>
+            </a:endParaRPr>
           </a:p>
           <a:p>
             <a:r>
               <a:rPr lang="en-US" dirty="0">
-                <a:solidFill>
-                  <a:schemeClr val="bg1"/>
-                </a:solidFill>
+                <a:hlinkClick r:id="rId3"/>
               </a:rPr>
-              <a:t>Adam Optimizer</a:t>
-            </a:r>
+              <a:t>http://gmastorg.pythonanywhere.com/GLAPS?HomeVal=150000&amp;County=Cumberland%20County,%20North%20Carolina</a:t>
+            </a:r>
+            <a:endParaRPr lang="en-US" dirty="0"/>
+          </a:p>
+          <a:p>
+            <a:endParaRPr lang="en-US" dirty="0">
+              <a:solidFill>
+                <a:schemeClr val="bg1"/>
+              </a:solidFill>
+            </a:endParaRPr>
+          </a:p>
+          <a:p>
+            <a:pPr marL="0" indent="0">
+              <a:buNone/>
+            </a:pPr>
+            <a:endParaRPr lang="en-US" dirty="0">
+              <a:solidFill>
+                <a:schemeClr val="bg1"/>
+              </a:solidFill>
+            </a:endParaRPr>
           </a:p>
         </p:txBody>
       </p:sp>
     </p:spTree>
     <p:extLst>
       <p:ext uri="{BB962C8B-B14F-4D97-AF65-F5344CB8AC3E}">
-        <p14:creationId xmlns:p14="http://schemas.microsoft.com/office/powerpoint/2010/main" val="3648390768"/>
+        <p14:creationId xmlns:p14="http://schemas.microsoft.com/office/powerpoint/2010/main" val="1373218052"/>
       </p:ext>
     </p:extLst>
   </p:cSld>
